--- a/华为-鲲鹏处理器-2.pptx
+++ b/华为-鲲鹏处理器-2.pptx
@@ -1,30 +1,33 @@
 
 <file path=ppt/presentation.xml><?xml version="1.0" encoding="utf-8"?>
-<p:presentation xmlns:a="http://schemas.openxmlformats.org/drawingml/2006/main" xmlns:r="http://schemas.openxmlformats.org/officeDocument/2006/relationships" xmlns:p="http://schemas.openxmlformats.org/presentationml/2006/main" firstSlideNum="0" saveSubsetFonts="1">
+<p:presentation xmlns:a="http://schemas.openxmlformats.org/drawingml/2006/main" xmlns:r="http://schemas.openxmlformats.org/officeDocument/2006/relationships" xmlns:p="http://schemas.openxmlformats.org/presentationml/2006/main" firstSlideNum="0">
   <p:sldMasterIdLst>
-    <p:sldMasterId id="2147483841" r:id="rId4"/>
-    <p:sldMasterId id="2147483825" r:id="rId5"/>
-    <p:sldMasterId id="2147483848" r:id="rId6"/>
-    <p:sldMasterId id="2147483867" r:id="rId7"/>
+    <p:sldMasterId id="2147483648" r:id="rId1"/>
+    <p:sldMasterId id="2147483650" r:id="rId3"/>
+    <p:sldMasterId id="2147483662" r:id="rId4"/>
+    <p:sldMasterId id="2147483670" r:id="rId5"/>
   </p:sldMasterIdLst>
   <p:notesMasterIdLst>
-    <p:notesMasterId r:id="rId11"/>
+    <p:notesMasterId r:id="rId8"/>
   </p:notesMasterIdLst>
   <p:handoutMasterIdLst>
-    <p:handoutMasterId r:id="rId12"/>
+    <p:handoutMasterId r:id="rId10"/>
   </p:handoutMasterIdLst>
   <p:sldIdLst>
-    <p:sldId id="387" r:id="rId8"/>
-    <p:sldId id="368" r:id="rId9"/>
-    <p:sldId id="307" r:id="rId10"/>
+    <p:sldId id="387" r:id="rId6"/>
+    <p:sldId id="368" r:id="rId7"/>
+    <p:sldId id="307" r:id="rId9"/>
   </p:sldIdLst>
   <p:sldSz cx="12192000" cy="6858000"/>
   <p:notesSz cx="7010400" cy="9296400"/>
+  <p:custDataLst>
+    <p:tags r:id="rId17"/>
+  </p:custDataLst>
   <p:defaultTextStyle>
     <a:defPPr>
       <a:defRPr lang="en-US"/>
     </a:defPPr>
-    <a:lvl1pPr marL="0" algn="l" defTabSz="914478" rtl="0" eaLnBrk="1" latinLnBrk="0" hangingPunct="1">
+    <a:lvl1pPr marL="0" algn="l" defTabSz="914400" rtl="0" eaLnBrk="1" latinLnBrk="0" hangingPunct="1">
       <a:defRPr sz="1800" kern="1200">
         <a:solidFill>
           <a:schemeClr val="tx1"/>
@@ -34,7 +37,7 @@
         <a:cs typeface="+mn-cs"/>
       </a:defRPr>
     </a:lvl1pPr>
-    <a:lvl2pPr marL="457240" algn="l" defTabSz="914478" rtl="0" eaLnBrk="1" latinLnBrk="0" hangingPunct="1">
+    <a:lvl2pPr marL="457200" algn="l" defTabSz="914400" rtl="0" eaLnBrk="1" latinLnBrk="0" hangingPunct="1">
       <a:defRPr sz="1800" kern="1200">
         <a:solidFill>
           <a:schemeClr val="tx1"/>
@@ -44,7 +47,7 @@
         <a:cs typeface="+mn-cs"/>
       </a:defRPr>
     </a:lvl2pPr>
-    <a:lvl3pPr marL="914478" algn="l" defTabSz="914478" rtl="0" eaLnBrk="1" latinLnBrk="0" hangingPunct="1">
+    <a:lvl3pPr marL="914400" algn="l" defTabSz="914400" rtl="0" eaLnBrk="1" latinLnBrk="0" hangingPunct="1">
       <a:defRPr sz="1800" kern="1200">
         <a:solidFill>
           <a:schemeClr val="tx1"/>
@@ -54,7 +57,7 @@
         <a:cs typeface="+mn-cs"/>
       </a:defRPr>
     </a:lvl3pPr>
-    <a:lvl4pPr marL="1371718" algn="l" defTabSz="914478" rtl="0" eaLnBrk="1" latinLnBrk="0" hangingPunct="1">
+    <a:lvl4pPr marL="1371600" algn="l" defTabSz="914400" rtl="0" eaLnBrk="1" latinLnBrk="0" hangingPunct="1">
       <a:defRPr sz="1800" kern="1200">
         <a:solidFill>
           <a:schemeClr val="tx1"/>
@@ -64,7 +67,7 @@
         <a:cs typeface="+mn-cs"/>
       </a:defRPr>
     </a:lvl4pPr>
-    <a:lvl5pPr marL="1828957" algn="l" defTabSz="914478" rtl="0" eaLnBrk="1" latinLnBrk="0" hangingPunct="1">
+    <a:lvl5pPr marL="1828800" algn="l" defTabSz="914400" rtl="0" eaLnBrk="1" latinLnBrk="0" hangingPunct="1">
       <a:defRPr sz="1800" kern="1200">
         <a:solidFill>
           <a:schemeClr val="tx1"/>
@@ -74,7 +77,7 @@
         <a:cs typeface="+mn-cs"/>
       </a:defRPr>
     </a:lvl5pPr>
-    <a:lvl6pPr marL="2286196" algn="l" defTabSz="914478" rtl="0" eaLnBrk="1" latinLnBrk="0" hangingPunct="1">
+    <a:lvl6pPr marL="2286000" algn="l" defTabSz="914400" rtl="0" eaLnBrk="1" latinLnBrk="0" hangingPunct="1">
       <a:defRPr sz="1800" kern="1200">
         <a:solidFill>
           <a:schemeClr val="tx1"/>
@@ -84,7 +87,7 @@
         <a:cs typeface="+mn-cs"/>
       </a:defRPr>
     </a:lvl6pPr>
-    <a:lvl7pPr marL="2743435" algn="l" defTabSz="914478" rtl="0" eaLnBrk="1" latinLnBrk="0" hangingPunct="1">
+    <a:lvl7pPr marL="2743200" algn="l" defTabSz="914400" rtl="0" eaLnBrk="1" latinLnBrk="0" hangingPunct="1">
       <a:defRPr sz="1800" kern="1200">
         <a:solidFill>
           <a:schemeClr val="tx1"/>
@@ -94,7 +97,7 @@
         <a:cs typeface="+mn-cs"/>
       </a:defRPr>
     </a:lvl7pPr>
-    <a:lvl8pPr marL="3200675" algn="l" defTabSz="914478" rtl="0" eaLnBrk="1" latinLnBrk="0" hangingPunct="1">
+    <a:lvl8pPr marL="3200400" algn="l" defTabSz="914400" rtl="0" eaLnBrk="1" latinLnBrk="0" hangingPunct="1">
       <a:defRPr sz="1800" kern="1200">
         <a:solidFill>
           <a:schemeClr val="tx1"/>
@@ -104,7 +107,7 @@
         <a:cs typeface="+mn-cs"/>
       </a:defRPr>
     </a:lvl8pPr>
-    <a:lvl9pPr marL="3657913" algn="l" defTabSz="914478" rtl="0" eaLnBrk="1" latinLnBrk="0" hangingPunct="1">
+    <a:lvl9pPr marL="3657600" algn="l" defTabSz="914400" rtl="0" eaLnBrk="1" latinLnBrk="0" hangingPunct="1">
       <a:defRPr sz="1800" kern="1200">
         <a:solidFill>
           <a:schemeClr val="tx1"/>
@@ -129,20 +132,6 @@
           </p15:clr>
         </p15:guide>
       </p15:sldGuideLst>
-    </p:ext>
-    <p:ext uri="{2D200454-40CA-4A62-9FC3-DE9A4176ACB9}">
-      <p15:notesGuideLst xmlns:p15="http://schemas.microsoft.com/office/powerpoint/2012/main">
-        <p15:guide id="1" orient="horz" userDrawn="1">
-          <p15:clr>
-            <a:srgbClr val="A4A3A4"/>
-          </p15:clr>
-        </p15:guide>
-        <p15:guide id="2" pos="2208" userDrawn="1">
-          <p15:clr>
-            <a:srgbClr val="A4A3A4"/>
-          </p15:clr>
-        </p15:guide>
-      </p15:notesGuideLst>
     </p:ext>
   </p:extLst>
 </p:presentation>
@@ -172,13 +161,7 @@
       </p:grpSpPr>
       <p:sp>
         <p:nvSpPr>
-          <p:cNvPr id="2" name="Header Placeholder 1">
-            <a:extLst>
-              <a:ext uri="{FF2B5EF4-FFF2-40B4-BE49-F238E27FC236}">
-                <a16:creationId xmlns:a16="http://schemas.microsoft.com/office/drawing/2014/main" xmlns="" id="{8CC198DB-AFBD-584A-8986-364FF2B03F46}"/>
-              </a:ext>
-            </a:extLst>
-          </p:cNvPr>
+          <p:cNvPr id="2" name="Header Placeholder 1"/>
           <p:cNvSpPr>
             <a:spLocks noGrp="1"/>
           </p:cNvSpPr>
@@ -211,13 +194,7 @@
       </p:sp>
       <p:sp>
         <p:nvSpPr>
-          <p:cNvPr id="3" name="Date Placeholder 2">
-            <a:extLst>
-              <a:ext uri="{FF2B5EF4-FFF2-40B4-BE49-F238E27FC236}">
-                <a16:creationId xmlns:a16="http://schemas.microsoft.com/office/drawing/2014/main" xmlns="" id="{AD01315C-523F-A043-8029-B9921497126E}"/>
-              </a:ext>
-            </a:extLst>
-          </p:cNvPr>
+          <p:cNvPr id="3" name="Date Placeholder 2"/>
           <p:cNvSpPr>
             <a:spLocks noGrp="1"/>
           </p:cNvSpPr>
@@ -246,7 +223,6 @@
               <a:rPr lang="en-US" smtClean="0">
                 <a:latin typeface="Huawei Sans" panose="020C0503030203020204" pitchFamily="34" charset="0"/>
               </a:rPr>
-              <a:t>5/22/2023</a:t>
             </a:fld>
             <a:endParaRPr lang="en-US" dirty="0">
               <a:latin typeface="Huawei Sans" panose="020C0503030203020204" pitchFamily="34" charset="0"/>
@@ -256,13 +232,7 @@
       </p:sp>
       <p:sp>
         <p:nvSpPr>
-          <p:cNvPr id="4" name="Footer Placeholder 3">
-            <a:extLst>
-              <a:ext uri="{FF2B5EF4-FFF2-40B4-BE49-F238E27FC236}">
-                <a16:creationId xmlns:a16="http://schemas.microsoft.com/office/drawing/2014/main" xmlns="" id="{B9601424-70F4-1643-8E3A-557A0258D6B6}"/>
-              </a:ext>
-            </a:extLst>
-          </p:cNvPr>
+          <p:cNvPr id="4" name="Footer Placeholder 3"/>
           <p:cNvSpPr>
             <a:spLocks noGrp="1"/>
           </p:cNvSpPr>
@@ -295,13 +265,7 @@
       </p:sp>
       <p:sp>
         <p:nvSpPr>
-          <p:cNvPr id="5" name="Slide Number Placeholder 4">
-            <a:extLst>
-              <a:ext uri="{FF2B5EF4-FFF2-40B4-BE49-F238E27FC236}">
-                <a16:creationId xmlns:a16="http://schemas.microsoft.com/office/drawing/2014/main" xmlns="" id="{E85BF48A-FF5C-8145-95A7-EE66A87C73DF}"/>
-              </a:ext>
-            </a:extLst>
-          </p:cNvPr>
+          <p:cNvPr id="5" name="Slide Number Placeholder 4"/>
           <p:cNvSpPr>
             <a:spLocks noGrp="1"/>
           </p:cNvSpPr>
@@ -330,7 +294,6 @@
               <a:rPr lang="en-US" smtClean="0">
                 <a:latin typeface="Huawei Sans" panose="020C0503030203020204" pitchFamily="34" charset="0"/>
               </a:rPr>
-              <a:t>‹#›</a:t>
             </a:fld>
             <a:endParaRPr lang="en-US" dirty="0">
               <a:latin typeface="Huawei Sans" panose="020C0503030203020204" pitchFamily="34" charset="0"/>
@@ -339,11 +302,6 @@
         </p:txBody>
       </p:sp>
     </p:spTree>
-    <p:extLst>
-      <p:ext uri="{BB962C8B-B14F-4D97-AF65-F5344CB8AC3E}">
-        <p14:creationId xmlns:p14="http://schemas.microsoft.com/office/powerpoint/2010/main" val="4019095299"/>
-      </p:ext>
-    </p:extLst>
   </p:cSld>
   <p:clrMap bg1="lt1" tx1="dk1" bg2="lt2" tx2="dk2" accent1="accent1" accent2="accent2" accent3="accent3" accent4="accent4" accent5="accent5" accent6="accent6" hlink="hlink" folHlink="folHlink"/>
 </p:handoutMaster>
@@ -433,6 +391,7 @@
               <a:rPr lang="en-US" dirty="0"/>
               <a:t>Edit Master text styles</a:t>
             </a:r>
+            <a:endParaRPr lang="en-US" dirty="0"/>
           </a:p>
           <a:p>
             <a:pPr lvl="1"/>
@@ -440,6 +399,7 @@
               <a:rPr lang="en-US" dirty="0"/>
               <a:t>Second level</a:t>
             </a:r>
+            <a:endParaRPr lang="en-US" dirty="0"/>
           </a:p>
           <a:p>
             <a:pPr lvl="2"/>
@@ -447,6 +407,7 @@
               <a:rPr lang="en-US" dirty="0"/>
               <a:t>Third level</a:t>
             </a:r>
+            <a:endParaRPr lang="en-US" dirty="0"/>
           </a:p>
           <a:p>
             <a:pPr lvl="3"/>
@@ -454,6 +415,7 @@
               <a:rPr lang="en-US" dirty="0"/>
               <a:t>Fourth level</a:t>
             </a:r>
+            <a:endParaRPr lang="en-US" dirty="0"/>
           </a:p>
           <a:p>
             <a:pPr lvl="4"/>
@@ -461,19 +423,15 @@
               <a:rPr lang="en-US" dirty="0"/>
               <a:t>Fifth level</a:t>
             </a:r>
+            <a:endParaRPr lang="en-US" dirty="0"/>
           </a:p>
         </p:txBody>
       </p:sp>
     </p:spTree>
-    <p:extLst>
-      <p:ext uri="{BB962C8B-B14F-4D97-AF65-F5344CB8AC3E}">
-        <p14:creationId xmlns:p14="http://schemas.microsoft.com/office/powerpoint/2010/main" val="744632111"/>
-      </p:ext>
-    </p:extLst>
   </p:cSld>
   <p:clrMap bg1="lt1" tx1="dk1" bg2="lt2" tx2="dk2" accent1="accent1" accent2="accent2" accent3="accent3" accent4="accent4" accent5="accent5" accent6="accent6" hlink="hlink" folHlink="folHlink"/>
   <p:notesStyle>
-    <a:lvl1pPr marL="180000" indent="-180000" algn="l" defTabSz="1219304" rtl="0" eaLnBrk="1" fontAlgn="ctr" latinLnBrk="0" hangingPunct="1">
+    <a:lvl1pPr marL="179705" indent="-179705" algn="l" defTabSz="1219200" rtl="0" eaLnBrk="1" fontAlgn="ctr" latinLnBrk="0" hangingPunct="1">
       <a:lnSpc>
         <a:spcPct val="125000"/>
       </a:lnSpc>
@@ -491,7 +449,7 @@
         <a:cs typeface="+mn-cs"/>
       </a:defRPr>
     </a:lvl1pPr>
-    <a:lvl2pPr marL="540000" indent="-180000" algn="l" defTabSz="1219304" rtl="0" eaLnBrk="1" fontAlgn="ctr" latinLnBrk="0" hangingPunct="1">
+    <a:lvl2pPr marL="539750" indent="-179705" algn="l" defTabSz="1219200" rtl="0" eaLnBrk="1" fontAlgn="ctr" latinLnBrk="0" hangingPunct="1">
       <a:lnSpc>
         <a:spcPct val="125000"/>
       </a:lnSpc>
@@ -510,14 +468,14 @@
         <a:cs typeface="+mn-cs"/>
       </a:defRPr>
     </a:lvl2pPr>
-    <a:lvl3pPr marL="900000" indent="-180000" algn="l" defTabSz="1219304" rtl="0" eaLnBrk="1" fontAlgn="ctr" latinLnBrk="0" hangingPunct="1">
+    <a:lvl3pPr marL="899795" indent="-179705" algn="l" defTabSz="1219200" rtl="0" eaLnBrk="1" fontAlgn="ctr" latinLnBrk="0" hangingPunct="1">
       <a:lnSpc>
         <a:spcPct val="125000"/>
       </a:lnSpc>
       <a:spcAft>
         <a:spcPts val="600"/>
       </a:spcAft>
-      <a:buFont typeface="微软雅黑" panose="020B0503020204020204" pitchFamily="34" charset="-122"/>
+      <a:buFont typeface="微软雅黑" panose="020B0503020204020204" charset="-122"/>
       <a:buChar char="▪"/>
       <a:defRPr sz="1100" kern="1200" baseline="0">
         <a:solidFill>
@@ -528,7 +486,7 @@
         <a:cs typeface="+mn-cs"/>
       </a:defRPr>
     </a:lvl3pPr>
-    <a:lvl4pPr marL="1260000" indent="-180000" algn="l" defTabSz="1219304" rtl="0" eaLnBrk="1" fontAlgn="ctr" latinLnBrk="0" hangingPunct="1">
+    <a:lvl4pPr marL="1259840" indent="-179705" algn="l" defTabSz="1219200" rtl="0" eaLnBrk="1" fontAlgn="ctr" latinLnBrk="0" hangingPunct="1">
       <a:lnSpc>
         <a:spcPct val="125000"/>
       </a:lnSpc>
@@ -546,7 +504,7 @@
         <a:cs typeface="+mn-cs"/>
       </a:defRPr>
     </a:lvl4pPr>
-    <a:lvl5pPr marL="1620000" indent="-180000" algn="l" defTabSz="1219304" rtl="0" eaLnBrk="1" fontAlgn="ctr" latinLnBrk="0" hangingPunct="1">
+    <a:lvl5pPr marL="1619885" indent="-179705" algn="l" defTabSz="1219200" rtl="0" eaLnBrk="1" fontAlgn="ctr" latinLnBrk="0" hangingPunct="1">
       <a:lnSpc>
         <a:spcPct val="125000"/>
       </a:lnSpc>
@@ -564,7 +522,7 @@
         <a:cs typeface="+mn-cs"/>
       </a:defRPr>
     </a:lvl5pPr>
-    <a:lvl6pPr marL="3048261" algn="l" defTabSz="1219304" rtl="0" eaLnBrk="1" latinLnBrk="0" hangingPunct="1">
+    <a:lvl6pPr marL="3048000" algn="l" defTabSz="1219200" rtl="0" eaLnBrk="1" latinLnBrk="0" hangingPunct="1">
       <a:defRPr sz="1600" kern="1200">
         <a:solidFill>
           <a:schemeClr val="tx1"/>
@@ -574,7 +532,7 @@
         <a:cs typeface="+mn-cs"/>
       </a:defRPr>
     </a:lvl6pPr>
-    <a:lvl7pPr marL="3657913" algn="l" defTabSz="1219304" rtl="0" eaLnBrk="1" latinLnBrk="0" hangingPunct="1">
+    <a:lvl7pPr marL="3657600" algn="l" defTabSz="1219200" rtl="0" eaLnBrk="1" latinLnBrk="0" hangingPunct="1">
       <a:defRPr sz="1600" kern="1200">
         <a:solidFill>
           <a:schemeClr val="tx1"/>
@@ -584,7 +542,7 @@
         <a:cs typeface="+mn-cs"/>
       </a:defRPr>
     </a:lvl7pPr>
-    <a:lvl8pPr marL="4267566" algn="l" defTabSz="1219304" rtl="0" eaLnBrk="1" latinLnBrk="0" hangingPunct="1">
+    <a:lvl8pPr marL="4267835" algn="l" defTabSz="1219200" rtl="0" eaLnBrk="1" latinLnBrk="0" hangingPunct="1">
       <a:defRPr sz="1600" kern="1200">
         <a:solidFill>
           <a:schemeClr val="tx1"/>
@@ -594,7 +552,7 @@
         <a:cs typeface="+mn-cs"/>
       </a:defRPr>
     </a:lvl8pPr>
-    <a:lvl9pPr marL="4877219" algn="l" defTabSz="1219304" rtl="0" eaLnBrk="1" latinLnBrk="0" hangingPunct="1">
+    <a:lvl9pPr marL="4877435" algn="l" defTabSz="1219200" rtl="0" eaLnBrk="1" latinLnBrk="0" hangingPunct="1">
       <a:defRPr sz="1600" kern="1200">
         <a:solidFill>
           <a:schemeClr val="tx1"/>
@@ -605,42 +563,6 @@
       </a:defRPr>
     </a:lvl9pPr>
   </p:notesStyle>
-  <p:extLst mod="1">
-    <p:ext uri="{620B2872-D7B9-4A21-9093-7833F8D536E1}">
-      <p15:sldGuideLst xmlns:p15="http://schemas.microsoft.com/office/powerpoint/2012/main">
-        <p15:guide id="2" orient="horz" pos="2704" userDrawn="1">
-          <p15:clr>
-            <a:srgbClr val="F26B43"/>
-          </p15:clr>
-        </p15:guide>
-        <p15:guide id="3" orient="horz" pos="459" userDrawn="1">
-          <p15:clr>
-            <a:srgbClr val="F26B43"/>
-          </p15:clr>
-        </p15:guide>
-        <p15:guide id="4" orient="horz" pos="2432" userDrawn="1">
-          <p15:clr>
-            <a:srgbClr val="F26B43"/>
-          </p15:clr>
-        </p15:guide>
-        <p15:guide id="7" pos="461" userDrawn="1">
-          <p15:clr>
-            <a:srgbClr val="F26B43"/>
-          </p15:clr>
-        </p15:guide>
-        <p15:guide id="9" pos="2207" userDrawn="1">
-          <p15:clr>
-            <a:srgbClr val="F26B43"/>
-          </p15:clr>
-        </p15:guide>
-        <p15:guide id="10" pos="3976" userDrawn="1">
-          <p15:clr>
-            <a:srgbClr val="F26B43"/>
-          </p15:clr>
-        </p15:guide>
-      </p15:sldGuideLst>
-    </p:ext>
-  </p:extLst>
 </p:notesMaster>
 </file>
 
@@ -700,11 +622,6 @@
         </p:txBody>
       </p:sp>
     </p:spTree>
-    <p:extLst>
-      <p:ext uri="{BB962C8B-B14F-4D97-AF65-F5344CB8AC3E}">
-        <p14:creationId xmlns:p14="http://schemas.microsoft.com/office/powerpoint/2010/main" val="3499943846"/>
-      </p:ext>
-    </p:extLst>
   </p:cSld>
   <p:clrMapOvr>
     <a:masterClrMapping/>
@@ -731,13 +648,7 @@
       </p:grpSpPr>
       <p:sp>
         <p:nvSpPr>
-          <p:cNvPr id="9" name="Title 1">
-            <a:extLst>
-              <a:ext uri="{FF2B5EF4-FFF2-40B4-BE49-F238E27FC236}">
-                <a16:creationId xmlns="" xmlns:a16="http://schemas.microsoft.com/office/drawing/2014/main" id="{8227DEE9-8BE9-0D49-BF96-9E83C5312E00}"/>
-              </a:ext>
-            </a:extLst>
-          </p:cNvPr>
+          <p:cNvPr id="9" name="Title 1"/>
           <p:cNvSpPr>
             <a:spLocks noGrp="1"/>
           </p:cNvSpPr>
@@ -771,9 +682,9 @@
             </a:lvl1pPr>
           </a:lstStyle>
           <a:p>
-            <a:pPr lvl="0" defTabSz="914034">
+            <a:pPr lvl="0" defTabSz="913765">
               <a:lnSpc>
-                <a:spcPts val="3439"/>
+                <a:spcPts val="3440"/>
               </a:lnSpc>
             </a:pPr>
             <a:r>
@@ -786,13 +697,7 @@
       </p:sp>
       <p:sp>
         <p:nvSpPr>
-          <p:cNvPr id="10" name="Text Placeholder 5">
-            <a:extLst>
-              <a:ext uri="{FF2B5EF4-FFF2-40B4-BE49-F238E27FC236}">
-                <a16:creationId xmlns="" xmlns:a16="http://schemas.microsoft.com/office/drawing/2014/main" id="{2F43DA98-D48D-6947-95EF-BA3B05E68822}"/>
-              </a:ext>
-            </a:extLst>
-          </p:cNvPr>
+          <p:cNvPr id="10" name="Text Placeholder 5"/>
           <p:cNvSpPr>
             <a:spLocks noGrp="1"/>
           </p:cNvSpPr>
@@ -841,11 +746,6 @@
         </p:txBody>
       </p:sp>
     </p:spTree>
-    <p:extLst>
-      <p:ext uri="{BB962C8B-B14F-4D97-AF65-F5344CB8AC3E}">
-        <p14:creationId xmlns:p14="http://schemas.microsoft.com/office/powerpoint/2010/main" val="1238390513"/>
-      </p:ext>
-    </p:extLst>
   </p:cSld>
   <p:clrMapOvr>
     <a:masterClrMapping/>
@@ -908,16 +808,8 @@
       </p:sp>
       <p:cxnSp>
         <p:nvCxnSpPr>
-          <p:cNvPr id="14" name="直线连接符 14">
-            <a:extLst>
-              <a:ext uri="{FF2B5EF4-FFF2-40B4-BE49-F238E27FC236}">
-                <a16:creationId xmlns="" xmlns:a16="http://schemas.microsoft.com/office/drawing/2014/main" id="{C79E9F57-49BC-DC4A-B843-36D48051C848}"/>
-              </a:ext>
-            </a:extLst>
-          </p:cNvPr>
-          <p:cNvCxnSpPr>
-            <a:cxnSpLocks/>
-          </p:cNvCxnSpPr>
+          <p:cNvPr id="14" name="直线连接符 14"/>
+          <p:cNvCxnSpPr/>
           <p:nvPr userDrawn="1"/>
         </p:nvCxnSpPr>
         <p:spPr>
@@ -952,13 +844,7 @@
       </p:cxnSp>
       <p:sp>
         <p:nvSpPr>
-          <p:cNvPr id="15" name="文本框 16">
-            <a:extLst>
-              <a:ext uri="{FF2B5EF4-FFF2-40B4-BE49-F238E27FC236}">
-                <a16:creationId xmlns="" xmlns:a16="http://schemas.microsoft.com/office/drawing/2014/main" id="{568EC886-2612-1F43-AB51-21A76A078357}"/>
-              </a:ext>
-            </a:extLst>
-          </p:cNvPr>
+          <p:cNvPr id="15" name="文本框 16"/>
           <p:cNvSpPr txBox="1"/>
           <p:nvPr userDrawn="1"/>
         </p:nvSpPr>
@@ -979,33 +865,28 @@
           <a:lstStyle/>
           <a:p>
             <a:r>
-              <a:rPr kumimoji="1" lang="zh-CN" altLang="en-US" sz="3636" baseline="0" dirty="0" smtClean="0">
+              <a:rPr kumimoji="1" lang="zh-CN" altLang="en-US" sz="3635" baseline="0" dirty="0" smtClean="0">
                 <a:solidFill>
                   <a:srgbClr val="404040"/>
                 </a:solidFill>
                 <a:latin typeface="Huawei Sans" panose="020C0503030203020204" pitchFamily="34" charset="0"/>
                 <a:ea typeface="方正兰亭黑简体" panose="02000000000000000000" pitchFamily="2" charset="-122"/>
-                <a:cs typeface="Microsoft YaHei" charset="-122"/>
+                <a:cs typeface="微软雅黑" panose="020B0503020204020204" charset="-122"/>
               </a:rPr>
               <a:t>学习推荐</a:t>
             </a:r>
-            <a:endParaRPr kumimoji="1" lang="zh-CN" altLang="en-US" sz="3636" baseline="0" dirty="0">
+            <a:endParaRPr kumimoji="1" lang="zh-CN" altLang="en-US" sz="3635" baseline="0" dirty="0">
               <a:solidFill>
                 <a:srgbClr val="404040"/>
               </a:solidFill>
               <a:latin typeface="Huawei Sans" panose="020C0503030203020204" pitchFamily="34" charset="0"/>
               <a:ea typeface="方正兰亭黑简体" panose="02000000000000000000" pitchFamily="2" charset="-122"/>
-              <a:cs typeface="Microsoft YaHei" charset="-122"/>
+              <a:cs typeface="微软雅黑" panose="020B0503020204020204" charset="-122"/>
             </a:endParaRPr>
           </a:p>
         </p:txBody>
       </p:sp>
     </p:spTree>
-    <p:extLst>
-      <p:ext uri="{BB962C8B-B14F-4D97-AF65-F5344CB8AC3E}">
-        <p14:creationId xmlns:p14="http://schemas.microsoft.com/office/powerpoint/2010/main" val="2010191236"/>
-      </p:ext>
-    </p:extLst>
   </p:cSld>
   <p:clrMapOvr>
     <a:masterClrMapping/>
@@ -1078,9 +959,7 @@
       <p:sp>
         <p:nvSpPr>
           <p:cNvPr id="3" name="Freeform 9"/>
-          <p:cNvSpPr>
-            <a:spLocks/>
-          </p:cNvSpPr>
+          <p:cNvSpPr/>
           <p:nvPr userDrawn="1"/>
         </p:nvSpPr>
         <p:spPr bwMode="auto">
@@ -1164,14 +1043,11 @@
         </p:spPr>
         <p:txBody>
           <a:bodyPr rot="0" spcFirstLastPara="0" vertOverflow="overflow" horzOverflow="overflow" vert="horz" wrap="square" lIns="91440" tIns="45720" rIns="91440" bIns="45720" numCol="1" spcCol="0" rtlCol="0" fromWordArt="0" anchor="t" anchorCtr="0" forceAA="0" compatLnSpc="1">
-            <a:prstTxWarp prst="textNoShape">
-              <a:avLst/>
-            </a:prstTxWarp>
             <a:noAutofit/>
           </a:bodyPr>
           <a:lstStyle/>
           <a:p>
-            <a:pPr defTabSz="914478"/>
+            <a:pPr defTabSz="914400"/>
             <a:endParaRPr lang="zh-CN" altLang="en-US" dirty="0">
               <a:solidFill>
                 <a:prstClr val="black"/>
@@ -1183,9 +1059,7 @@
       <p:sp>
         <p:nvSpPr>
           <p:cNvPr id="4" name="Freeform 11"/>
-          <p:cNvSpPr>
-            <a:spLocks/>
-          </p:cNvSpPr>
+          <p:cNvSpPr/>
           <p:nvPr userDrawn="1"/>
         </p:nvSpPr>
         <p:spPr bwMode="auto">
@@ -1277,14 +1151,11 @@
         </p:spPr>
         <p:txBody>
           <a:bodyPr rot="0" spcFirstLastPara="0" vertOverflow="overflow" horzOverflow="overflow" vert="horz" wrap="square" lIns="91440" tIns="45720" rIns="91440" bIns="45720" numCol="1" spcCol="0" rtlCol="0" fromWordArt="0" anchor="t" anchorCtr="0" forceAA="0" compatLnSpc="1">
-            <a:prstTxWarp prst="textNoShape">
-              <a:avLst/>
-            </a:prstTxWarp>
             <a:noAutofit/>
           </a:bodyPr>
           <a:lstStyle/>
           <a:p>
-            <a:pPr defTabSz="914478"/>
+            <a:pPr defTabSz="914400"/>
             <a:endParaRPr lang="zh-CN" altLang="en-US" dirty="0">
               <a:solidFill>
                 <a:prstClr val="black"/>
@@ -1619,21 +1490,15 @@
                     <a:srgbClr val="000000"/>
                   </a:solidFill>
                   <a:round/>
-                  <a:headEnd/>
-                  <a:tailEnd/>
                 </a14:hiddenLine>
               </a:ext>
             </a:extLst>
           </p:spPr>
           <p:txBody>
-            <a:bodyPr vert="horz" wrap="square" lIns="91440" tIns="45720" rIns="91440" bIns="45720" numCol="1" anchor="t" anchorCtr="0" compatLnSpc="1">
-              <a:prstTxWarp prst="textNoShape">
-                <a:avLst/>
-              </a:prstTxWarp>
-            </a:bodyPr>
+            <a:bodyPr vert="horz" wrap="square" lIns="91440" tIns="45720" rIns="91440" bIns="45720" numCol="1" anchor="t" anchorCtr="0" compatLnSpc="1"/>
             <a:lstStyle/>
             <a:p>
-              <a:pPr defTabSz="914478"/>
+              <a:pPr defTabSz="914400"/>
               <a:endParaRPr lang="zh-CN" altLang="en-US" dirty="0">
                 <a:solidFill>
                   <a:prstClr val="black"/>
@@ -1883,21 +1748,15 @@
                     <a:srgbClr val="000000"/>
                   </a:solidFill>
                   <a:round/>
-                  <a:headEnd/>
-                  <a:tailEnd/>
                 </a14:hiddenLine>
               </a:ext>
             </a:extLst>
           </p:spPr>
           <p:txBody>
-            <a:bodyPr vert="horz" wrap="square" lIns="91440" tIns="45720" rIns="91440" bIns="45720" numCol="1" anchor="t" anchorCtr="0" compatLnSpc="1">
-              <a:prstTxWarp prst="textNoShape">
-                <a:avLst/>
-              </a:prstTxWarp>
-            </a:bodyPr>
+            <a:bodyPr vert="horz" wrap="square" lIns="91440" tIns="45720" rIns="91440" bIns="45720" numCol="1" anchor="t" anchorCtr="0" compatLnSpc="1"/>
             <a:lstStyle/>
             <a:p>
-              <a:pPr defTabSz="914478"/>
+              <a:pPr defTabSz="914400"/>
               <a:endParaRPr lang="zh-CN" altLang="en-US" dirty="0">
                 <a:solidFill>
                   <a:prstClr val="black"/>
@@ -1942,15 +1801,11 @@
               <a:rPr lang="zh-CN" altLang="en-US" dirty="0"/>
               <a:t>单击此处输入文字</a:t>
             </a:r>
+            <a:endParaRPr lang="zh-CN" altLang="en-US" dirty="0"/>
           </a:p>
         </p:txBody>
       </p:sp>
     </p:spTree>
-    <p:extLst>
-      <p:ext uri="{BB962C8B-B14F-4D97-AF65-F5344CB8AC3E}">
-        <p14:creationId xmlns:p14="http://schemas.microsoft.com/office/powerpoint/2010/main" val="328597866"/>
-      </p:ext>
-    </p:extLst>
   </p:cSld>
   <p:clrMapOvr>
     <a:masterClrMapping/>
@@ -1962,17 +1817,6 @@
       </p:par>
     </p:tnLst>
   </p:timing>
-  <p:extLst mod="1">
-    <p:ext uri="{DCECCB84-F9BA-43D5-87BE-67443E8EF086}">
-      <p15:sldGuideLst xmlns:p15="http://schemas.microsoft.com/office/powerpoint/2012/main">
-        <p15:guide id="1" orient="horz" pos="663">
-          <p15:clr>
-            <a:srgbClr val="FBAE40"/>
-          </p15:clr>
-        </p15:guide>
-      </p15:sldGuideLst>
-    </p:ext>
-  </p:extLst>
 </p:sldLayout>
 </file>
 
@@ -1996,9 +1840,7 @@
       <p:sp>
         <p:nvSpPr>
           <p:cNvPr id="10" name="Freeform 9"/>
-          <p:cNvSpPr>
-            <a:spLocks/>
-          </p:cNvSpPr>
+          <p:cNvSpPr/>
           <p:nvPr userDrawn="1"/>
         </p:nvSpPr>
         <p:spPr bwMode="auto">
@@ -2082,14 +1924,11 @@
         </p:spPr>
         <p:txBody>
           <a:bodyPr rot="0" spcFirstLastPara="0" vertOverflow="overflow" horzOverflow="overflow" vert="horz" wrap="square" lIns="91440" tIns="45720" rIns="91440" bIns="45720" numCol="1" spcCol="0" rtlCol="0" fromWordArt="0" anchor="t" anchorCtr="0" forceAA="0" compatLnSpc="1">
-            <a:prstTxWarp prst="textNoShape">
-              <a:avLst/>
-            </a:prstTxWarp>
             <a:noAutofit/>
           </a:bodyPr>
           <a:lstStyle/>
           <a:p>
-            <a:pPr defTabSz="914478"/>
+            <a:pPr defTabSz="914400"/>
             <a:endParaRPr lang="zh-CN" altLang="en-US" dirty="0">
               <a:solidFill>
                 <a:prstClr val="black"/>
@@ -2101,9 +1940,7 @@
       <p:sp>
         <p:nvSpPr>
           <p:cNvPr id="11" name="Freeform 11"/>
-          <p:cNvSpPr>
-            <a:spLocks/>
-          </p:cNvSpPr>
+          <p:cNvSpPr/>
           <p:nvPr userDrawn="1"/>
         </p:nvSpPr>
         <p:spPr bwMode="auto">
@@ -2195,14 +2032,11 @@
         </p:spPr>
         <p:txBody>
           <a:bodyPr rot="0" spcFirstLastPara="0" vertOverflow="overflow" horzOverflow="overflow" vert="horz" wrap="square" lIns="91440" tIns="45720" rIns="91440" bIns="45720" numCol="1" spcCol="0" rtlCol="0" fromWordArt="0" anchor="t" anchorCtr="0" forceAA="0" compatLnSpc="1">
-            <a:prstTxWarp prst="textNoShape">
-              <a:avLst/>
-            </a:prstTxWarp>
             <a:noAutofit/>
           </a:bodyPr>
           <a:lstStyle/>
           <a:p>
-            <a:pPr defTabSz="914478"/>
+            <a:pPr defTabSz="914400"/>
             <a:endParaRPr lang="zh-CN" altLang="en-US" dirty="0">
               <a:solidFill>
                 <a:prstClr val="black"/>
@@ -2467,14 +2301,10 @@
           </a:ln>
         </p:spPr>
         <p:txBody>
-          <a:bodyPr vert="horz" wrap="square" lIns="91440" tIns="45720" rIns="91440" bIns="45720" numCol="1" anchor="t" anchorCtr="0" compatLnSpc="1">
-            <a:prstTxWarp prst="textNoShape">
-              <a:avLst/>
-            </a:prstTxWarp>
-          </a:bodyPr>
+          <a:bodyPr vert="horz" wrap="square" lIns="91440" tIns="45720" rIns="91440" bIns="45720" numCol="1" anchor="t" anchorCtr="0" compatLnSpc="1"/>
           <a:lstStyle/>
           <a:p>
-            <a:pPr defTabSz="914478"/>
+            <a:pPr defTabSz="914400"/>
             <a:endParaRPr lang="zh-CN" altLang="en-US" dirty="0">
               <a:solidFill>
                 <a:prstClr val="black"/>
@@ -2522,11 +2352,6 @@
         </p:txBody>
       </p:sp>
     </p:spTree>
-    <p:extLst>
-      <p:ext uri="{BB962C8B-B14F-4D97-AF65-F5344CB8AC3E}">
-        <p14:creationId xmlns:p14="http://schemas.microsoft.com/office/powerpoint/2010/main" val="4292560239"/>
-      </p:ext>
-    </p:extLst>
   </p:cSld>
   <p:clrMapOvr>
     <a:masterClrMapping/>
@@ -2538,11 +2363,6 @@
       </p:par>
     </p:tnLst>
   </p:timing>
-  <p:extLst mod="1">
-    <p:ext uri="{DCECCB84-F9BA-43D5-87BE-67443E8EF086}">
-      <p15:sldGuideLst xmlns:p15="http://schemas.microsoft.com/office/powerpoint/2012/main"/>
-    </p:ext>
-  </p:extLst>
 </p:sldLayout>
 </file>
 
@@ -2595,7 +2415,7 @@
             </a:lvl1pPr>
           </a:lstStyle>
           <a:p>
-            <a:pPr marL="0" lvl="0" indent="0" defTabSz="1187798">
+            <a:pPr marL="0" lvl="0" indent="0" defTabSz="1188085">
               <a:lnSpc>
                 <a:spcPts val="3430"/>
               </a:lnSpc>
@@ -2612,6 +2432,7 @@
               <a:rPr lang="zh-CN" altLang="en-US" dirty="0"/>
               <a:t>此处编辑母版标题样式</a:t>
             </a:r>
+            <a:endParaRPr lang="zh-CN" altLang="en-US" dirty="0"/>
           </a:p>
         </p:txBody>
       </p:sp>
@@ -2651,15 +2472,11 @@
               <a:rPr lang="zh-CN" altLang="en-US" dirty="0"/>
               <a:t>单击此处输入文字</a:t>
             </a:r>
+            <a:endParaRPr lang="zh-CN" altLang="en-US" dirty="0"/>
           </a:p>
         </p:txBody>
       </p:sp>
     </p:spTree>
-    <p:extLst>
-      <p:ext uri="{BB962C8B-B14F-4D97-AF65-F5344CB8AC3E}">
-        <p14:creationId xmlns:p14="http://schemas.microsoft.com/office/powerpoint/2010/main" val="2166991213"/>
-      </p:ext>
-    </p:extLst>
   </p:cSld>
   <p:clrMapOvr>
     <a:masterClrMapping/>
@@ -2671,17 +2488,6 @@
       </p:par>
     </p:tnLst>
   </p:timing>
-  <p:extLst mod="1">
-    <p:ext uri="{DCECCB84-F9BA-43D5-87BE-67443E8EF086}">
-      <p15:sldGuideLst xmlns:p15="http://schemas.microsoft.com/office/powerpoint/2012/main">
-        <p15:guide id="1" orient="horz" pos="935" userDrawn="1">
-          <p15:clr>
-            <a:srgbClr val="FBAE40"/>
-          </p15:clr>
-        </p15:guide>
-      </p15:sldGuideLst>
-    </p:ext>
-  </p:extLst>
 </p:sldLayout>
 </file>
 
@@ -2734,7 +2540,7 @@
             </a:lvl1pPr>
           </a:lstStyle>
           <a:p>
-            <a:pPr marL="0" lvl="0" indent="0" defTabSz="1187798">
+            <a:pPr marL="0" lvl="0" indent="0" defTabSz="1188085">
               <a:lnSpc>
                 <a:spcPts val="3430"/>
               </a:lnSpc>
@@ -2751,6 +2557,7 @@
               <a:rPr lang="zh-CN" altLang="en-US" dirty="0"/>
               <a:t>此处编辑母版标题样式</a:t>
             </a:r>
+            <a:endParaRPr lang="zh-CN" altLang="en-US" dirty="0"/>
           </a:p>
         </p:txBody>
       </p:sp>
@@ -2790,15 +2597,11 @@
               <a:rPr lang="zh-CN" altLang="en-US" dirty="0"/>
               <a:t>单击此处输入文字</a:t>
             </a:r>
+            <a:endParaRPr lang="zh-CN" altLang="en-US" dirty="0"/>
           </a:p>
         </p:txBody>
       </p:sp>
     </p:spTree>
-    <p:extLst>
-      <p:ext uri="{BB962C8B-B14F-4D97-AF65-F5344CB8AC3E}">
-        <p14:creationId xmlns:p14="http://schemas.microsoft.com/office/powerpoint/2010/main" val="277827284"/>
-      </p:ext>
-    </p:extLst>
   </p:cSld>
   <p:clrMapOvr>
     <a:masterClrMapping/>
@@ -2810,22 +2613,6 @@
       </p:par>
     </p:tnLst>
   </p:timing>
-  <p:extLst mod="1">
-    <p:ext uri="{DCECCB84-F9BA-43D5-87BE-67443E8EF086}">
-      <p15:sldGuideLst xmlns:p15="http://schemas.microsoft.com/office/powerpoint/2012/main">
-        <p15:guide id="1" orient="horz" pos="595" userDrawn="1">
-          <p15:clr>
-            <a:srgbClr val="FBAE40"/>
-          </p15:clr>
-        </p15:guide>
-        <p15:guide id="2" orient="horz" pos="663" userDrawn="1">
-          <p15:clr>
-            <a:srgbClr val="FBAE40"/>
-          </p15:clr>
-        </p15:guide>
-      </p15:sldGuideLst>
-    </p:ext>
-  </p:extLst>
 </p:sldLayout>
 </file>
 
@@ -2875,7 +2662,7 @@
             </a:lvl1pPr>
           </a:lstStyle>
           <a:p>
-            <a:pPr marL="0" lvl="0" indent="0" defTabSz="1187798">
+            <a:pPr marL="0" lvl="0" indent="0" defTabSz="1188085">
               <a:lnSpc>
                 <a:spcPts val="3430"/>
               </a:lnSpc>
@@ -2892,15 +2679,11 @@
               <a:rPr lang="zh-CN" altLang="en-US" dirty="0"/>
               <a:t>此处编辑母版标题样式</a:t>
             </a:r>
+            <a:endParaRPr lang="zh-CN" altLang="en-US" dirty="0"/>
           </a:p>
         </p:txBody>
       </p:sp>
     </p:spTree>
-    <p:extLst>
-      <p:ext uri="{BB962C8B-B14F-4D97-AF65-F5344CB8AC3E}">
-        <p14:creationId xmlns:p14="http://schemas.microsoft.com/office/powerpoint/2010/main" val="3513643811"/>
-      </p:ext>
-    </p:extLst>
   </p:cSld>
   <p:clrMapOvr>
     <a:masterClrMapping/>
@@ -2961,7 +2744,7 @@
             </a:lvl1pPr>
           </a:lstStyle>
           <a:p>
-            <a:pPr marL="0" lvl="0" indent="0" defTabSz="1187798">
+            <a:pPr marL="0" lvl="0" indent="0" defTabSz="1188085">
               <a:lnSpc>
                 <a:spcPts val="3430"/>
               </a:lnSpc>
@@ -2978,15 +2761,11 @@
               <a:rPr lang="zh-CN" altLang="en-US" dirty="0"/>
               <a:t>此处编辑母版标题样式</a:t>
             </a:r>
+            <a:endParaRPr lang="zh-CN" altLang="en-US" dirty="0"/>
           </a:p>
         </p:txBody>
       </p:sp>
     </p:spTree>
-    <p:extLst>
-      <p:ext uri="{BB962C8B-B14F-4D97-AF65-F5344CB8AC3E}">
-        <p14:creationId xmlns:p14="http://schemas.microsoft.com/office/powerpoint/2010/main" val="826084440"/>
-      </p:ext>
-    </p:extLst>
   </p:cSld>
   <p:clrMapOvr>
     <a:masterClrMapping/>
@@ -2998,17 +2777,6 @@
       </p:par>
     </p:tnLst>
   </p:timing>
-  <p:extLst mod="1">
-    <p:ext uri="{DCECCB84-F9BA-43D5-87BE-67443E8EF086}">
-      <p15:sldGuideLst xmlns:p15="http://schemas.microsoft.com/office/powerpoint/2012/main">
-        <p15:guide id="1" orient="horz" pos="595" userDrawn="1">
-          <p15:clr>
-            <a:srgbClr val="FBAE40"/>
-          </p15:clr>
-        </p15:guide>
-      </p15:sldGuideLst>
-    </p:ext>
-  </p:extLst>
 </p:sldLayout>
 </file>
 
@@ -3030,11 +2798,6 @@
         </a:xfrm>
       </p:grpSpPr>
     </p:spTree>
-    <p:extLst>
-      <p:ext uri="{BB962C8B-B14F-4D97-AF65-F5344CB8AC3E}">
-        <p14:creationId xmlns:p14="http://schemas.microsoft.com/office/powerpoint/2010/main" val="19634312"/>
-      </p:ext>
-    </p:extLst>
   </p:cSld>
   <p:clrMapOvr>
     <a:masterClrMapping/>
@@ -3096,7 +2859,7 @@
         <p:txBody>
           <a:bodyPr/>
           <a:lstStyle>
-            <a:lvl1pPr marL="457017" marR="0" indent="-457017" algn="just" defTabSz="801367" rtl="0" eaLnBrk="1" fontAlgn="ctr" latinLnBrk="0" hangingPunct="1">
+            <a:lvl1pPr marL="457200" marR="0" indent="-457200" algn="just" defTabSz="801370" rtl="0" eaLnBrk="1" fontAlgn="ctr" latinLnBrk="0" hangingPunct="1">
               <a:lnSpc>
                 <a:spcPct val="140000"/>
               </a:lnSpc>
@@ -3110,7 +2873,6 @@
               <a:buSzPct val="100000"/>
               <a:buFont typeface="+mj-lt"/>
               <a:buAutoNum type="arabicPeriod"/>
-              <a:tabLst/>
               <a:defRPr baseline="0">
                 <a:latin typeface="Huawei Sans" panose="020C0503030203020204" pitchFamily="34" charset="0"/>
                 <a:ea typeface="方正兰亭黑简体" panose="02000000000000000000" pitchFamily="2" charset="-122"/>
@@ -3148,7 +2910,7 @@
             <a:endParaRPr lang="en-US" altLang="zh-CN" dirty="0"/>
           </a:p>
           <a:p>
-            <a:pPr marL="653788" lvl="1" indent="-457017">
+            <a:pPr marL="654050" lvl="1" indent="-457200">
               <a:buSzPct val="100000"/>
               <a:buFont typeface="+mj-lt"/>
               <a:buAutoNum type="arabicPeriod"/>
@@ -3198,16 +2960,8 @@
       </p:sp>
       <p:cxnSp>
         <p:nvCxnSpPr>
-          <p:cNvPr id="28" name="直线连接符 14">
-            <a:extLst>
-              <a:ext uri="{FF2B5EF4-FFF2-40B4-BE49-F238E27FC236}">
-                <a16:creationId xmlns="" xmlns:a16="http://schemas.microsoft.com/office/drawing/2014/main" id="{C79E9F57-49BC-DC4A-B843-36D48051C848}"/>
-              </a:ext>
-            </a:extLst>
-          </p:cNvPr>
-          <p:cNvCxnSpPr>
-            <a:cxnSpLocks/>
-          </p:cNvCxnSpPr>
+          <p:cNvPr id="28" name="直线连接符 14"/>
+          <p:cNvCxnSpPr/>
           <p:nvPr userDrawn="1"/>
         </p:nvCxnSpPr>
         <p:spPr>
@@ -3242,13 +2996,7 @@
       </p:cxnSp>
       <p:sp>
         <p:nvSpPr>
-          <p:cNvPr id="30" name="文本框 16">
-            <a:extLst>
-              <a:ext uri="{FF2B5EF4-FFF2-40B4-BE49-F238E27FC236}">
-                <a16:creationId xmlns="" xmlns:a16="http://schemas.microsoft.com/office/drawing/2014/main" id="{568EC886-2612-1F43-AB51-21A76A078357}"/>
-              </a:ext>
-            </a:extLst>
-          </p:cNvPr>
+          <p:cNvPr id="30" name="文本框 16"/>
           <p:cNvSpPr txBox="1"/>
           <p:nvPr userDrawn="1"/>
         </p:nvSpPr>
@@ -3270,7 +3018,7 @@
             <a:defPPr>
               <a:defRPr lang="en-US"/>
             </a:defPPr>
-            <a:lvl1pPr defTabSz="1001223" eaLnBrk="0" fontAlgn="ctr" hangingPunct="0">
+            <a:lvl1pPr defTabSz="1001395" eaLnBrk="0" fontAlgn="ctr" hangingPunct="0">
               <a:defRPr sz="3640" b="0" baseline="0">
                 <a:solidFill>
                   <a:schemeClr val="tx1">
@@ -3294,15 +3042,15 @@
               </a:rPr>
               <a:t>目录</a:t>
             </a:r>
+            <a:endParaRPr lang="zh-CN" altLang="en-US" dirty="0">
+              <a:solidFill>
+                <a:srgbClr val="404040"/>
+              </a:solidFill>
+            </a:endParaRPr>
           </a:p>
         </p:txBody>
       </p:sp>
     </p:spTree>
-    <p:extLst>
-      <p:ext uri="{BB962C8B-B14F-4D97-AF65-F5344CB8AC3E}">
-        <p14:creationId xmlns:p14="http://schemas.microsoft.com/office/powerpoint/2010/main" val="4029805210"/>
-      </p:ext>
-    </p:extLst>
   </p:cSld>
   <p:clrMapOvr>
     <a:masterClrMapping/>
@@ -3314,27 +3062,6 @@
       </p:par>
     </p:tnLst>
   </p:timing>
-  <p:extLst mod="1">
-    <p:ext uri="{DCECCB84-F9BA-43D5-87BE-67443E8EF086}">
-      <p15:sldGuideLst xmlns:p15="http://schemas.microsoft.com/office/powerpoint/2012/main">
-        <p15:guide id="1" pos="642">
-          <p15:clr>
-            <a:srgbClr val="FBAE40"/>
-          </p15:clr>
-        </p15:guide>
-        <p15:guide id="2" pos="7038">
-          <p15:clr>
-            <a:srgbClr val="FBAE40"/>
-          </p15:clr>
-        </p15:guide>
-        <p15:guide id="3" orient="horz" pos="1162">
-          <p15:clr>
-            <a:srgbClr val="FBAE40"/>
-          </p15:clr>
-        </p15:guide>
-      </p15:sldGuideLst>
-    </p:ext>
-  </p:extLst>
 </p:sldLayout>
 </file>
 
@@ -3356,11 +3083,6 @@
         </a:xfrm>
       </p:grpSpPr>
     </p:spTree>
-    <p:extLst>
-      <p:ext uri="{BB962C8B-B14F-4D97-AF65-F5344CB8AC3E}">
-        <p14:creationId xmlns:p14="http://schemas.microsoft.com/office/powerpoint/2010/main" val="1906694878"/>
-      </p:ext>
-    </p:extLst>
   </p:cSld>
   <p:clrMapOvr>
     <a:masterClrMapping/>
@@ -3418,7 +3140,7 @@
         <p:txBody>
           <a:bodyPr/>
           <a:lstStyle>
-            <a:lvl1pPr marL="302279" indent="-302279" algn="just" fontAlgn="ctr">
+            <a:lvl1pPr marL="302260" indent="-302260" algn="just" fontAlgn="ctr">
               <a:buClrTx/>
               <a:buSzPct val="50000"/>
               <a:buFont typeface="Wingdings" panose="05000000000000000000" pitchFamily="2" charset="2"/>
@@ -3429,7 +3151,7 @@
                 <a:cs typeface="Huawei Sans" panose="020C0503030203020204" pitchFamily="34" charset="0"/>
               </a:defRPr>
             </a:lvl1pPr>
-            <a:lvl2pPr marL="654938" indent="-251899" fontAlgn="ctr">
+            <a:lvl2pPr marL="654685" indent="-252095" fontAlgn="ctr">
               <a:buClrTx/>
               <a:buSzPct val="50000"/>
               <a:buFont typeface="Wingdings" panose="05000000000000000000" pitchFamily="2" charset="2"/>
@@ -3442,7 +3164,7 @@
                 <a:ea typeface="方正兰亭黑简体" panose="02000000000000000000" pitchFamily="2" charset="-122"/>
               </a:defRPr>
             </a:lvl2pPr>
-            <a:lvl3pPr marL="1003998" indent="-201519" fontAlgn="ctr">
+            <a:lvl3pPr marL="1003935" indent="-201295" fontAlgn="ctr">
               <a:buSzPct val="50000"/>
               <a:buFont typeface="Wingdings" panose="05000000000000000000" pitchFamily="2" charset="2"/>
               <a:buChar char="n"/>
@@ -3460,7 +3182,7 @@
                 <a:ea typeface="方正兰亭黑简体" panose="02000000000000000000" pitchFamily="2" charset="-122"/>
               </a:defRPr>
             </a:lvl4pPr>
-            <a:lvl5pPr marL="1802879" indent="-201519" fontAlgn="ctr">
+            <a:lvl5pPr marL="1802765" indent="-201295" fontAlgn="ctr">
               <a:buClrTx/>
               <a:buFont typeface="Huawei Sans" panose="020C0503030203020204" pitchFamily="34" charset="0"/>
               <a:buChar char="~"/>
@@ -3480,6 +3202,7 @@
               <a:rPr lang="en-US" altLang="zh-CN" dirty="0"/>
               <a:t>...</a:t>
             </a:r>
+            <a:endParaRPr lang="en-US" altLang="zh-CN" dirty="0"/>
           </a:p>
           <a:p>
             <a:pPr lvl="1"/>
@@ -3499,6 +3222,7 @@
               <a:rPr lang="zh-CN" altLang="en-US" dirty="0"/>
               <a:t>第三级</a:t>
             </a:r>
+            <a:endParaRPr lang="zh-CN" altLang="en-US" dirty="0"/>
           </a:p>
           <a:p>
             <a:pPr lvl="3"/>
@@ -3506,6 +3230,7 @@
               <a:rPr lang="zh-CN" altLang="en-US" dirty="0"/>
               <a:t>第四级</a:t>
             </a:r>
+            <a:endParaRPr lang="zh-CN" altLang="en-US" dirty="0"/>
           </a:p>
           <a:p>
             <a:pPr lvl="4"/>
@@ -3513,6 +3238,7 @@
               <a:rPr lang="zh-CN" altLang="en-US" dirty="0"/>
               <a:t>第五级</a:t>
             </a:r>
+            <a:endParaRPr lang="zh-CN" altLang="en-US" dirty="0"/>
           </a:p>
           <a:p>
             <a:pPr eaLnBrk="1" hangingPunct="1"/>
@@ -3522,16 +3248,8 @@
       </p:sp>
       <p:cxnSp>
         <p:nvCxnSpPr>
-          <p:cNvPr id="14" name="直线连接符 14">
-            <a:extLst>
-              <a:ext uri="{FF2B5EF4-FFF2-40B4-BE49-F238E27FC236}">
-                <a16:creationId xmlns="" xmlns:a16="http://schemas.microsoft.com/office/drawing/2014/main" id="{C79E9F57-49BC-DC4A-B843-36D48051C848}"/>
-              </a:ext>
-            </a:extLst>
-          </p:cNvPr>
-          <p:cNvCxnSpPr>
-            <a:cxnSpLocks/>
-          </p:cNvCxnSpPr>
+          <p:cNvPr id="14" name="直线连接符 14"/>
+          <p:cNvCxnSpPr/>
           <p:nvPr userDrawn="1"/>
         </p:nvCxnSpPr>
         <p:spPr>
@@ -3566,13 +3284,7 @@
       </p:cxnSp>
       <p:sp>
         <p:nvSpPr>
-          <p:cNvPr id="27" name="文本框 16">
-            <a:extLst>
-              <a:ext uri="{FF2B5EF4-FFF2-40B4-BE49-F238E27FC236}">
-                <a16:creationId xmlns="" xmlns:a16="http://schemas.microsoft.com/office/drawing/2014/main" id="{568EC886-2612-1F43-AB51-21A76A078357}"/>
-              </a:ext>
-            </a:extLst>
-          </p:cNvPr>
+          <p:cNvPr id="27" name="文本框 16"/>
           <p:cNvSpPr txBox="1"/>
           <p:nvPr userDrawn="1"/>
         </p:nvSpPr>
@@ -3593,33 +3305,28 @@
           <a:lstStyle/>
           <a:p>
             <a:r>
-              <a:rPr kumimoji="1" lang="zh-CN" altLang="en-US" sz="3636" baseline="0" dirty="0" smtClean="0">
+              <a:rPr kumimoji="1" lang="zh-CN" altLang="en-US" sz="3635" baseline="0" dirty="0" smtClean="0">
                 <a:solidFill>
                   <a:srgbClr val="404040"/>
                 </a:solidFill>
                 <a:latin typeface="Huawei Sans" panose="020C0503030203020204" pitchFamily="34" charset="0"/>
                 <a:ea typeface="方正兰亭黑简体" panose="02000000000000000000" pitchFamily="2" charset="-122"/>
-                <a:cs typeface="Microsoft YaHei" charset="-122"/>
+                <a:cs typeface="微软雅黑" panose="020B0503020204020204" charset="-122"/>
               </a:rPr>
               <a:t>前言</a:t>
             </a:r>
-            <a:endParaRPr kumimoji="1" lang="zh-CN" altLang="en-US" sz="3636" baseline="0" dirty="0">
+            <a:endParaRPr kumimoji="1" lang="zh-CN" altLang="en-US" sz="3635" baseline="0" dirty="0">
               <a:solidFill>
                 <a:srgbClr val="404040"/>
               </a:solidFill>
               <a:latin typeface="Huawei Sans" panose="020C0503030203020204" pitchFamily="34" charset="0"/>
               <a:ea typeface="方正兰亭黑简体" panose="02000000000000000000" pitchFamily="2" charset="-122"/>
-              <a:cs typeface="Microsoft YaHei" charset="-122"/>
+              <a:cs typeface="微软雅黑" panose="020B0503020204020204" charset="-122"/>
             </a:endParaRPr>
           </a:p>
         </p:txBody>
       </p:sp>
     </p:spTree>
-    <p:extLst>
-      <p:ext uri="{BB962C8B-B14F-4D97-AF65-F5344CB8AC3E}">
-        <p14:creationId xmlns:p14="http://schemas.microsoft.com/office/powerpoint/2010/main" val="499053660"/>
-      </p:ext>
-    </p:extLst>
   </p:cSld>
   <p:clrMapOvr>
     <a:masterClrMapping/>
@@ -3631,27 +3338,6 @@
       </p:par>
     </p:tnLst>
   </p:timing>
-  <p:extLst mod="1">
-    <p:ext uri="{DCECCB84-F9BA-43D5-87BE-67443E8EF086}">
-      <p15:sldGuideLst xmlns:p15="http://schemas.microsoft.com/office/powerpoint/2012/main">
-        <p15:guide id="1" pos="642" userDrawn="1">
-          <p15:clr>
-            <a:srgbClr val="FBAE40"/>
-          </p15:clr>
-        </p15:guide>
-        <p15:guide id="2" pos="7038" userDrawn="1">
-          <p15:clr>
-            <a:srgbClr val="FBAE40"/>
-          </p15:clr>
-        </p15:guide>
-        <p15:guide id="3" orient="horz" pos="1162" userDrawn="1">
-          <p15:clr>
-            <a:srgbClr val="FBAE40"/>
-          </p15:clr>
-        </p15:guide>
-      </p15:sldGuideLst>
-    </p:ext>
-  </p:extLst>
 </p:sldLayout>
 </file>
 
@@ -3682,13 +3368,7 @@
       </p:grpSpPr>
       <p:sp>
         <p:nvSpPr>
-          <p:cNvPr id="3" name="TextBox 3">
-            <a:extLst>
-              <a:ext uri="{FF2B5EF4-FFF2-40B4-BE49-F238E27FC236}">
-                <a16:creationId xmlns="" xmlns:a16="http://schemas.microsoft.com/office/drawing/2014/main" id="{42AF307D-40F4-EC4C-9108-79E948007529}"/>
-              </a:ext>
-            </a:extLst>
-          </p:cNvPr>
+          <p:cNvPr id="3" name="TextBox 3"/>
           <p:cNvSpPr txBox="1"/>
           <p:nvPr userDrawn="1"/>
         </p:nvSpPr>
@@ -3726,11 +3406,6 @@
         </p:txBody>
       </p:sp>
     </p:spTree>
-    <p:extLst>
-      <p:ext uri="{BB962C8B-B14F-4D97-AF65-F5344CB8AC3E}">
-        <p14:creationId xmlns:p14="http://schemas.microsoft.com/office/powerpoint/2010/main" val="2149336631"/>
-      </p:ext>
-    </p:extLst>
   </p:cSld>
   <p:clrMapOvr>
     <a:masterClrMapping/>
@@ -3785,7 +3460,7 @@
         <p:txBody>
           <a:bodyPr/>
           <a:lstStyle>
-            <a:lvl1pPr marL="302279" indent="-302279" algn="just" eaLnBrk="1" fontAlgn="ctr" hangingPunct="1">
+            <a:lvl1pPr marL="302260" indent="-302260" algn="just" eaLnBrk="1" fontAlgn="ctr" hangingPunct="1">
               <a:buClrTx/>
               <a:buSzPct val="50000"/>
               <a:buFont typeface="Wingdings" panose="05000000000000000000" pitchFamily="2" charset="2"/>
@@ -3796,7 +3471,7 @@
                 <a:cs typeface="Huawei Sans" panose="020C0503030203020204" pitchFamily="34" charset="0"/>
               </a:defRPr>
             </a:lvl1pPr>
-            <a:lvl2pPr marL="654938" indent="-251899" fontAlgn="ctr">
+            <a:lvl2pPr marL="654685" indent="-252095" fontAlgn="ctr">
               <a:buClrTx/>
               <a:buSzPct val="50000"/>
               <a:buFont typeface="Wingdings" panose="05000000000000000000" pitchFamily="2" charset="2"/>
@@ -3809,7 +3484,7 @@
                 <a:ea typeface="方正兰亭黑简体" panose="02000000000000000000" pitchFamily="2" charset="-122"/>
               </a:defRPr>
             </a:lvl2pPr>
-            <a:lvl3pPr marL="1003998" indent="-201519" fontAlgn="ctr">
+            <a:lvl3pPr marL="1003935" indent="-201295" fontAlgn="ctr">
               <a:buSzPct val="50000"/>
               <a:buFont typeface="Wingdings" panose="05000000000000000000" pitchFamily="2" charset="2"/>
               <a:buChar char="n"/>
@@ -3827,7 +3502,7 @@
                 <a:ea typeface="方正兰亭黑简体" panose="02000000000000000000" pitchFamily="2" charset="-122"/>
               </a:defRPr>
             </a:lvl4pPr>
-            <a:lvl5pPr marL="1802879" indent="-201519" fontAlgn="ctr">
+            <a:lvl5pPr marL="1802765" indent="-201295" fontAlgn="ctr">
               <a:buClrTx/>
               <a:buFont typeface="Huawei Sans" panose="020C0503030203020204" pitchFamily="34" charset="0"/>
               <a:buChar char="~"/>
@@ -3851,6 +3526,7 @@
               <a:rPr lang="zh-CN" altLang="en-US" dirty="0" smtClean="0"/>
               <a:t>第二级</a:t>
             </a:r>
+            <a:endParaRPr lang="zh-CN" altLang="en-US" dirty="0" smtClean="0"/>
           </a:p>
           <a:p>
             <a:pPr lvl="2"/>
@@ -3858,6 +3534,7 @@
               <a:rPr lang="zh-CN" altLang="en-US" dirty="0" smtClean="0"/>
               <a:t>第三级</a:t>
             </a:r>
+            <a:endParaRPr lang="zh-CN" altLang="en-US" dirty="0" smtClean="0"/>
           </a:p>
           <a:p>
             <a:pPr lvl="3"/>
@@ -3865,6 +3542,7 @@
               <a:rPr lang="zh-CN" altLang="en-US" dirty="0" smtClean="0"/>
               <a:t>第四级</a:t>
             </a:r>
+            <a:endParaRPr lang="zh-CN" altLang="en-US" dirty="0" smtClean="0"/>
           </a:p>
           <a:p>
             <a:pPr lvl="4"/>
@@ -3872,6 +3550,7 @@
               <a:rPr lang="zh-CN" altLang="en-US" dirty="0" smtClean="0"/>
               <a:t>第五级</a:t>
             </a:r>
+            <a:endParaRPr lang="zh-CN" altLang="en-US" dirty="0" smtClean="0"/>
           </a:p>
           <a:p>
             <a:pPr eaLnBrk="1" hangingPunct="1"/>
@@ -3881,16 +3560,8 @@
       </p:sp>
       <p:cxnSp>
         <p:nvCxnSpPr>
-          <p:cNvPr id="14" name="直线连接符 14">
-            <a:extLst>
-              <a:ext uri="{FF2B5EF4-FFF2-40B4-BE49-F238E27FC236}">
-                <a16:creationId xmlns="" xmlns:a16="http://schemas.microsoft.com/office/drawing/2014/main" id="{C79E9F57-49BC-DC4A-B843-36D48051C848}"/>
-              </a:ext>
-            </a:extLst>
-          </p:cNvPr>
-          <p:cNvCxnSpPr>
-            <a:cxnSpLocks/>
-          </p:cNvCxnSpPr>
+          <p:cNvPr id="14" name="直线连接符 14"/>
+          <p:cNvCxnSpPr/>
           <p:nvPr userDrawn="1"/>
         </p:nvCxnSpPr>
         <p:spPr>
@@ -3925,13 +3596,7 @@
       </p:cxnSp>
       <p:sp>
         <p:nvSpPr>
-          <p:cNvPr id="27" name="文本框 16">
-            <a:extLst>
-              <a:ext uri="{FF2B5EF4-FFF2-40B4-BE49-F238E27FC236}">
-                <a16:creationId xmlns="" xmlns:a16="http://schemas.microsoft.com/office/drawing/2014/main" id="{568EC886-2612-1F43-AB51-21A76A078357}"/>
-              </a:ext>
-            </a:extLst>
-          </p:cNvPr>
+          <p:cNvPr id="27" name="文本框 16"/>
           <p:cNvSpPr txBox="1"/>
           <p:nvPr userDrawn="1"/>
         </p:nvSpPr>
@@ -3951,7 +3616,7 @@
           </a:bodyPr>
           <a:lstStyle/>
           <a:p>
-            <a:pPr defTabSz="1001223" eaLnBrk="0" fontAlgn="ctr" hangingPunct="0"/>
+            <a:pPr defTabSz="1001395" eaLnBrk="0" fontAlgn="ctr" hangingPunct="0"/>
             <a:r>
               <a:rPr lang="zh-CN" altLang="en-US" sz="3640" b="0" baseline="0" dirty="0" smtClean="0">
                 <a:solidFill>
@@ -3975,11 +3640,6 @@
         </p:txBody>
       </p:sp>
     </p:spTree>
-    <p:extLst>
-      <p:ext uri="{BB962C8B-B14F-4D97-AF65-F5344CB8AC3E}">
-        <p14:creationId xmlns:p14="http://schemas.microsoft.com/office/powerpoint/2010/main" val="104511649"/>
-      </p:ext>
-    </p:extLst>
   </p:cSld>
   <p:clrMapOvr>
     <a:masterClrMapping/>
@@ -3991,27 +3651,6 @@
       </p:par>
     </p:tnLst>
   </p:timing>
-  <p:extLst mod="1">
-    <p:ext uri="{DCECCB84-F9BA-43D5-87BE-67443E8EF086}">
-      <p15:sldGuideLst xmlns:p15="http://schemas.microsoft.com/office/powerpoint/2012/main">
-        <p15:guide id="1" pos="642">
-          <p15:clr>
-            <a:srgbClr val="FBAE40"/>
-          </p15:clr>
-        </p15:guide>
-        <p15:guide id="2" pos="7038">
-          <p15:clr>
-            <a:srgbClr val="FBAE40"/>
-          </p15:clr>
-        </p15:guide>
-        <p15:guide id="3" orient="horz" pos="1162">
-          <p15:clr>
-            <a:srgbClr val="FBAE40"/>
-          </p15:clr>
-        </p15:guide>
-      </p15:sldGuideLst>
-    </p:ext>
-  </p:extLst>
 </p:sldLayout>
 </file>
 
@@ -4062,7 +3701,7 @@
         <p:txBody>
           <a:bodyPr/>
           <a:lstStyle>
-            <a:lvl1pPr marL="457017" marR="0" indent="-457017" algn="just" defTabSz="801367" rtl="0" eaLnBrk="1" fontAlgn="ctr" latinLnBrk="0" hangingPunct="1">
+            <a:lvl1pPr marL="457200" marR="0" indent="-457200" algn="just" defTabSz="801370" rtl="0" eaLnBrk="1" fontAlgn="ctr" latinLnBrk="0" hangingPunct="1">
               <a:lnSpc>
                 <a:spcPct val="140000"/>
               </a:lnSpc>
@@ -4076,7 +3715,6 @@
               <a:buSzPct val="100000"/>
               <a:buFont typeface="+mj-lt"/>
               <a:buAutoNum type="arabicPeriod"/>
-              <a:tabLst/>
               <a:defRPr baseline="0">
                 <a:latin typeface="Huawei Sans" panose="020C0503030203020204" pitchFamily="34" charset="0"/>
                 <a:ea typeface="方正兰亭黑简体" panose="02000000000000000000" pitchFamily="2" charset="-122"/>
@@ -4114,7 +3752,7 @@
             <a:endParaRPr lang="en-US" altLang="zh-CN" dirty="0"/>
           </a:p>
           <a:p>
-            <a:pPr marL="653788" lvl="1" indent="-457017">
+            <a:pPr marL="654050" lvl="1" indent="-457200">
               <a:buSzPct val="100000"/>
               <a:buFont typeface="+mj-lt"/>
               <a:buAutoNum type="arabicPeriod"/>
@@ -4164,16 +3802,8 @@
       </p:sp>
       <p:cxnSp>
         <p:nvCxnSpPr>
-          <p:cNvPr id="28" name="直线连接符 14">
-            <a:extLst>
-              <a:ext uri="{FF2B5EF4-FFF2-40B4-BE49-F238E27FC236}">
-                <a16:creationId xmlns="" xmlns:a16="http://schemas.microsoft.com/office/drawing/2014/main" id="{C79E9F57-49BC-DC4A-B843-36D48051C848}"/>
-              </a:ext>
-            </a:extLst>
-          </p:cNvPr>
-          <p:cNvCxnSpPr>
-            <a:cxnSpLocks/>
-          </p:cNvCxnSpPr>
+          <p:cNvPr id="28" name="直线连接符 14"/>
+          <p:cNvCxnSpPr/>
           <p:nvPr userDrawn="1"/>
         </p:nvCxnSpPr>
         <p:spPr>
@@ -4208,13 +3838,7 @@
       </p:cxnSp>
       <p:sp>
         <p:nvSpPr>
-          <p:cNvPr id="30" name="文本框 16">
-            <a:extLst>
-              <a:ext uri="{FF2B5EF4-FFF2-40B4-BE49-F238E27FC236}">
-                <a16:creationId xmlns="" xmlns:a16="http://schemas.microsoft.com/office/drawing/2014/main" id="{568EC886-2612-1F43-AB51-21A76A078357}"/>
-              </a:ext>
-            </a:extLst>
-          </p:cNvPr>
+          <p:cNvPr id="30" name="文本框 16"/>
           <p:cNvSpPr txBox="1"/>
           <p:nvPr userDrawn="1"/>
         </p:nvSpPr>
@@ -4236,7 +3860,7 @@
             <a:defPPr>
               <a:defRPr lang="en-US"/>
             </a:defPPr>
-            <a:lvl1pPr defTabSz="1001223" eaLnBrk="0" fontAlgn="ctr" hangingPunct="0">
+            <a:lvl1pPr defTabSz="1001395" eaLnBrk="0" fontAlgn="ctr" hangingPunct="0">
               <a:defRPr sz="3640" b="0" baseline="0">
                 <a:solidFill>
                   <a:schemeClr val="tx1">
@@ -4260,15 +3884,15 @@
               </a:rPr>
               <a:t>目录</a:t>
             </a:r>
+            <a:endParaRPr lang="zh-CN" altLang="en-US" dirty="0">
+              <a:solidFill>
+                <a:srgbClr val="404040"/>
+              </a:solidFill>
+            </a:endParaRPr>
           </a:p>
         </p:txBody>
       </p:sp>
     </p:spTree>
-    <p:extLst>
-      <p:ext uri="{BB962C8B-B14F-4D97-AF65-F5344CB8AC3E}">
-        <p14:creationId xmlns:p14="http://schemas.microsoft.com/office/powerpoint/2010/main" val="959299838"/>
-      </p:ext>
-    </p:extLst>
   </p:cSld>
   <p:clrMapOvr>
     <a:masterClrMapping/>
@@ -4280,27 +3904,6 @@
       </p:par>
     </p:tnLst>
   </p:timing>
-  <p:extLst mod="1">
-    <p:ext uri="{DCECCB84-F9BA-43D5-87BE-67443E8EF086}">
-      <p15:sldGuideLst xmlns:p15="http://schemas.microsoft.com/office/powerpoint/2012/main">
-        <p15:guide id="1" pos="642" userDrawn="1">
-          <p15:clr>
-            <a:srgbClr val="FBAE40"/>
-          </p15:clr>
-        </p15:guide>
-        <p15:guide id="2" pos="7038" userDrawn="1">
-          <p15:clr>
-            <a:srgbClr val="FBAE40"/>
-          </p15:clr>
-        </p15:guide>
-        <p15:guide id="3" orient="horz" pos="1162" userDrawn="1">
-          <p15:clr>
-            <a:srgbClr val="FBAE40"/>
-          </p15:clr>
-        </p15:guide>
-      </p15:sldGuideLst>
-    </p:ext>
-  </p:extLst>
 </p:sldLayout>
 </file>
 
@@ -4351,7 +3954,7 @@
         <p:txBody>
           <a:bodyPr/>
           <a:lstStyle>
-            <a:lvl1pPr marL="302279" indent="-302279" algn="just" fontAlgn="ctr">
+            <a:lvl1pPr marL="302260" indent="-302260" algn="just" fontAlgn="ctr">
               <a:buClrTx/>
               <a:buSzPct val="50000"/>
               <a:buFont typeface="Wingdings" panose="05000000000000000000" pitchFamily="2" charset="2"/>
@@ -4362,7 +3965,7 @@
                 <a:cs typeface="Huawei Sans" panose="020C0503030203020204" pitchFamily="34" charset="0"/>
               </a:defRPr>
             </a:lvl1pPr>
-            <a:lvl2pPr marL="654938" indent="-251899" fontAlgn="ctr">
+            <a:lvl2pPr marL="654685" indent="-252095" fontAlgn="ctr">
               <a:buClrTx/>
               <a:buSzPct val="50000"/>
               <a:buFont typeface="Wingdings" panose="05000000000000000000" pitchFamily="2" charset="2"/>
@@ -4375,7 +3978,7 @@
                 <a:ea typeface="方正兰亭黑简体" panose="02000000000000000000" pitchFamily="2" charset="-122"/>
               </a:defRPr>
             </a:lvl2pPr>
-            <a:lvl3pPr marL="1003998" indent="-201519" fontAlgn="ctr">
+            <a:lvl3pPr marL="1003935" indent="-201295" fontAlgn="ctr">
               <a:buSzPct val="50000"/>
               <a:buFont typeface="Wingdings" panose="05000000000000000000" pitchFamily="2" charset="2"/>
               <a:buChar char="n"/>
@@ -4393,7 +3996,7 @@
                 <a:ea typeface="方正兰亭黑简体" panose="02000000000000000000" pitchFamily="2" charset="-122"/>
               </a:defRPr>
             </a:lvl4pPr>
-            <a:lvl5pPr marL="1802879" indent="-201519" fontAlgn="ctr">
+            <a:lvl5pPr marL="1802765" indent="-201295" fontAlgn="ctr">
               <a:buClrTx/>
               <a:buFont typeface="Huawei Sans" panose="020C0503030203020204" pitchFamily="34" charset="0"/>
               <a:buChar char="~"/>
@@ -4409,6 +4012,7 @@
               <a:rPr lang="zh-CN" altLang="en-US" dirty="0" smtClean="0"/>
               <a:t>单击此处编辑母版文本样式</a:t>
             </a:r>
+            <a:endParaRPr lang="zh-CN" altLang="en-US" dirty="0" smtClean="0"/>
           </a:p>
           <a:p>
             <a:pPr lvl="1"/>
@@ -4416,6 +4020,7 @@
               <a:rPr lang="zh-CN" altLang="en-US" dirty="0" smtClean="0"/>
               <a:t>第二级</a:t>
             </a:r>
+            <a:endParaRPr lang="zh-CN" altLang="en-US" dirty="0" smtClean="0"/>
           </a:p>
           <a:p>
             <a:pPr lvl="2"/>
@@ -4423,6 +4028,7 @@
               <a:rPr lang="zh-CN" altLang="en-US" dirty="0" smtClean="0"/>
               <a:t>第三级</a:t>
             </a:r>
+            <a:endParaRPr lang="zh-CN" altLang="en-US" dirty="0" smtClean="0"/>
           </a:p>
           <a:p>
             <a:pPr lvl="3"/>
@@ -4430,6 +4036,7 @@
               <a:rPr lang="zh-CN" altLang="en-US" dirty="0" smtClean="0"/>
               <a:t>第四级</a:t>
             </a:r>
+            <a:endParaRPr lang="zh-CN" altLang="en-US" dirty="0" smtClean="0"/>
           </a:p>
           <a:p>
             <a:pPr lvl="4"/>
@@ -4437,6 +4044,7 @@
               <a:rPr lang="zh-CN" altLang="en-US" dirty="0" smtClean="0"/>
               <a:t>第五级</a:t>
             </a:r>
+            <a:endParaRPr lang="zh-CN" altLang="en-US" dirty="0" smtClean="0"/>
           </a:p>
           <a:p>
             <a:pPr eaLnBrk="1" hangingPunct="1"/>
@@ -4446,16 +4054,8 @@
       </p:sp>
       <p:cxnSp>
         <p:nvCxnSpPr>
-          <p:cNvPr id="14" name="直线连接符 14">
-            <a:extLst>
-              <a:ext uri="{FF2B5EF4-FFF2-40B4-BE49-F238E27FC236}">
-                <a16:creationId xmlns="" xmlns:a16="http://schemas.microsoft.com/office/drawing/2014/main" id="{C79E9F57-49BC-DC4A-B843-36D48051C848}"/>
-              </a:ext>
-            </a:extLst>
-          </p:cNvPr>
-          <p:cNvCxnSpPr>
-            <a:cxnSpLocks/>
-          </p:cNvCxnSpPr>
+          <p:cNvPr id="14" name="直线连接符 14"/>
+          <p:cNvCxnSpPr/>
           <p:nvPr userDrawn="1"/>
         </p:nvCxnSpPr>
         <p:spPr>
@@ -4490,13 +4090,7 @@
       </p:cxnSp>
       <p:sp>
         <p:nvSpPr>
-          <p:cNvPr id="27" name="文本框 16">
-            <a:extLst>
-              <a:ext uri="{FF2B5EF4-FFF2-40B4-BE49-F238E27FC236}">
-                <a16:creationId xmlns="" xmlns:a16="http://schemas.microsoft.com/office/drawing/2014/main" id="{568EC886-2612-1F43-AB51-21A76A078357}"/>
-              </a:ext>
-            </a:extLst>
-          </p:cNvPr>
+          <p:cNvPr id="27" name="文本框 16"/>
           <p:cNvSpPr txBox="1"/>
           <p:nvPr userDrawn="1"/>
         </p:nvSpPr>
@@ -4516,7 +4110,7 @@
           </a:bodyPr>
           <a:lstStyle/>
           <a:p>
-            <a:pPr defTabSz="1001223" eaLnBrk="0" fontAlgn="ctr" hangingPunct="0"/>
+            <a:pPr defTabSz="1001395" eaLnBrk="0" fontAlgn="ctr" hangingPunct="0"/>
             <a:r>
               <a:rPr lang="zh-CN" altLang="en-US" sz="3640" b="0" baseline="0" dirty="0" smtClean="0">
                 <a:solidFill>
@@ -4540,11 +4134,6 @@
         </p:txBody>
       </p:sp>
     </p:spTree>
-    <p:extLst>
-      <p:ext uri="{BB962C8B-B14F-4D97-AF65-F5344CB8AC3E}">
-        <p14:creationId xmlns:p14="http://schemas.microsoft.com/office/powerpoint/2010/main" val="2528024743"/>
-      </p:ext>
-    </p:extLst>
   </p:cSld>
   <p:clrMapOvr>
     <a:masterClrMapping/>
@@ -4556,27 +4145,6 @@
       </p:par>
     </p:tnLst>
   </p:timing>
-  <p:extLst mod="1">
-    <p:ext uri="{DCECCB84-F9BA-43D5-87BE-67443E8EF086}">
-      <p15:sldGuideLst xmlns:p15="http://schemas.microsoft.com/office/powerpoint/2012/main">
-        <p15:guide id="1" pos="642">
-          <p15:clr>
-            <a:srgbClr val="FBAE40"/>
-          </p15:clr>
-        </p15:guide>
-        <p15:guide id="2" pos="7038">
-          <p15:clr>
-            <a:srgbClr val="FBAE40"/>
-          </p15:clr>
-        </p15:guide>
-        <p15:guide id="3" orient="horz" pos="1162">
-          <p15:clr>
-            <a:srgbClr val="FBAE40"/>
-          </p15:clr>
-        </p15:guide>
-      </p15:sldGuideLst>
-    </p:ext>
-  </p:extLst>
 </p:sldLayout>
 </file>
 
@@ -4619,7 +4187,7 @@
         <p:txBody>
           <a:bodyPr/>
           <a:lstStyle>
-            <a:lvl1pPr marL="457200" marR="0" indent="-457200" algn="just" defTabSz="801688" rtl="0" eaLnBrk="1" fontAlgn="ctr" latinLnBrk="0" hangingPunct="1">
+            <a:lvl1pPr marL="457200" marR="0" indent="-457200" algn="just" defTabSz="802005" rtl="0" eaLnBrk="1" fontAlgn="ctr" latinLnBrk="0" hangingPunct="1">
               <a:lnSpc>
                 <a:spcPct val="140000"/>
               </a:lnSpc>
@@ -4635,14 +4203,13 @@
               <a:buSzPct val="100000"/>
               <a:buFont typeface="+mj-lt"/>
               <a:buAutoNum type="arabicPeriod"/>
-              <a:tabLst/>
               <a:defRPr sz="2000" baseline="0">
                 <a:latin typeface="Huawei Sans" panose="020C0503030203020204" pitchFamily="34" charset="0"/>
                 <a:ea typeface="方正兰亭黑简体" panose="02000000000000000000" pitchFamily="2" charset="-122"/>
                 <a:cs typeface="Huawei Sans" panose="020C0503030203020204" pitchFamily="34" charset="0"/>
               </a:defRPr>
             </a:lvl1pPr>
-            <a:lvl2pPr marL="744537" indent="-342900" algn="just" fontAlgn="ctr">
+            <a:lvl2pPr marL="744220" indent="-342900" algn="just" fontAlgn="ctr">
               <a:buSzPct val="100000"/>
               <a:buFont typeface="+mj-lt"/>
               <a:buAutoNum type="alphaUcPeriod"/>
@@ -4685,16 +4252,8 @@
       </p:sp>
       <p:cxnSp>
         <p:nvCxnSpPr>
-          <p:cNvPr id="24" name="直线连接符 14">
-            <a:extLst>
-              <a:ext uri="{FF2B5EF4-FFF2-40B4-BE49-F238E27FC236}">
-                <a16:creationId xmlns:a16="http://schemas.microsoft.com/office/drawing/2014/main" xmlns="" id="{C79E9F57-49BC-DC4A-B843-36D48051C848}"/>
-              </a:ext>
-            </a:extLst>
-          </p:cNvPr>
-          <p:cNvCxnSpPr>
-            <a:cxnSpLocks/>
-          </p:cNvCxnSpPr>
+          <p:cNvPr id="24" name="直线连接符 14"/>
+          <p:cNvCxnSpPr/>
           <p:nvPr userDrawn="1"/>
         </p:nvCxnSpPr>
         <p:spPr>
@@ -4729,13 +4288,7 @@
       </p:cxnSp>
       <p:sp>
         <p:nvSpPr>
-          <p:cNvPr id="25" name="文本框 16">
-            <a:extLst>
-              <a:ext uri="{FF2B5EF4-FFF2-40B4-BE49-F238E27FC236}">
-                <a16:creationId xmlns:a16="http://schemas.microsoft.com/office/drawing/2014/main" xmlns="" id="{568EC886-2612-1F43-AB51-21A76A078357}"/>
-              </a:ext>
-            </a:extLst>
-          </p:cNvPr>
+          <p:cNvPr id="25" name="文本框 16"/>
           <p:cNvSpPr txBox="1"/>
           <p:nvPr userDrawn="1"/>
         </p:nvSpPr>
@@ -4756,33 +4309,28 @@
           <a:lstStyle/>
           <a:p>
             <a:r>
-              <a:rPr kumimoji="1" lang="zh-CN" altLang="en-US" sz="3636" baseline="0" dirty="0" smtClean="0">
+              <a:rPr kumimoji="1" lang="zh-CN" altLang="en-US" sz="3635" baseline="0" dirty="0" smtClean="0">
                 <a:solidFill>
                   <a:srgbClr val="404040"/>
                 </a:solidFill>
                 <a:latin typeface="Huawei Sans" panose="020C0503030203020204" pitchFamily="34" charset="0"/>
                 <a:ea typeface="方正兰亭黑简体" panose="02000000000000000000" pitchFamily="2" charset="-122"/>
-                <a:cs typeface="Microsoft YaHei" charset="-122"/>
+                <a:cs typeface="微软雅黑" panose="020B0503020204020204" charset="-122"/>
               </a:rPr>
               <a:t>思考题</a:t>
             </a:r>
-            <a:endParaRPr kumimoji="1" lang="zh-CN" altLang="en-US" sz="3636" baseline="0" dirty="0">
+            <a:endParaRPr kumimoji="1" lang="zh-CN" altLang="en-US" sz="3635" baseline="0" dirty="0">
               <a:solidFill>
                 <a:srgbClr val="404040"/>
               </a:solidFill>
               <a:latin typeface="Huawei Sans" panose="020C0503030203020204" pitchFamily="34" charset="0"/>
               <a:ea typeface="方正兰亭黑简体" panose="02000000000000000000" pitchFamily="2" charset="-122"/>
-              <a:cs typeface="Microsoft YaHei" charset="-122"/>
+              <a:cs typeface="微软雅黑" panose="020B0503020204020204" charset="-122"/>
             </a:endParaRPr>
           </a:p>
         </p:txBody>
       </p:sp>
     </p:spTree>
-    <p:extLst>
-      <p:ext uri="{BB962C8B-B14F-4D97-AF65-F5344CB8AC3E}">
-        <p14:creationId xmlns:p14="http://schemas.microsoft.com/office/powerpoint/2010/main" val="963674091"/>
-      </p:ext>
-    </p:extLst>
   </p:cSld>
   <p:clrMapOvr>
     <a:masterClrMapping/>
@@ -4883,6 +4431,7 @@
               <a:rPr lang="zh-CN" altLang="en-US" dirty="0" smtClean="0"/>
               <a:t>此版式用于每一节的小结</a:t>
             </a:r>
+            <a:endParaRPr lang="zh-CN" altLang="en-US" dirty="0" smtClean="0"/>
           </a:p>
           <a:p>
             <a:pPr lvl="1"/>
@@ -4894,6 +4443,7 @@
               <a:rPr lang="zh-CN" altLang="en-US" dirty="0"/>
               <a:t>级</a:t>
             </a:r>
+            <a:endParaRPr lang="zh-CN" altLang="en-US" dirty="0"/>
           </a:p>
           <a:p>
             <a:pPr lvl="2"/>
@@ -4901,6 +4451,7 @@
               <a:rPr lang="zh-CN" altLang="en-US" dirty="0"/>
               <a:t>第三级</a:t>
             </a:r>
+            <a:endParaRPr lang="zh-CN" altLang="en-US" dirty="0"/>
           </a:p>
           <a:p>
             <a:pPr lvl="3"/>
@@ -4908,6 +4459,7 @@
               <a:rPr lang="zh-CN" altLang="en-US" dirty="0"/>
               <a:t>第四级</a:t>
             </a:r>
+            <a:endParaRPr lang="zh-CN" altLang="en-US" dirty="0"/>
           </a:p>
           <a:p>
             <a:pPr lvl="4"/>
@@ -4915,21 +4467,14 @@
               <a:rPr lang="zh-CN" altLang="en-US" dirty="0"/>
               <a:t>第五级</a:t>
             </a:r>
+            <a:endParaRPr lang="zh-CN" altLang="en-US" dirty="0"/>
           </a:p>
         </p:txBody>
       </p:sp>
       <p:cxnSp>
         <p:nvCxnSpPr>
-          <p:cNvPr id="11" name="直线连接符 14">
-            <a:extLst>
-              <a:ext uri="{FF2B5EF4-FFF2-40B4-BE49-F238E27FC236}">
-                <a16:creationId xmlns="" xmlns:a16="http://schemas.microsoft.com/office/drawing/2014/main" id="{C79E9F57-49BC-DC4A-B843-36D48051C848}"/>
-              </a:ext>
-            </a:extLst>
-          </p:cNvPr>
-          <p:cNvCxnSpPr>
-            <a:cxnSpLocks/>
-          </p:cNvCxnSpPr>
+          <p:cNvPr id="11" name="直线连接符 14"/>
+          <p:cNvCxnSpPr/>
           <p:nvPr userDrawn="1"/>
         </p:nvCxnSpPr>
         <p:spPr>
@@ -4964,13 +4509,7 @@
       </p:cxnSp>
       <p:sp>
         <p:nvSpPr>
-          <p:cNvPr id="12" name="文本框 16">
-            <a:extLst>
-              <a:ext uri="{FF2B5EF4-FFF2-40B4-BE49-F238E27FC236}">
-                <a16:creationId xmlns="" xmlns:a16="http://schemas.microsoft.com/office/drawing/2014/main" id="{568EC886-2612-1F43-AB51-21A76A078357}"/>
-              </a:ext>
-            </a:extLst>
-          </p:cNvPr>
+          <p:cNvPr id="12" name="文本框 16"/>
           <p:cNvSpPr txBox="1"/>
           <p:nvPr userDrawn="1"/>
         </p:nvSpPr>
@@ -4991,33 +4530,28 @@
           <a:lstStyle/>
           <a:p>
             <a:r>
-              <a:rPr kumimoji="1" lang="zh-CN" altLang="en-US" sz="3636" baseline="0" dirty="0" smtClean="0">
+              <a:rPr kumimoji="1" lang="zh-CN" altLang="en-US" sz="3635" baseline="0" dirty="0" smtClean="0">
                 <a:solidFill>
                   <a:srgbClr val="404040"/>
                 </a:solidFill>
                 <a:latin typeface="Huawei Sans" panose="020C0503030203020204" pitchFamily="34" charset="0"/>
                 <a:ea typeface="方正兰亭黑简体" panose="02000000000000000000" pitchFamily="2" charset="-122"/>
-                <a:cs typeface="Microsoft YaHei" charset="-122"/>
+                <a:cs typeface="微软雅黑" panose="020B0503020204020204" charset="-122"/>
               </a:rPr>
               <a:t>本节小结</a:t>
             </a:r>
-            <a:endParaRPr kumimoji="1" lang="zh-CN" altLang="en-US" sz="3636" baseline="0" dirty="0">
+            <a:endParaRPr kumimoji="1" lang="zh-CN" altLang="en-US" sz="3635" baseline="0" dirty="0">
               <a:solidFill>
                 <a:srgbClr val="404040"/>
               </a:solidFill>
               <a:latin typeface="Huawei Sans" panose="020C0503030203020204" pitchFamily="34" charset="0"/>
               <a:ea typeface="方正兰亭黑简体" panose="02000000000000000000" pitchFamily="2" charset="-122"/>
-              <a:cs typeface="Microsoft YaHei" charset="-122"/>
+              <a:cs typeface="微软雅黑" panose="020B0503020204020204" charset="-122"/>
             </a:endParaRPr>
           </a:p>
         </p:txBody>
       </p:sp>
     </p:spTree>
-    <p:extLst>
-      <p:ext uri="{BB962C8B-B14F-4D97-AF65-F5344CB8AC3E}">
-        <p14:creationId xmlns:p14="http://schemas.microsoft.com/office/powerpoint/2010/main" val="4052420443"/>
-      </p:ext>
-    </p:extLst>
   </p:cSld>
   <p:clrMapOvr>
     <a:masterClrMapping/>
@@ -5029,11 +4563,6 @@
       </p:par>
     </p:tnLst>
   </p:timing>
-  <p:extLst mod="1">
-    <p:ext uri="{DCECCB84-F9BA-43D5-87BE-67443E8EF086}">
-      <p15:sldGuideLst xmlns:p15="http://schemas.microsoft.com/office/powerpoint/2012/main"/>
-    </p:ext>
-  </p:extLst>
 </p:sldLayout>
 </file>
 
@@ -5123,6 +4652,7 @@
               <a:rPr lang="zh-CN" altLang="en-US" dirty="0"/>
               <a:t>单击此处编辑母版文本样式</a:t>
             </a:r>
+            <a:endParaRPr lang="zh-CN" altLang="en-US" dirty="0"/>
           </a:p>
           <a:p>
             <a:pPr lvl="1"/>
@@ -5130,6 +4660,7 @@
               <a:rPr lang="zh-CN" altLang="en-US" dirty="0"/>
               <a:t>第二级</a:t>
             </a:r>
+            <a:endParaRPr lang="zh-CN" altLang="en-US" dirty="0"/>
           </a:p>
           <a:p>
             <a:pPr lvl="2"/>
@@ -5137,6 +4668,7 @@
               <a:rPr lang="zh-CN" altLang="en-US" dirty="0"/>
               <a:t>第三级</a:t>
             </a:r>
+            <a:endParaRPr lang="zh-CN" altLang="en-US" dirty="0"/>
           </a:p>
           <a:p>
             <a:pPr lvl="3"/>
@@ -5144,6 +4676,7 @@
               <a:rPr lang="zh-CN" altLang="en-US" dirty="0"/>
               <a:t>第四级</a:t>
             </a:r>
+            <a:endParaRPr lang="zh-CN" altLang="en-US" dirty="0"/>
           </a:p>
           <a:p>
             <a:pPr lvl="4"/>
@@ -5151,21 +4684,14 @@
               <a:rPr lang="zh-CN" altLang="en-US" dirty="0"/>
               <a:t>第五级</a:t>
             </a:r>
+            <a:endParaRPr lang="zh-CN" altLang="en-US" dirty="0"/>
           </a:p>
         </p:txBody>
       </p:sp>
       <p:cxnSp>
         <p:nvCxnSpPr>
-          <p:cNvPr id="9" name="直线连接符 14">
-            <a:extLst>
-              <a:ext uri="{FF2B5EF4-FFF2-40B4-BE49-F238E27FC236}">
-                <a16:creationId xmlns="" xmlns:a16="http://schemas.microsoft.com/office/drawing/2014/main" id="{C79E9F57-49BC-DC4A-B843-36D48051C848}"/>
-              </a:ext>
-            </a:extLst>
-          </p:cNvPr>
-          <p:cNvCxnSpPr>
-            <a:cxnSpLocks/>
-          </p:cNvCxnSpPr>
+          <p:cNvPr id="9" name="直线连接符 14"/>
+          <p:cNvCxnSpPr/>
           <p:nvPr userDrawn="1"/>
         </p:nvCxnSpPr>
         <p:spPr>
@@ -5200,13 +4726,7 @@
       </p:cxnSp>
       <p:sp>
         <p:nvSpPr>
-          <p:cNvPr id="11" name="文本框 16">
-            <a:extLst>
-              <a:ext uri="{FF2B5EF4-FFF2-40B4-BE49-F238E27FC236}">
-                <a16:creationId xmlns="" xmlns:a16="http://schemas.microsoft.com/office/drawing/2014/main" id="{568EC886-2612-1F43-AB51-21A76A078357}"/>
-              </a:ext>
-            </a:extLst>
-          </p:cNvPr>
+          <p:cNvPr id="11" name="文本框 16"/>
           <p:cNvSpPr txBox="1"/>
           <p:nvPr userDrawn="1"/>
         </p:nvSpPr>
@@ -5227,33 +4747,28 @@
           <a:lstStyle/>
           <a:p>
             <a:r>
-              <a:rPr kumimoji="1" lang="zh-CN" altLang="en-US" sz="3636" baseline="0" dirty="0" smtClean="0">
+              <a:rPr kumimoji="1" lang="zh-CN" altLang="en-US" sz="3635" baseline="0" dirty="0" smtClean="0">
                 <a:solidFill>
                   <a:srgbClr val="404040"/>
                 </a:solidFill>
                 <a:latin typeface="Huawei Sans" panose="020C0503030203020204" pitchFamily="34" charset="0"/>
                 <a:ea typeface="方正兰亭黑简体" panose="02000000000000000000" pitchFamily="2" charset="-122"/>
-                <a:cs typeface="Microsoft YaHei" charset="-122"/>
+                <a:cs typeface="微软雅黑" panose="020B0503020204020204" charset="-122"/>
               </a:rPr>
               <a:t>本章总结</a:t>
             </a:r>
-            <a:endParaRPr kumimoji="1" lang="zh-CN" altLang="en-US" sz="3636" baseline="0" dirty="0">
+            <a:endParaRPr kumimoji="1" lang="zh-CN" altLang="en-US" sz="3635" baseline="0" dirty="0">
               <a:solidFill>
                 <a:srgbClr val="404040"/>
               </a:solidFill>
               <a:latin typeface="Huawei Sans" panose="020C0503030203020204" pitchFamily="34" charset="0"/>
               <a:ea typeface="方正兰亭黑简体" panose="02000000000000000000" pitchFamily="2" charset="-122"/>
-              <a:cs typeface="Microsoft YaHei" charset="-122"/>
+              <a:cs typeface="微软雅黑" panose="020B0503020204020204" charset="-122"/>
             </a:endParaRPr>
           </a:p>
         </p:txBody>
       </p:sp>
     </p:spTree>
-    <p:extLst>
-      <p:ext uri="{BB962C8B-B14F-4D97-AF65-F5344CB8AC3E}">
-        <p14:creationId xmlns:p14="http://schemas.microsoft.com/office/powerpoint/2010/main" val="4102356909"/>
-      </p:ext>
-    </p:extLst>
   </p:cSld>
   <p:clrMapOvr>
     <a:masterClrMapping/>
@@ -5325,21 +4840,14 @@
               <a:rPr lang="zh-CN" altLang="en-US" dirty="0"/>
               <a:t>此版式用于提供给学员更多学习信息。</a:t>
             </a:r>
+            <a:endParaRPr lang="zh-CN" altLang="en-US" dirty="0"/>
           </a:p>
         </p:txBody>
       </p:sp>
       <p:cxnSp>
         <p:nvCxnSpPr>
-          <p:cNvPr id="12" name="直线连接符 14">
-            <a:extLst>
-              <a:ext uri="{FF2B5EF4-FFF2-40B4-BE49-F238E27FC236}">
-                <a16:creationId xmlns="" xmlns:a16="http://schemas.microsoft.com/office/drawing/2014/main" id="{C79E9F57-49BC-DC4A-B843-36D48051C848}"/>
-              </a:ext>
-            </a:extLst>
-          </p:cNvPr>
-          <p:cNvCxnSpPr>
-            <a:cxnSpLocks/>
-          </p:cNvCxnSpPr>
+          <p:cNvPr id="12" name="直线连接符 14"/>
+          <p:cNvCxnSpPr/>
           <p:nvPr userDrawn="1"/>
         </p:nvCxnSpPr>
         <p:spPr>
@@ -5374,13 +4882,7 @@
       </p:cxnSp>
       <p:sp>
         <p:nvSpPr>
-          <p:cNvPr id="13" name="文本框 16">
-            <a:extLst>
-              <a:ext uri="{FF2B5EF4-FFF2-40B4-BE49-F238E27FC236}">
-                <a16:creationId xmlns="" xmlns:a16="http://schemas.microsoft.com/office/drawing/2014/main" id="{568EC886-2612-1F43-AB51-21A76A078357}"/>
-              </a:ext>
-            </a:extLst>
-          </p:cNvPr>
+          <p:cNvPr id="13" name="文本框 16"/>
           <p:cNvSpPr txBox="1"/>
           <p:nvPr userDrawn="1"/>
         </p:nvSpPr>
@@ -5401,33 +4903,28 @@
           <a:lstStyle/>
           <a:p>
             <a:r>
-              <a:rPr kumimoji="1" lang="zh-CN" altLang="en-US" sz="3636" baseline="0" dirty="0" smtClean="0">
+              <a:rPr kumimoji="1" lang="zh-CN" altLang="en-US" sz="3635" baseline="0" dirty="0" smtClean="0">
                 <a:solidFill>
                   <a:srgbClr val="404040"/>
                 </a:solidFill>
                 <a:latin typeface="Huawei Sans" panose="020C0503030203020204" pitchFamily="34" charset="0"/>
                 <a:ea typeface="方正兰亭黑简体" panose="02000000000000000000" pitchFamily="2" charset="-122"/>
-                <a:cs typeface="Microsoft YaHei" charset="-122"/>
+                <a:cs typeface="微软雅黑" panose="020B0503020204020204" charset="-122"/>
               </a:rPr>
               <a:t>更多信息</a:t>
             </a:r>
-            <a:endParaRPr kumimoji="1" lang="zh-CN" altLang="en-US" sz="3636" baseline="0" dirty="0">
+            <a:endParaRPr kumimoji="1" lang="zh-CN" altLang="en-US" sz="3635" baseline="0" dirty="0">
               <a:solidFill>
                 <a:srgbClr val="404040"/>
               </a:solidFill>
               <a:latin typeface="Huawei Sans" panose="020C0503030203020204" pitchFamily="34" charset="0"/>
               <a:ea typeface="方正兰亭黑简体" panose="02000000000000000000" pitchFamily="2" charset="-122"/>
-              <a:cs typeface="Microsoft YaHei" charset="-122"/>
+              <a:cs typeface="微软雅黑" panose="020B0503020204020204" charset="-122"/>
             </a:endParaRPr>
           </a:p>
         </p:txBody>
       </p:sp>
     </p:spTree>
-    <p:extLst>
-      <p:ext uri="{BB962C8B-B14F-4D97-AF65-F5344CB8AC3E}">
-        <p14:creationId xmlns:p14="http://schemas.microsoft.com/office/powerpoint/2010/main" val="2526385193"/>
-      </p:ext>
-    </p:extLst>
   </p:cSld>
   <p:clrMapOvr>
     <a:masterClrMapping/>
@@ -5465,15 +4962,10 @@
         </a:xfrm>
       </p:grpSpPr>
     </p:spTree>
-    <p:extLst>
-      <p:ext uri="{BB962C8B-B14F-4D97-AF65-F5344CB8AC3E}">
-        <p14:creationId xmlns:p14="http://schemas.microsoft.com/office/powerpoint/2010/main" val="867226749"/>
-      </p:ext>
-    </p:extLst>
   </p:cSld>
   <p:clrMap bg1="lt1" tx1="dk1" bg2="lt2" tx2="dk2" accent1="accent1" accent2="accent2" accent3="accent3" accent4="accent4" accent5="accent5" accent6="accent6" hlink="hlink" folHlink="folHlink"/>
   <p:sldLayoutIdLst>
-    <p:sldLayoutId id="2147483842" r:id="rId1"/>
+    <p:sldLayoutId id="2147483649" r:id="rId1"/>
   </p:sldLayoutIdLst>
   <p:txStyles>
     <p:titleStyle>
@@ -5755,42 +5247,6 @@
       </a:lvl9pPr>
     </p:otherStyle>
   </p:txStyles>
-  <p:extLst mod="1">
-    <p:ext uri="{27BBF7A9-308A-43DC-89C8-2F10F3537804}">
-      <p15:sldGuideLst xmlns:p15="http://schemas.microsoft.com/office/powerpoint/2012/main">
-        <p15:guide id="1" orient="horz" pos="3748" userDrawn="1">
-          <p15:clr>
-            <a:srgbClr val="F26B43"/>
-          </p15:clr>
-        </p15:guide>
-        <p15:guide id="2" pos="574" userDrawn="1">
-          <p15:clr>
-            <a:srgbClr val="F26B43"/>
-          </p15:clr>
-        </p15:guide>
-        <p15:guide id="3" orient="horz" pos="572" userDrawn="1">
-          <p15:clr>
-            <a:srgbClr val="F26B43"/>
-          </p15:clr>
-        </p15:guide>
-        <p15:guide id="4" orient="horz" pos="1230" userDrawn="1">
-          <p15:clr>
-            <a:srgbClr val="F26B43"/>
-          </p15:clr>
-        </p15:guide>
-        <p15:guide id="5" orient="horz" pos="2160" userDrawn="1">
-          <p15:clr>
-            <a:srgbClr val="F26B43"/>
-          </p15:clr>
-        </p15:guide>
-        <p15:guide id="6" pos="3840" userDrawn="1">
-          <p15:clr>
-            <a:srgbClr val="F26B43"/>
-          </p15:clr>
-        </p15:guide>
-      </p15:sldGuideLst>
-    </p:ext>
-  </p:extLst>
 </p:sldMaster>
 </file>
 
@@ -5820,25 +5276,20 @@
         </a:xfrm>
       </p:grpSpPr>
     </p:spTree>
-    <p:extLst>
-      <p:ext uri="{BB962C8B-B14F-4D97-AF65-F5344CB8AC3E}">
-        <p14:creationId xmlns:p14="http://schemas.microsoft.com/office/powerpoint/2010/main" val="730999807"/>
-      </p:ext>
-    </p:extLst>
   </p:cSld>
   <p:clrMap bg1="lt1" tx1="dk1" bg2="lt2" tx2="dk2" accent1="accent1" accent2="accent2" accent3="accent3" accent4="accent4" accent5="accent5" accent6="accent6" hlink="hlink" folHlink="folHlink"/>
   <p:sldLayoutIdLst>
-    <p:sldLayoutId id="2147483828" r:id="rId1"/>
-    <p:sldLayoutId id="2147483844" r:id="rId2"/>
-    <p:sldLayoutId id="2147483866" r:id="rId3"/>
-    <p:sldLayoutId id="2147483846" r:id="rId4"/>
-    <p:sldLayoutId id="2147483871" r:id="rId5"/>
-    <p:sldLayoutId id="2147483836" r:id="rId6"/>
-    <p:sldLayoutId id="2147483837" r:id="rId7"/>
-    <p:sldLayoutId id="2147483838" r:id="rId8"/>
-    <p:sldLayoutId id="2147483839" r:id="rId9"/>
-    <p:sldLayoutId id="2147483873" r:id="rId10"/>
-    <p:sldLayoutId id="2147483874" r:id="rId11"/>
+    <p:sldLayoutId id="2147483651" r:id="rId1"/>
+    <p:sldLayoutId id="2147483652" r:id="rId2"/>
+    <p:sldLayoutId id="2147483653" r:id="rId3"/>
+    <p:sldLayoutId id="2147483654" r:id="rId4"/>
+    <p:sldLayoutId id="2147483655" r:id="rId5"/>
+    <p:sldLayoutId id="2147483656" r:id="rId6"/>
+    <p:sldLayoutId id="2147483657" r:id="rId7"/>
+    <p:sldLayoutId id="2147483658" r:id="rId8"/>
+    <p:sldLayoutId id="2147483659" r:id="rId9"/>
+    <p:sldLayoutId id="2147483660" r:id="rId10"/>
+    <p:sldLayoutId id="2147483661" r:id="rId11"/>
   </p:sldLayoutIdLst>
   <p:timing>
     <p:tnLst>
@@ -5849,7 +5300,7 @@
   </p:timing>
   <p:txStyles>
     <p:titleStyle>
-      <a:lvl1pPr algn="l" defTabSz="914034" rtl="0" eaLnBrk="1" fontAlgn="ctr" latinLnBrk="0" hangingPunct="1">
+      <a:lvl1pPr algn="l" defTabSz="913765" rtl="0" eaLnBrk="1" fontAlgn="ctr" latinLnBrk="0" hangingPunct="1">
         <a:lnSpc>
           <a:spcPct val="90000"/>
         </a:lnSpc>
@@ -5868,17 +5319,17 @@
       </a:lvl1pPr>
     </p:titleStyle>
     <p:bodyStyle>
-      <a:lvl1pPr marL="302279" indent="-302279" algn="l" defTabSz="914034" rtl="0" eaLnBrk="1" fontAlgn="ctr" latinLnBrk="0" hangingPunct="1">
+      <a:lvl1pPr marL="302260" indent="-302260" algn="l" defTabSz="913765" rtl="0" eaLnBrk="1" fontAlgn="ctr" latinLnBrk="0" hangingPunct="1">
         <a:lnSpc>
           <a:spcPct val="140000"/>
         </a:lnSpc>
         <a:spcBef>
-          <a:spcPts val="792"/>
+          <a:spcPts val="790"/>
         </a:spcBef>
         <a:buSzPct val="50000"/>
         <a:buFont typeface="Wingdings" panose="05000000000000000000" pitchFamily="2" charset="2"/>
         <a:buChar char="l"/>
-        <a:defRPr sz="2199" kern="1200">
+        <a:defRPr sz="2200" kern="1200">
           <a:solidFill>
             <a:schemeClr val="tx1"/>
           </a:solidFill>
@@ -5887,7 +5338,7 @@
           <a:cs typeface="+mn-cs"/>
         </a:defRPr>
       </a:lvl1pPr>
-      <a:lvl2pPr marL="654938" indent="-251899" algn="l" defTabSz="914034" rtl="0" eaLnBrk="1" fontAlgn="ctr" latinLnBrk="0" hangingPunct="1">
+      <a:lvl2pPr marL="654685" indent="-252095" algn="l" defTabSz="913765" rtl="0" eaLnBrk="1" fontAlgn="ctr" latinLnBrk="0" hangingPunct="1">
         <a:lnSpc>
           <a:spcPct val="140000"/>
         </a:lnSpc>
@@ -5898,7 +5349,7 @@
         <a:buSzPct val="50000"/>
         <a:buFont typeface="Wingdings" panose="05000000000000000000" pitchFamily="2" charset="2"/>
         <a:buChar char="p"/>
-        <a:defRPr sz="1999" kern="1200">
+        <a:defRPr sz="2000" kern="1200">
           <a:solidFill>
             <a:schemeClr val="tx1"/>
           </a:solidFill>
@@ -5907,18 +5358,18 @@
           <a:cs typeface="+mn-cs"/>
         </a:defRPr>
       </a:lvl2pPr>
-      <a:lvl3pPr marL="1003998" indent="-201519" algn="l" defTabSz="914034" rtl="0" eaLnBrk="1" fontAlgn="ctr" latinLnBrk="0" hangingPunct="1">
+      <a:lvl3pPr marL="1003935" indent="-201295" algn="l" defTabSz="913765" rtl="0" eaLnBrk="1" fontAlgn="ctr" latinLnBrk="0" hangingPunct="1">
         <a:lnSpc>
           <a:spcPct val="140000"/>
         </a:lnSpc>
         <a:spcBef>
-          <a:spcPts val="648"/>
+          <a:spcPts val="650"/>
         </a:spcBef>
         <a:buClrTx/>
         <a:buSzPct val="50000"/>
         <a:buFont typeface="Wingdings" panose="05000000000000000000" pitchFamily="2" charset="2"/>
         <a:buChar char="n"/>
-        <a:defRPr sz="1799" kern="1200">
+        <a:defRPr sz="1800" kern="1200">
           <a:solidFill>
             <a:schemeClr val="tx1"/>
           </a:solidFill>
@@ -5927,16 +5378,16 @@
           <a:cs typeface="+mn-cs"/>
         </a:defRPr>
       </a:lvl3pPr>
-      <a:lvl4pPr marL="1399840" indent="-197921" algn="l" defTabSz="914034" rtl="0" eaLnBrk="1" fontAlgn="ctr" latinLnBrk="0" hangingPunct="1">
+      <a:lvl4pPr marL="1399540" indent="-198120" algn="l" defTabSz="913765" rtl="0" eaLnBrk="1" fontAlgn="ctr" latinLnBrk="0" hangingPunct="1">
         <a:lnSpc>
           <a:spcPct val="140000"/>
         </a:lnSpc>
         <a:spcBef>
-          <a:spcPts val="576"/>
+          <a:spcPts val="575"/>
         </a:spcBef>
         <a:buFont typeface="Huawei Sans" panose="020C0503030203020204" pitchFamily="34" charset="0"/>
         <a:buChar char="−"/>
-        <a:defRPr sz="1599" kern="1200">
+        <a:defRPr sz="1600" kern="1200">
           <a:solidFill>
             <a:schemeClr val="tx1"/>
           </a:solidFill>
@@ -5945,16 +5396,16 @@
           <a:cs typeface="+mn-cs"/>
         </a:defRPr>
       </a:lvl4pPr>
-      <a:lvl5pPr marL="1802879" indent="-201519" algn="l" defTabSz="914034" rtl="0" eaLnBrk="1" fontAlgn="ctr" latinLnBrk="0" hangingPunct="1">
+      <a:lvl5pPr marL="1802765" indent="-201295" algn="l" defTabSz="913765" rtl="0" eaLnBrk="1" fontAlgn="ctr" latinLnBrk="0" hangingPunct="1">
         <a:lnSpc>
           <a:spcPct val="140000"/>
         </a:lnSpc>
         <a:spcBef>
-          <a:spcPts val="576"/>
+          <a:spcPts val="575"/>
         </a:spcBef>
         <a:buFont typeface="Huawei Sans" panose="020C0503030203020204" pitchFamily="34" charset="0"/>
         <a:buChar char="~"/>
-        <a:defRPr sz="1399" kern="1200">
+        <a:defRPr sz="1400" kern="1200">
           <a:solidFill>
             <a:schemeClr val="tx1"/>
           </a:solidFill>
@@ -5963,7 +5414,7 @@
           <a:cs typeface="+mn-cs"/>
         </a:defRPr>
       </a:lvl5pPr>
-      <a:lvl6pPr marL="2513594" indent="-228509" algn="l" defTabSz="914034" rtl="0" eaLnBrk="1" latinLnBrk="0" hangingPunct="1">
+      <a:lvl6pPr marL="2513330" indent="-228600" algn="l" defTabSz="913765" rtl="0" eaLnBrk="1" latinLnBrk="0" hangingPunct="1">
         <a:lnSpc>
           <a:spcPct val="90000"/>
         </a:lnSpc>
@@ -5972,7 +5423,7 @@
         </a:spcBef>
         <a:buFont typeface="Arial" panose="020B0604020202020204" pitchFamily="34" charset="0"/>
         <a:buChar char="•"/>
-        <a:defRPr sz="1799" kern="1200">
+        <a:defRPr sz="1800" kern="1200">
           <a:solidFill>
             <a:schemeClr val="tx1"/>
           </a:solidFill>
@@ -5981,7 +5432,7 @@
           <a:cs typeface="+mn-cs"/>
         </a:defRPr>
       </a:lvl6pPr>
-      <a:lvl7pPr marL="2970611" indent="-228509" algn="l" defTabSz="914034" rtl="0" eaLnBrk="1" latinLnBrk="0" hangingPunct="1">
+      <a:lvl7pPr marL="2970530" indent="-228600" algn="l" defTabSz="913765" rtl="0" eaLnBrk="1" latinLnBrk="0" hangingPunct="1">
         <a:lnSpc>
           <a:spcPct val="90000"/>
         </a:lnSpc>
@@ -5990,7 +5441,7 @@
         </a:spcBef>
         <a:buFont typeface="Arial" panose="020B0604020202020204" pitchFamily="34" charset="0"/>
         <a:buChar char="•"/>
-        <a:defRPr sz="1799" kern="1200">
+        <a:defRPr sz="1800" kern="1200">
           <a:solidFill>
             <a:schemeClr val="tx1"/>
           </a:solidFill>
@@ -5999,7 +5450,7 @@
           <a:cs typeface="+mn-cs"/>
         </a:defRPr>
       </a:lvl7pPr>
-      <a:lvl8pPr marL="3427628" indent="-228509" algn="l" defTabSz="914034" rtl="0" eaLnBrk="1" latinLnBrk="0" hangingPunct="1">
+      <a:lvl8pPr marL="3427730" indent="-228600" algn="l" defTabSz="913765" rtl="0" eaLnBrk="1" latinLnBrk="0" hangingPunct="1">
         <a:lnSpc>
           <a:spcPct val="90000"/>
         </a:lnSpc>
@@ -6008,7 +5459,7 @@
         </a:spcBef>
         <a:buFont typeface="Arial" panose="020B0604020202020204" pitchFamily="34" charset="0"/>
         <a:buChar char="•"/>
-        <a:defRPr sz="1799" kern="1200">
+        <a:defRPr sz="1800" kern="1200">
           <a:solidFill>
             <a:schemeClr val="tx1"/>
           </a:solidFill>
@@ -6017,7 +5468,7 @@
           <a:cs typeface="+mn-cs"/>
         </a:defRPr>
       </a:lvl8pPr>
-      <a:lvl9pPr marL="3884646" indent="-228509" algn="l" defTabSz="914034" rtl="0" eaLnBrk="1" latinLnBrk="0" hangingPunct="1">
+      <a:lvl9pPr marL="3884930" indent="-228600" algn="l" defTabSz="913765" rtl="0" eaLnBrk="1" latinLnBrk="0" hangingPunct="1">
         <a:lnSpc>
           <a:spcPct val="90000"/>
         </a:lnSpc>
@@ -6026,7 +5477,7 @@
         </a:spcBef>
         <a:buFont typeface="Arial" panose="020B0604020202020204" pitchFamily="34" charset="0"/>
         <a:buChar char="•"/>
-        <a:defRPr sz="1799" kern="1200">
+        <a:defRPr sz="1800" kern="1200">
           <a:solidFill>
             <a:schemeClr val="tx1"/>
           </a:solidFill>
@@ -6040,8 +5491,8 @@
       <a:defPPr>
         <a:defRPr lang="zh-CN"/>
       </a:defPPr>
-      <a:lvl1pPr marL="0" algn="l" defTabSz="914034" rtl="0" eaLnBrk="1" latinLnBrk="0" hangingPunct="1">
-        <a:defRPr sz="1799" kern="1200">
+      <a:lvl1pPr marL="0" algn="l" defTabSz="913765" rtl="0" eaLnBrk="1" latinLnBrk="0" hangingPunct="1">
+        <a:defRPr sz="1800" kern="1200">
           <a:solidFill>
             <a:schemeClr val="tx1"/>
           </a:solidFill>
@@ -6050,8 +5501,8 @@
           <a:cs typeface="+mn-cs"/>
         </a:defRPr>
       </a:lvl1pPr>
-      <a:lvl2pPr marL="457017" algn="l" defTabSz="914034" rtl="0" eaLnBrk="1" latinLnBrk="0" hangingPunct="1">
-        <a:defRPr sz="1799" kern="1200">
+      <a:lvl2pPr marL="457200" algn="l" defTabSz="913765" rtl="0" eaLnBrk="1" latinLnBrk="0" hangingPunct="1">
+        <a:defRPr sz="1800" kern="1200">
           <a:solidFill>
             <a:schemeClr val="tx1"/>
           </a:solidFill>
@@ -6060,8 +5511,8 @@
           <a:cs typeface="+mn-cs"/>
         </a:defRPr>
       </a:lvl2pPr>
-      <a:lvl3pPr marL="914034" algn="l" defTabSz="914034" rtl="0" eaLnBrk="1" latinLnBrk="0" hangingPunct="1">
-        <a:defRPr sz="1799" kern="1200">
+      <a:lvl3pPr marL="913765" algn="l" defTabSz="913765" rtl="0" eaLnBrk="1" latinLnBrk="0" hangingPunct="1">
+        <a:defRPr sz="1800" kern="1200">
           <a:solidFill>
             <a:schemeClr val="tx1"/>
           </a:solidFill>
@@ -6070,8 +5521,8 @@
           <a:cs typeface="+mn-cs"/>
         </a:defRPr>
       </a:lvl3pPr>
-      <a:lvl4pPr marL="1371051" algn="l" defTabSz="914034" rtl="0" eaLnBrk="1" latinLnBrk="0" hangingPunct="1">
-        <a:defRPr sz="1799" kern="1200">
+      <a:lvl4pPr marL="1370965" algn="l" defTabSz="913765" rtl="0" eaLnBrk="1" latinLnBrk="0" hangingPunct="1">
+        <a:defRPr sz="1800" kern="1200">
           <a:solidFill>
             <a:schemeClr val="tx1"/>
           </a:solidFill>
@@ -6080,8 +5531,8 @@
           <a:cs typeface="+mn-cs"/>
         </a:defRPr>
       </a:lvl4pPr>
-      <a:lvl5pPr marL="1828068" algn="l" defTabSz="914034" rtl="0" eaLnBrk="1" latinLnBrk="0" hangingPunct="1">
-        <a:defRPr sz="1799" kern="1200">
+      <a:lvl5pPr marL="1828165" algn="l" defTabSz="913765" rtl="0" eaLnBrk="1" latinLnBrk="0" hangingPunct="1">
+        <a:defRPr sz="1800" kern="1200">
           <a:solidFill>
             <a:schemeClr val="tx1"/>
           </a:solidFill>
@@ -6090,8 +5541,8 @@
           <a:cs typeface="+mn-cs"/>
         </a:defRPr>
       </a:lvl5pPr>
-      <a:lvl6pPr marL="2285086" algn="l" defTabSz="914034" rtl="0" eaLnBrk="1" latinLnBrk="0" hangingPunct="1">
-        <a:defRPr sz="1799" kern="1200">
+      <a:lvl6pPr marL="2285365" algn="l" defTabSz="913765" rtl="0" eaLnBrk="1" latinLnBrk="0" hangingPunct="1">
+        <a:defRPr sz="1800" kern="1200">
           <a:solidFill>
             <a:schemeClr val="tx1"/>
           </a:solidFill>
@@ -6100,8 +5551,8 @@
           <a:cs typeface="+mn-cs"/>
         </a:defRPr>
       </a:lvl6pPr>
-      <a:lvl7pPr marL="2742103" algn="l" defTabSz="914034" rtl="0" eaLnBrk="1" latinLnBrk="0" hangingPunct="1">
-        <a:defRPr sz="1799" kern="1200">
+      <a:lvl7pPr marL="2741930" algn="l" defTabSz="913765" rtl="0" eaLnBrk="1" latinLnBrk="0" hangingPunct="1">
+        <a:defRPr sz="1800" kern="1200">
           <a:solidFill>
             <a:schemeClr val="tx1"/>
           </a:solidFill>
@@ -6110,8 +5561,8 @@
           <a:cs typeface="+mn-cs"/>
         </a:defRPr>
       </a:lvl7pPr>
-      <a:lvl8pPr marL="3199120" algn="l" defTabSz="914034" rtl="0" eaLnBrk="1" latinLnBrk="0" hangingPunct="1">
-        <a:defRPr sz="1799" kern="1200">
+      <a:lvl8pPr marL="3199130" algn="l" defTabSz="913765" rtl="0" eaLnBrk="1" latinLnBrk="0" hangingPunct="1">
+        <a:defRPr sz="1800" kern="1200">
           <a:solidFill>
             <a:schemeClr val="tx1"/>
           </a:solidFill>
@@ -6120,8 +5571,8 @@
           <a:cs typeface="+mn-cs"/>
         </a:defRPr>
       </a:lvl8pPr>
-      <a:lvl9pPr marL="3656137" algn="l" defTabSz="914034" rtl="0" eaLnBrk="1" latinLnBrk="0" hangingPunct="1">
-        <a:defRPr sz="1799" kern="1200">
+      <a:lvl9pPr marL="3656330" algn="l" defTabSz="913765" rtl="0" eaLnBrk="1" latinLnBrk="0" hangingPunct="1">
+        <a:defRPr sz="1800" kern="1200">
           <a:solidFill>
             <a:schemeClr val="tx1"/>
           </a:solidFill>
@@ -6132,52 +5583,6 @@
       </a:lvl9pPr>
     </p:otherStyle>
   </p:txStyles>
-  <p:extLst mod="1">
-    <p:ext uri="{27BBF7A9-308A-43DC-89C8-2F10F3537804}">
-      <p15:sldGuideLst xmlns:p15="http://schemas.microsoft.com/office/powerpoint/2012/main">
-        <p15:guide id="2" pos="642" userDrawn="1">
-          <p15:clr>
-            <a:srgbClr val="F26B43"/>
-          </p15:clr>
-        </p15:guide>
-        <p15:guide id="4" pos="7038" userDrawn="1">
-          <p15:clr>
-            <a:srgbClr val="F26B43"/>
-          </p15:clr>
-        </p15:guide>
-        <p15:guide id="5" orient="horz" pos="2341" userDrawn="1">
-          <p15:clr>
-            <a:srgbClr val="F26B43"/>
-          </p15:clr>
-        </p15:guide>
-        <p15:guide id="6" orient="horz" pos="3906" userDrawn="1">
-          <p15:clr>
-            <a:srgbClr val="F26B43"/>
-          </p15:clr>
-        </p15:guide>
-        <p15:guide id="7" orient="horz" pos="1162" userDrawn="1">
-          <p15:clr>
-            <a:srgbClr val="F26B43"/>
-          </p15:clr>
-        </p15:guide>
-        <p15:guide id="8" pos="3840" userDrawn="1">
-          <p15:clr>
-            <a:srgbClr val="F26B43"/>
-          </p15:clr>
-        </p15:guide>
-        <p15:guide id="9" orient="horz" pos="731" userDrawn="1">
-          <p15:clr>
-            <a:srgbClr val="F26B43"/>
-          </p15:clr>
-        </p15:guide>
-        <p15:guide id="10" orient="horz" pos="867" userDrawn="1">
-          <p15:clr>
-            <a:srgbClr val="F26B43"/>
-          </p15:clr>
-        </p15:guide>
-      </p15:sldGuideLst>
-    </p:ext>
-  </p:extLst>
 </p:sldMaster>
 </file>
 
@@ -6204,21 +5609,16 @@
         </a:xfrm>
       </p:grpSpPr>
     </p:spTree>
-    <p:extLst>
-      <p:ext uri="{BB962C8B-B14F-4D97-AF65-F5344CB8AC3E}">
-        <p14:creationId xmlns:p14="http://schemas.microsoft.com/office/powerpoint/2010/main" val="930900574"/>
-      </p:ext>
-    </p:extLst>
   </p:cSld>
   <p:clrMap bg1="lt1" tx1="dk1" bg2="lt2" tx2="dk2" accent1="accent1" accent2="accent2" accent3="accent3" accent4="accent4" accent5="accent5" accent6="accent6" hlink="hlink" folHlink="folHlink"/>
   <p:sldLayoutIdLst>
-    <p:sldLayoutId id="2147483853" r:id="rId1"/>
-    <p:sldLayoutId id="2147483869" r:id="rId2"/>
-    <p:sldLayoutId id="2147483862" r:id="rId3"/>
-    <p:sldLayoutId id="2147483870" r:id="rId4"/>
-    <p:sldLayoutId id="2147483863" r:id="rId5"/>
-    <p:sldLayoutId id="2147483875" r:id="rId6"/>
-    <p:sldLayoutId id="2147483876" r:id="rId7"/>
+    <p:sldLayoutId id="2147483663" r:id="rId1"/>
+    <p:sldLayoutId id="2147483664" r:id="rId2"/>
+    <p:sldLayoutId id="2147483665" r:id="rId3"/>
+    <p:sldLayoutId id="2147483666" r:id="rId4"/>
+    <p:sldLayoutId id="2147483667" r:id="rId5"/>
+    <p:sldLayoutId id="2147483668" r:id="rId6"/>
+    <p:sldLayoutId id="2147483669" r:id="rId7"/>
   </p:sldLayoutIdLst>
   <p:timing>
     <p:tnLst>
@@ -6229,7 +5629,7 @@
   </p:timing>
   <p:txStyles>
     <p:titleStyle>
-      <a:lvl1pPr algn="l" defTabSz="914034" rtl="0" eaLnBrk="1" fontAlgn="base" latinLnBrk="0" hangingPunct="1">
+      <a:lvl1pPr algn="l" defTabSz="913765" rtl="0" eaLnBrk="1" fontAlgn="base" latinLnBrk="0" hangingPunct="1">
         <a:lnSpc>
           <a:spcPct val="90000"/>
         </a:lnSpc>
@@ -6248,17 +5648,17 @@
       </a:lvl1pPr>
     </p:titleStyle>
     <p:bodyStyle>
-      <a:lvl1pPr marL="302279" indent="-302279" algn="l" defTabSz="914034" rtl="0" eaLnBrk="1" fontAlgn="ctr" latinLnBrk="0" hangingPunct="1">
+      <a:lvl1pPr marL="302260" indent="-302260" algn="l" defTabSz="913765" rtl="0" eaLnBrk="1" fontAlgn="ctr" latinLnBrk="0" hangingPunct="1">
         <a:lnSpc>
           <a:spcPct val="140000"/>
         </a:lnSpc>
         <a:spcBef>
-          <a:spcPts val="792"/>
+          <a:spcPts val="790"/>
         </a:spcBef>
         <a:buSzPct val="50000"/>
         <a:buFont typeface="Wingdings" panose="05000000000000000000" pitchFamily="2" charset="2"/>
         <a:buChar char="l"/>
-        <a:defRPr sz="2199" kern="1200" baseline="0">
+        <a:defRPr sz="2200" kern="1200" baseline="0">
           <a:solidFill>
             <a:schemeClr val="tx1"/>
           </a:solidFill>
@@ -6267,7 +5667,7 @@
           <a:cs typeface="+mn-cs"/>
         </a:defRPr>
       </a:lvl1pPr>
-      <a:lvl2pPr marL="654938" indent="-251899" algn="l" defTabSz="914034" rtl="0" eaLnBrk="1" fontAlgn="ctr" latinLnBrk="0" hangingPunct="1">
+      <a:lvl2pPr marL="654685" indent="-252095" algn="l" defTabSz="913765" rtl="0" eaLnBrk="1" fontAlgn="ctr" latinLnBrk="0" hangingPunct="1">
         <a:lnSpc>
           <a:spcPct val="140000"/>
         </a:lnSpc>
@@ -6278,7 +5678,7 @@
         <a:buSzPct val="50000"/>
         <a:buFont typeface="Wingdings" panose="05000000000000000000" pitchFamily="2" charset="2"/>
         <a:buChar char="p"/>
-        <a:defRPr sz="1999" kern="1200" baseline="0">
+        <a:defRPr sz="2000" kern="1200" baseline="0">
           <a:solidFill>
             <a:schemeClr val="tx1"/>
           </a:solidFill>
@@ -6287,18 +5687,18 @@
           <a:cs typeface="+mn-cs"/>
         </a:defRPr>
       </a:lvl2pPr>
-      <a:lvl3pPr marL="1003998" indent="-201519" algn="l" defTabSz="914034" rtl="0" eaLnBrk="1" fontAlgn="ctr" latinLnBrk="0" hangingPunct="1">
+      <a:lvl3pPr marL="1003935" indent="-201295" algn="l" defTabSz="913765" rtl="0" eaLnBrk="1" fontAlgn="ctr" latinLnBrk="0" hangingPunct="1">
         <a:lnSpc>
           <a:spcPct val="140000"/>
         </a:lnSpc>
         <a:spcBef>
-          <a:spcPts val="648"/>
+          <a:spcPts val="650"/>
         </a:spcBef>
         <a:buClrTx/>
         <a:buSzPct val="50000"/>
         <a:buFont typeface="Wingdings" panose="05000000000000000000" pitchFamily="2" charset="2"/>
         <a:buChar char="n"/>
-        <a:defRPr sz="1799" kern="1200" baseline="0">
+        <a:defRPr sz="1800" kern="1200" baseline="0">
           <a:solidFill>
             <a:schemeClr val="tx1"/>
           </a:solidFill>
@@ -6307,16 +5707,16 @@
           <a:cs typeface="+mn-cs"/>
         </a:defRPr>
       </a:lvl3pPr>
-      <a:lvl4pPr marL="1399840" indent="-197921" algn="l" defTabSz="914034" rtl="0" eaLnBrk="1" fontAlgn="ctr" latinLnBrk="0" hangingPunct="1">
+      <a:lvl4pPr marL="1399540" indent="-198120" algn="l" defTabSz="913765" rtl="0" eaLnBrk="1" fontAlgn="ctr" latinLnBrk="0" hangingPunct="1">
         <a:lnSpc>
           <a:spcPct val="140000"/>
         </a:lnSpc>
         <a:spcBef>
-          <a:spcPts val="576"/>
+          <a:spcPts val="575"/>
         </a:spcBef>
         <a:buFont typeface="Huawei Sans" panose="020C0503030203020204" pitchFamily="34" charset="0"/>
         <a:buChar char="−"/>
-        <a:defRPr sz="1599" kern="1200" baseline="0">
+        <a:defRPr sz="1600" kern="1200" baseline="0">
           <a:solidFill>
             <a:schemeClr val="tx1"/>
           </a:solidFill>
@@ -6325,16 +5725,16 @@
           <a:cs typeface="+mn-cs"/>
         </a:defRPr>
       </a:lvl4pPr>
-      <a:lvl5pPr marL="1802879" indent="-201519" algn="l" defTabSz="914034" rtl="0" eaLnBrk="1" fontAlgn="ctr" latinLnBrk="0" hangingPunct="1">
+      <a:lvl5pPr marL="1802765" indent="-201295" algn="l" defTabSz="913765" rtl="0" eaLnBrk="1" fontAlgn="ctr" latinLnBrk="0" hangingPunct="1">
         <a:lnSpc>
           <a:spcPct val="140000"/>
         </a:lnSpc>
         <a:spcBef>
-          <a:spcPts val="576"/>
+          <a:spcPts val="575"/>
         </a:spcBef>
         <a:buFont typeface="Huawei Sans" panose="020C0503030203020204" pitchFamily="34" charset="0"/>
         <a:buChar char="~"/>
-        <a:defRPr sz="1399" kern="1200" baseline="0">
+        <a:defRPr sz="1400" kern="1200" baseline="0">
           <a:solidFill>
             <a:schemeClr val="tx1"/>
           </a:solidFill>
@@ -6343,7 +5743,7 @@
           <a:cs typeface="+mn-cs"/>
         </a:defRPr>
       </a:lvl5pPr>
-      <a:lvl6pPr marL="2513594" indent="-228509" algn="l" defTabSz="914034" rtl="0" eaLnBrk="1" latinLnBrk="0" hangingPunct="1">
+      <a:lvl6pPr marL="2513330" indent="-228600" algn="l" defTabSz="913765" rtl="0" eaLnBrk="1" latinLnBrk="0" hangingPunct="1">
         <a:lnSpc>
           <a:spcPct val="90000"/>
         </a:lnSpc>
@@ -6352,7 +5752,7 @@
         </a:spcBef>
         <a:buFont typeface="Arial" panose="020B0604020202020204" pitchFamily="34" charset="0"/>
         <a:buChar char="•"/>
-        <a:defRPr sz="1799" kern="1200">
+        <a:defRPr sz="1800" kern="1200">
           <a:solidFill>
             <a:schemeClr val="tx1"/>
           </a:solidFill>
@@ -6361,7 +5761,7 @@
           <a:cs typeface="+mn-cs"/>
         </a:defRPr>
       </a:lvl6pPr>
-      <a:lvl7pPr marL="2970611" indent="-228509" algn="l" defTabSz="914034" rtl="0" eaLnBrk="1" latinLnBrk="0" hangingPunct="1">
+      <a:lvl7pPr marL="2970530" indent="-228600" algn="l" defTabSz="913765" rtl="0" eaLnBrk="1" latinLnBrk="0" hangingPunct="1">
         <a:lnSpc>
           <a:spcPct val="90000"/>
         </a:lnSpc>
@@ -6370,7 +5770,7 @@
         </a:spcBef>
         <a:buFont typeface="Arial" panose="020B0604020202020204" pitchFamily="34" charset="0"/>
         <a:buChar char="•"/>
-        <a:defRPr sz="1799" kern="1200">
+        <a:defRPr sz="1800" kern="1200">
           <a:solidFill>
             <a:schemeClr val="tx1"/>
           </a:solidFill>
@@ -6379,7 +5779,7 @@
           <a:cs typeface="+mn-cs"/>
         </a:defRPr>
       </a:lvl7pPr>
-      <a:lvl8pPr marL="3427628" indent="-228509" algn="l" defTabSz="914034" rtl="0" eaLnBrk="1" latinLnBrk="0" hangingPunct="1">
+      <a:lvl8pPr marL="3427730" indent="-228600" algn="l" defTabSz="913765" rtl="0" eaLnBrk="1" latinLnBrk="0" hangingPunct="1">
         <a:lnSpc>
           <a:spcPct val="90000"/>
         </a:lnSpc>
@@ -6388,7 +5788,7 @@
         </a:spcBef>
         <a:buFont typeface="Arial" panose="020B0604020202020204" pitchFamily="34" charset="0"/>
         <a:buChar char="•"/>
-        <a:defRPr sz="1799" kern="1200">
+        <a:defRPr sz="1800" kern="1200">
           <a:solidFill>
             <a:schemeClr val="tx1"/>
           </a:solidFill>
@@ -6397,7 +5797,7 @@
           <a:cs typeface="+mn-cs"/>
         </a:defRPr>
       </a:lvl8pPr>
-      <a:lvl9pPr marL="3884646" indent="-228509" algn="l" defTabSz="914034" rtl="0" eaLnBrk="1" latinLnBrk="0" hangingPunct="1">
+      <a:lvl9pPr marL="3884930" indent="-228600" algn="l" defTabSz="913765" rtl="0" eaLnBrk="1" latinLnBrk="0" hangingPunct="1">
         <a:lnSpc>
           <a:spcPct val="90000"/>
         </a:lnSpc>
@@ -6406,7 +5806,7 @@
         </a:spcBef>
         <a:buFont typeface="Arial" panose="020B0604020202020204" pitchFamily="34" charset="0"/>
         <a:buChar char="•"/>
-        <a:defRPr sz="1799" kern="1200">
+        <a:defRPr sz="1800" kern="1200">
           <a:solidFill>
             <a:schemeClr val="tx1"/>
           </a:solidFill>
@@ -6420,8 +5820,8 @@
       <a:defPPr>
         <a:defRPr lang="zh-CN"/>
       </a:defPPr>
-      <a:lvl1pPr marL="0" algn="l" defTabSz="914034" rtl="0" eaLnBrk="1" latinLnBrk="0" hangingPunct="1">
-        <a:defRPr sz="1799" kern="1200">
+      <a:lvl1pPr marL="0" algn="l" defTabSz="913765" rtl="0" eaLnBrk="1" latinLnBrk="0" hangingPunct="1">
+        <a:defRPr sz="1800" kern="1200">
           <a:solidFill>
             <a:schemeClr val="tx1"/>
           </a:solidFill>
@@ -6430,8 +5830,8 @@
           <a:cs typeface="+mn-cs"/>
         </a:defRPr>
       </a:lvl1pPr>
-      <a:lvl2pPr marL="457017" algn="l" defTabSz="914034" rtl="0" eaLnBrk="1" latinLnBrk="0" hangingPunct="1">
-        <a:defRPr sz="1799" kern="1200">
+      <a:lvl2pPr marL="457200" algn="l" defTabSz="913765" rtl="0" eaLnBrk="1" latinLnBrk="0" hangingPunct="1">
+        <a:defRPr sz="1800" kern="1200">
           <a:solidFill>
             <a:schemeClr val="tx1"/>
           </a:solidFill>
@@ -6440,8 +5840,8 @@
           <a:cs typeface="+mn-cs"/>
         </a:defRPr>
       </a:lvl2pPr>
-      <a:lvl3pPr marL="914034" algn="l" defTabSz="914034" rtl="0" eaLnBrk="1" latinLnBrk="0" hangingPunct="1">
-        <a:defRPr sz="1799" kern="1200">
+      <a:lvl3pPr marL="913765" algn="l" defTabSz="913765" rtl="0" eaLnBrk="1" latinLnBrk="0" hangingPunct="1">
+        <a:defRPr sz="1800" kern="1200">
           <a:solidFill>
             <a:schemeClr val="tx1"/>
           </a:solidFill>
@@ -6450,8 +5850,8 @@
           <a:cs typeface="+mn-cs"/>
         </a:defRPr>
       </a:lvl3pPr>
-      <a:lvl4pPr marL="1371051" algn="l" defTabSz="914034" rtl="0" eaLnBrk="1" latinLnBrk="0" hangingPunct="1">
-        <a:defRPr sz="1799" kern="1200">
+      <a:lvl4pPr marL="1370965" algn="l" defTabSz="913765" rtl="0" eaLnBrk="1" latinLnBrk="0" hangingPunct="1">
+        <a:defRPr sz="1800" kern="1200">
           <a:solidFill>
             <a:schemeClr val="tx1"/>
           </a:solidFill>
@@ -6460,8 +5860,8 @@
           <a:cs typeface="+mn-cs"/>
         </a:defRPr>
       </a:lvl4pPr>
-      <a:lvl5pPr marL="1828068" algn="l" defTabSz="914034" rtl="0" eaLnBrk="1" latinLnBrk="0" hangingPunct="1">
-        <a:defRPr sz="1799" kern="1200">
+      <a:lvl5pPr marL="1828165" algn="l" defTabSz="913765" rtl="0" eaLnBrk="1" latinLnBrk="0" hangingPunct="1">
+        <a:defRPr sz="1800" kern="1200">
           <a:solidFill>
             <a:schemeClr val="tx1"/>
           </a:solidFill>
@@ -6470,8 +5870,8 @@
           <a:cs typeface="+mn-cs"/>
         </a:defRPr>
       </a:lvl5pPr>
-      <a:lvl6pPr marL="2285086" algn="l" defTabSz="914034" rtl="0" eaLnBrk="1" latinLnBrk="0" hangingPunct="1">
-        <a:defRPr sz="1799" kern="1200">
+      <a:lvl6pPr marL="2285365" algn="l" defTabSz="913765" rtl="0" eaLnBrk="1" latinLnBrk="0" hangingPunct="1">
+        <a:defRPr sz="1800" kern="1200">
           <a:solidFill>
             <a:schemeClr val="tx1"/>
           </a:solidFill>
@@ -6480,8 +5880,8 @@
           <a:cs typeface="+mn-cs"/>
         </a:defRPr>
       </a:lvl6pPr>
-      <a:lvl7pPr marL="2742103" algn="l" defTabSz="914034" rtl="0" eaLnBrk="1" latinLnBrk="0" hangingPunct="1">
-        <a:defRPr sz="1799" kern="1200">
+      <a:lvl7pPr marL="2741930" algn="l" defTabSz="913765" rtl="0" eaLnBrk="1" latinLnBrk="0" hangingPunct="1">
+        <a:defRPr sz="1800" kern="1200">
           <a:solidFill>
             <a:schemeClr val="tx1"/>
           </a:solidFill>
@@ -6490,8 +5890,8 @@
           <a:cs typeface="+mn-cs"/>
         </a:defRPr>
       </a:lvl7pPr>
-      <a:lvl8pPr marL="3199120" algn="l" defTabSz="914034" rtl="0" eaLnBrk="1" latinLnBrk="0" hangingPunct="1">
-        <a:defRPr sz="1799" kern="1200">
+      <a:lvl8pPr marL="3199130" algn="l" defTabSz="913765" rtl="0" eaLnBrk="1" latinLnBrk="0" hangingPunct="1">
+        <a:defRPr sz="1800" kern="1200">
           <a:solidFill>
             <a:schemeClr val="tx1"/>
           </a:solidFill>
@@ -6500,8 +5900,8 @@
           <a:cs typeface="+mn-cs"/>
         </a:defRPr>
       </a:lvl8pPr>
-      <a:lvl9pPr marL="3656137" algn="l" defTabSz="914034" rtl="0" eaLnBrk="1" latinLnBrk="0" hangingPunct="1">
-        <a:defRPr sz="1799" kern="1200">
+      <a:lvl9pPr marL="3656330" algn="l" defTabSz="913765" rtl="0" eaLnBrk="1" latinLnBrk="0" hangingPunct="1">
+        <a:defRPr sz="1800" kern="1200">
           <a:solidFill>
             <a:schemeClr val="tx1"/>
           </a:solidFill>
@@ -6512,42 +5912,6 @@
       </a:lvl9pPr>
     </p:otherStyle>
   </p:txStyles>
-  <p:extLst mod="1">
-    <p:ext uri="{27BBF7A9-308A-43DC-89C8-2F10F3537804}">
-      <p15:sldGuideLst xmlns:p15="http://schemas.microsoft.com/office/powerpoint/2012/main">
-        <p15:guide id="2" pos="7219">
-          <p15:clr>
-            <a:srgbClr val="F26B43"/>
-          </p15:clr>
-        </p15:guide>
-        <p15:guide id="3" orient="horz" pos="278" userDrawn="1">
-          <p15:clr>
-            <a:srgbClr val="F26B43"/>
-          </p15:clr>
-        </p15:guide>
-        <p15:guide id="4" orient="horz" pos="3906">
-          <p15:clr>
-            <a:srgbClr val="F26B43"/>
-          </p15:clr>
-        </p15:guide>
-        <p15:guide id="6" pos="3840">
-          <p15:clr>
-            <a:srgbClr val="F26B43"/>
-          </p15:clr>
-        </p15:guide>
-        <p15:guide id="7" pos="461" userDrawn="1">
-          <p15:clr>
-            <a:srgbClr val="F26B43"/>
-          </p15:clr>
-        </p15:guide>
-        <p15:guide id="8" orient="horz" pos="2160" userDrawn="1">
-          <p15:clr>
-            <a:srgbClr val="F26B43"/>
-          </p15:clr>
-        </p15:guide>
-      </p15:sldGuideLst>
-    </p:ext>
-  </p:extLst>
 </p:sldMaster>
 </file>
 
@@ -6577,20 +5941,15 @@
         </a:xfrm>
       </p:grpSpPr>
     </p:spTree>
-    <p:extLst>
-      <p:ext uri="{BB962C8B-B14F-4D97-AF65-F5344CB8AC3E}">
-        <p14:creationId xmlns:p14="http://schemas.microsoft.com/office/powerpoint/2010/main" val="1722983275"/>
-      </p:ext>
-    </p:extLst>
   </p:cSld>
   <p:clrMap bg1="lt1" tx1="dk1" bg2="lt2" tx2="dk2" accent1="accent1" accent2="accent2" accent3="accent3" accent4="accent4" accent5="accent5" accent6="accent6" hlink="hlink" folHlink="folHlink"/>
   <p:sldLayoutIdLst>
-    <p:sldLayoutId id="2147483868" r:id="rId1"/>
+    <p:sldLayoutId id="2147483671" r:id="rId1"/>
   </p:sldLayoutIdLst>
   <p:hf hdr="0" ftr="0" dt="0"/>
   <p:txStyles>
     <p:titleStyle>
-      <a:lvl1pPr algn="l" defTabSz="1187323" rtl="0" eaLnBrk="1" latinLnBrk="0" hangingPunct="1">
+      <a:lvl1pPr algn="l" defTabSz="1187450" rtl="0" eaLnBrk="1" latinLnBrk="0" hangingPunct="1">
         <a:lnSpc>
           <a:spcPct val="90000"/>
         </a:lnSpc>
@@ -6598,7 +5957,7 @@
           <a:spcPct val="0"/>
         </a:spcBef>
         <a:buNone/>
-        <a:defRPr sz="4998" b="0" kern="1200">
+        <a:defRPr sz="5000" b="0" kern="1200">
           <a:solidFill>
             <a:schemeClr val="tx1"/>
           </a:solidFill>
@@ -6609,25 +5968,25 @@
       </a:lvl1pPr>
     </p:titleStyle>
     <p:bodyStyle>
-      <a:lvl1pPr marL="0" indent="0" algn="l" defTabSz="1187323" rtl="0" eaLnBrk="1" latinLnBrk="0" hangingPunct="1">
+      <a:lvl1pPr marL="0" indent="0" algn="l" defTabSz="1187450" rtl="0" eaLnBrk="1" latinLnBrk="0" hangingPunct="1">
         <a:lnSpc>
           <a:spcPct val="90000"/>
         </a:lnSpc>
         <a:spcBef>
-          <a:spcPts val="1298"/>
+          <a:spcPts val="1300"/>
         </a:spcBef>
         <a:buFont typeface="Arial" panose="020B0604020202020204" pitchFamily="34" charset="0"/>
         <a:buNone/>
-        <a:defRPr sz="1818" kern="1200">
+        <a:defRPr sz="1820" kern="1200">
           <a:solidFill>
             <a:srgbClr val="FFFFFF"/>
           </a:solidFill>
-          <a:latin typeface="Microsoft YaHei" panose="020B0503020204020204" pitchFamily="34" charset="-122"/>
-          <a:ea typeface="Microsoft YaHei" panose="020B0503020204020204" pitchFamily="34" charset="-122"/>
+          <a:latin typeface="微软雅黑" panose="020B0503020204020204" charset="-122"/>
+          <a:ea typeface="微软雅黑" panose="020B0503020204020204" charset="-122"/>
           <a:cs typeface="+mn-cs"/>
         </a:defRPr>
       </a:lvl1pPr>
-      <a:lvl2pPr marL="593662" indent="0" algn="l" defTabSz="1187323" rtl="0" eaLnBrk="1" latinLnBrk="0" hangingPunct="1">
+      <a:lvl2pPr marL="593725" indent="0" algn="l" defTabSz="1187450" rtl="0" eaLnBrk="1" latinLnBrk="0" hangingPunct="1">
         <a:lnSpc>
           <a:spcPct val="90000"/>
         </a:lnSpc>
@@ -6636,7 +5995,7 @@
         </a:spcBef>
         <a:buFont typeface="Arial" panose="020B0604020202020204" pitchFamily="34" charset="0"/>
         <a:buNone/>
-        <a:defRPr sz="3117" kern="1200">
+        <a:defRPr sz="3115" kern="1200">
           <a:solidFill>
             <a:schemeClr val="tx1"/>
           </a:solidFill>
@@ -6645,7 +6004,7 @@
           <a:cs typeface="+mn-cs"/>
         </a:defRPr>
       </a:lvl2pPr>
-      <a:lvl3pPr marL="1187323" indent="0" algn="l" defTabSz="1187323" rtl="0" eaLnBrk="1" latinLnBrk="0" hangingPunct="1">
+      <a:lvl3pPr marL="1187450" indent="0" algn="l" defTabSz="1187450" rtl="0" eaLnBrk="1" latinLnBrk="0" hangingPunct="1">
         <a:lnSpc>
           <a:spcPct val="90000"/>
         </a:lnSpc>
@@ -6654,7 +6013,7 @@
         </a:spcBef>
         <a:buFont typeface="Arial" panose="020B0604020202020204" pitchFamily="34" charset="0"/>
         <a:buNone/>
-        <a:defRPr sz="2597" kern="1200">
+        <a:defRPr sz="2595" kern="1200">
           <a:solidFill>
             <a:schemeClr val="tx1"/>
           </a:solidFill>
@@ -6663,7 +6022,7 @@
           <a:cs typeface="+mn-cs"/>
         </a:defRPr>
       </a:lvl3pPr>
-      <a:lvl4pPr marL="1780986" indent="0" algn="l" defTabSz="1187323" rtl="0" eaLnBrk="1" latinLnBrk="0" hangingPunct="1">
+      <a:lvl4pPr marL="1781175" indent="0" algn="l" defTabSz="1187450" rtl="0" eaLnBrk="1" latinLnBrk="0" hangingPunct="1">
         <a:lnSpc>
           <a:spcPct val="90000"/>
         </a:lnSpc>
@@ -6672,7 +6031,7 @@
         </a:spcBef>
         <a:buFont typeface="Arial" panose="020B0604020202020204" pitchFamily="34" charset="0"/>
         <a:buNone/>
-        <a:defRPr sz="2337" kern="1200">
+        <a:defRPr sz="2335" kern="1200">
           <a:solidFill>
             <a:schemeClr val="tx1"/>
           </a:solidFill>
@@ -6681,7 +6040,7 @@
           <a:cs typeface="+mn-cs"/>
         </a:defRPr>
       </a:lvl4pPr>
-      <a:lvl5pPr marL="2374648" indent="0" algn="l" defTabSz="1187323" rtl="0" eaLnBrk="1" latinLnBrk="0" hangingPunct="1">
+      <a:lvl5pPr marL="2374900" indent="0" algn="l" defTabSz="1187450" rtl="0" eaLnBrk="1" latinLnBrk="0" hangingPunct="1">
         <a:lnSpc>
           <a:spcPct val="90000"/>
         </a:lnSpc>
@@ -6690,7 +6049,7 @@
         </a:spcBef>
         <a:buFont typeface="Arial" panose="020B0604020202020204" pitchFamily="34" charset="0"/>
         <a:buNone/>
-        <a:defRPr sz="2337" kern="1200">
+        <a:defRPr sz="2335" kern="1200">
           <a:solidFill>
             <a:schemeClr val="tx1"/>
           </a:solidFill>
@@ -6699,7 +6058,7 @@
           <a:cs typeface="+mn-cs"/>
         </a:defRPr>
       </a:lvl5pPr>
-      <a:lvl6pPr marL="3265140" indent="-296831" algn="l" defTabSz="1187323" rtl="0" eaLnBrk="1" latinLnBrk="0" hangingPunct="1">
+      <a:lvl6pPr marL="3265170" indent="-296545" algn="l" defTabSz="1187450" rtl="0" eaLnBrk="1" latinLnBrk="0" hangingPunct="1">
         <a:lnSpc>
           <a:spcPct val="90000"/>
         </a:lnSpc>
@@ -6708,7 +6067,7 @@
         </a:spcBef>
         <a:buFont typeface="Arial" panose="020B0604020202020204" pitchFamily="34" charset="0"/>
         <a:buChar char="•"/>
-        <a:defRPr sz="2337" kern="1200">
+        <a:defRPr sz="2335" kern="1200">
           <a:solidFill>
             <a:schemeClr val="tx1"/>
           </a:solidFill>
@@ -6717,7 +6076,7 @@
           <a:cs typeface="+mn-cs"/>
         </a:defRPr>
       </a:lvl6pPr>
-      <a:lvl7pPr marL="3858802" indent="-296831" algn="l" defTabSz="1187323" rtl="0" eaLnBrk="1" latinLnBrk="0" hangingPunct="1">
+      <a:lvl7pPr marL="3858895" indent="-296545" algn="l" defTabSz="1187450" rtl="0" eaLnBrk="1" latinLnBrk="0" hangingPunct="1">
         <a:lnSpc>
           <a:spcPct val="90000"/>
         </a:lnSpc>
@@ -6726,7 +6085,7 @@
         </a:spcBef>
         <a:buFont typeface="Arial" panose="020B0604020202020204" pitchFamily="34" charset="0"/>
         <a:buChar char="•"/>
-        <a:defRPr sz="2337" kern="1200">
+        <a:defRPr sz="2335" kern="1200">
           <a:solidFill>
             <a:schemeClr val="tx1"/>
           </a:solidFill>
@@ -6735,7 +6094,7 @@
           <a:cs typeface="+mn-cs"/>
         </a:defRPr>
       </a:lvl7pPr>
-      <a:lvl8pPr marL="4452463" indent="-296831" algn="l" defTabSz="1187323" rtl="0" eaLnBrk="1" latinLnBrk="0" hangingPunct="1">
+      <a:lvl8pPr marL="4452620" indent="-296545" algn="l" defTabSz="1187450" rtl="0" eaLnBrk="1" latinLnBrk="0" hangingPunct="1">
         <a:lnSpc>
           <a:spcPct val="90000"/>
         </a:lnSpc>
@@ -6744,7 +6103,7 @@
         </a:spcBef>
         <a:buFont typeface="Arial" panose="020B0604020202020204" pitchFamily="34" charset="0"/>
         <a:buChar char="•"/>
-        <a:defRPr sz="2337" kern="1200">
+        <a:defRPr sz="2335" kern="1200">
           <a:solidFill>
             <a:schemeClr val="tx1"/>
           </a:solidFill>
@@ -6753,7 +6112,7 @@
           <a:cs typeface="+mn-cs"/>
         </a:defRPr>
       </a:lvl8pPr>
-      <a:lvl9pPr marL="5046125" indent="-296831" algn="l" defTabSz="1187323" rtl="0" eaLnBrk="1" latinLnBrk="0" hangingPunct="1">
+      <a:lvl9pPr marL="5046345" indent="-296545" algn="l" defTabSz="1187450" rtl="0" eaLnBrk="1" latinLnBrk="0" hangingPunct="1">
         <a:lnSpc>
           <a:spcPct val="90000"/>
         </a:lnSpc>
@@ -6762,7 +6121,7 @@
         </a:spcBef>
         <a:buFont typeface="Arial" panose="020B0604020202020204" pitchFamily="34" charset="0"/>
         <a:buChar char="•"/>
-        <a:defRPr sz="2337" kern="1200">
+        <a:defRPr sz="2335" kern="1200">
           <a:solidFill>
             <a:schemeClr val="tx1"/>
           </a:solidFill>
@@ -6776,8 +6135,8 @@
       <a:defPPr>
         <a:defRPr lang="en-US"/>
       </a:defPPr>
-      <a:lvl1pPr marL="0" algn="l" defTabSz="1187323" rtl="0" eaLnBrk="1" latinLnBrk="0" hangingPunct="1">
-        <a:defRPr sz="2337" kern="1200">
+      <a:lvl1pPr marL="0" algn="l" defTabSz="1187450" rtl="0" eaLnBrk="1" latinLnBrk="0" hangingPunct="1">
+        <a:defRPr sz="2335" kern="1200">
           <a:solidFill>
             <a:schemeClr val="tx1"/>
           </a:solidFill>
@@ -6786,8 +6145,8 @@
           <a:cs typeface="+mn-cs"/>
         </a:defRPr>
       </a:lvl1pPr>
-      <a:lvl2pPr marL="593662" algn="l" defTabSz="1187323" rtl="0" eaLnBrk="1" latinLnBrk="0" hangingPunct="1">
-        <a:defRPr sz="2337" kern="1200">
+      <a:lvl2pPr marL="593725" algn="l" defTabSz="1187450" rtl="0" eaLnBrk="1" latinLnBrk="0" hangingPunct="1">
+        <a:defRPr sz="2335" kern="1200">
           <a:solidFill>
             <a:schemeClr val="tx1"/>
           </a:solidFill>
@@ -6796,8 +6155,8 @@
           <a:cs typeface="+mn-cs"/>
         </a:defRPr>
       </a:lvl2pPr>
-      <a:lvl3pPr marL="1187323" algn="l" defTabSz="1187323" rtl="0" eaLnBrk="1" latinLnBrk="0" hangingPunct="1">
-        <a:defRPr sz="2337" kern="1200">
+      <a:lvl3pPr marL="1187450" algn="l" defTabSz="1187450" rtl="0" eaLnBrk="1" latinLnBrk="0" hangingPunct="1">
+        <a:defRPr sz="2335" kern="1200">
           <a:solidFill>
             <a:schemeClr val="tx1"/>
           </a:solidFill>
@@ -6806,8 +6165,8 @@
           <a:cs typeface="+mn-cs"/>
         </a:defRPr>
       </a:lvl3pPr>
-      <a:lvl4pPr marL="1780986" algn="l" defTabSz="1187323" rtl="0" eaLnBrk="1" latinLnBrk="0" hangingPunct="1">
-        <a:defRPr sz="2337" kern="1200">
+      <a:lvl4pPr marL="1781175" algn="l" defTabSz="1187450" rtl="0" eaLnBrk="1" latinLnBrk="0" hangingPunct="1">
+        <a:defRPr sz="2335" kern="1200">
           <a:solidFill>
             <a:schemeClr val="tx1"/>
           </a:solidFill>
@@ -6816,8 +6175,8 @@
           <a:cs typeface="+mn-cs"/>
         </a:defRPr>
       </a:lvl4pPr>
-      <a:lvl5pPr marL="2374648" algn="l" defTabSz="1187323" rtl="0" eaLnBrk="1" latinLnBrk="0" hangingPunct="1">
-        <a:defRPr sz="2337" kern="1200">
+      <a:lvl5pPr marL="2374900" algn="l" defTabSz="1187450" rtl="0" eaLnBrk="1" latinLnBrk="0" hangingPunct="1">
+        <a:defRPr sz="2335" kern="1200">
           <a:solidFill>
             <a:schemeClr val="tx1"/>
           </a:solidFill>
@@ -6826,8 +6185,8 @@
           <a:cs typeface="+mn-cs"/>
         </a:defRPr>
       </a:lvl5pPr>
-      <a:lvl6pPr marL="2968309" algn="l" defTabSz="1187323" rtl="0" eaLnBrk="1" latinLnBrk="0" hangingPunct="1">
-        <a:defRPr sz="2337" kern="1200">
+      <a:lvl6pPr marL="2968625" algn="l" defTabSz="1187450" rtl="0" eaLnBrk="1" latinLnBrk="0" hangingPunct="1">
+        <a:defRPr sz="2335" kern="1200">
           <a:solidFill>
             <a:schemeClr val="tx1"/>
           </a:solidFill>
@@ -6836,8 +6195,8 @@
           <a:cs typeface="+mn-cs"/>
         </a:defRPr>
       </a:lvl6pPr>
-      <a:lvl7pPr marL="3561971" algn="l" defTabSz="1187323" rtl="0" eaLnBrk="1" latinLnBrk="0" hangingPunct="1">
-        <a:defRPr sz="2337" kern="1200">
+      <a:lvl7pPr marL="3561715" algn="l" defTabSz="1187450" rtl="0" eaLnBrk="1" latinLnBrk="0" hangingPunct="1">
+        <a:defRPr sz="2335" kern="1200">
           <a:solidFill>
             <a:schemeClr val="tx1"/>
           </a:solidFill>
@@ -6846,8 +6205,8 @@
           <a:cs typeface="+mn-cs"/>
         </a:defRPr>
       </a:lvl7pPr>
-      <a:lvl8pPr marL="4155634" algn="l" defTabSz="1187323" rtl="0" eaLnBrk="1" latinLnBrk="0" hangingPunct="1">
-        <a:defRPr sz="2337" kern="1200">
+      <a:lvl8pPr marL="4155440" algn="l" defTabSz="1187450" rtl="0" eaLnBrk="1" latinLnBrk="0" hangingPunct="1">
+        <a:defRPr sz="2335" kern="1200">
           <a:solidFill>
             <a:schemeClr val="tx1"/>
           </a:solidFill>
@@ -6856,8 +6215,8 @@
           <a:cs typeface="+mn-cs"/>
         </a:defRPr>
       </a:lvl8pPr>
-      <a:lvl9pPr marL="4749295" algn="l" defTabSz="1187323" rtl="0" eaLnBrk="1" latinLnBrk="0" hangingPunct="1">
-        <a:defRPr sz="2337" kern="1200">
+      <a:lvl9pPr marL="4749165" algn="l" defTabSz="1187450" rtl="0" eaLnBrk="1" latinLnBrk="0" hangingPunct="1">
+        <a:defRPr sz="2335" kern="1200">
           <a:solidFill>
             <a:schemeClr val="tx1"/>
           </a:solidFill>
@@ -6868,32 +6227,6 @@
       </a:lvl9pPr>
     </p:otherStyle>
   </p:txStyles>
-  <p:extLst mod="1">
-    <p:ext uri="{27BBF7A9-308A-43DC-89C8-2F10F3537804}">
-      <p15:sldGuideLst xmlns:p15="http://schemas.microsoft.com/office/powerpoint/2012/main">
-        <p15:guide id="1" orient="horz" pos="2161">
-          <p15:clr>
-            <a:srgbClr val="F26B43"/>
-          </p15:clr>
-        </p15:guide>
-        <p15:guide id="2" pos="3842">
-          <p15:clr>
-            <a:srgbClr val="F26B43"/>
-          </p15:clr>
-        </p15:guide>
-        <p15:guide id="3" pos="461" userDrawn="1">
-          <p15:clr>
-            <a:srgbClr val="F26B43"/>
-          </p15:clr>
-        </p15:guide>
-        <p15:guide id="4" pos="7197" userDrawn="1">
-          <p15:clr>
-            <a:srgbClr val="F26B43"/>
-          </p15:clr>
-        </p15:guide>
-      </p15:sldGuideLst>
-    </p:ext>
-  </p:extLst>
 </p:sldMaster>
 </file>
 
@@ -6934,8 +6267,6 @@
           <a:ln w="9525">
             <a:noFill/>
             <a:miter lim="800000"/>
-            <a:headEnd/>
-            <a:tailEnd/>
           </a:ln>
           <a:effectLst>
             <a:outerShdw blurRad="190500" dist="228600" dir="2700000" algn="ctr">
@@ -7088,11 +6419,6 @@
         </p:txBody>
       </p:sp>
     </p:spTree>
-    <p:extLst>
-      <p:ext uri="{BB962C8B-B14F-4D97-AF65-F5344CB8AC3E}">
-        <p14:creationId xmlns:p14="http://schemas.microsoft.com/office/powerpoint/2010/main" val="2480350063"/>
-      </p:ext>
-    </p:extLst>
   </p:cSld>
   <p:clrMapOvr>
     <a:masterClrMapping/>
@@ -7196,6 +6522,13 @@
               </a:rPr>
               <a:t>处理器体系结构</a:t>
             </a:r>
+            <a:endParaRPr lang="zh-CN" altLang="en-US" dirty="0" smtClean="0">
+              <a:solidFill>
+                <a:schemeClr val="bg1">
+                  <a:lumMod val="65000"/>
+                </a:schemeClr>
+              </a:solidFill>
+            </a:endParaRPr>
           </a:p>
           <a:p>
             <a:pPr>
@@ -7219,6 +6552,7 @@
               <a:rPr lang="zh-CN" altLang="en-US" b="1" dirty="0" smtClean="0"/>
               <a:t>什么是鲲鹏</a:t>
             </a:r>
+            <a:endParaRPr lang="zh-CN" altLang="en-US" b="1" dirty="0" smtClean="0"/>
           </a:p>
           <a:p>
             <a:pPr lvl="1">
@@ -7256,6 +6590,13 @@
               </a:rPr>
               <a:t>系列芯片概览</a:t>
             </a:r>
+            <a:endParaRPr lang="zh-CN" altLang="en-US" dirty="0" smtClean="0">
+              <a:solidFill>
+                <a:schemeClr val="bg1">
+                  <a:lumMod val="65000"/>
+                </a:schemeClr>
+              </a:solidFill>
+            </a:endParaRPr>
           </a:p>
           <a:p>
             <a:pPr lvl="1">
@@ -7293,6 +6634,13 @@
               </a:rPr>
               <a:t>系列芯片规格</a:t>
             </a:r>
+            <a:endParaRPr lang="zh-CN" altLang="en-US" dirty="0" smtClean="0">
+              <a:solidFill>
+                <a:schemeClr val="bg1">
+                  <a:lumMod val="65000"/>
+                </a:schemeClr>
+              </a:solidFill>
+            </a:endParaRPr>
           </a:p>
           <a:p>
             <a:pPr lvl="1">
@@ -7330,6 +6678,13 @@
               </a:rPr>
               <a:t>系列芯片架构</a:t>
             </a:r>
+            <a:endParaRPr lang="zh-CN" altLang="en-US" dirty="0" smtClean="0">
+              <a:solidFill>
+                <a:schemeClr val="bg1">
+                  <a:lumMod val="65000"/>
+                </a:schemeClr>
+              </a:solidFill>
+            </a:endParaRPr>
           </a:p>
           <a:p>
             <a:pPr lvl="1">
@@ -7367,6 +6722,13 @@
               </a:rPr>
               <a:t>系列芯片加速器引擎功能</a:t>
             </a:r>
+            <a:endParaRPr lang="zh-CN" altLang="en-US" dirty="0" smtClean="0">
+              <a:solidFill>
+                <a:schemeClr val="bg1">
+                  <a:lumMod val="65000"/>
+                </a:schemeClr>
+              </a:solidFill>
+            </a:endParaRPr>
           </a:p>
           <a:p>
             <a:pPr>
@@ -7384,6 +6746,13 @@
               </a:rPr>
               <a:t>鲲鹏计算典型应用场景</a:t>
             </a:r>
+            <a:endParaRPr lang="zh-CN" altLang="en-US" dirty="0" smtClean="0">
+              <a:solidFill>
+                <a:schemeClr val="bg1">
+                  <a:lumMod val="65000"/>
+                </a:schemeClr>
+              </a:solidFill>
+            </a:endParaRPr>
           </a:p>
           <a:p>
             <a:pPr>
@@ -7412,11 +6781,6 @@
         </p:txBody>
       </p:sp>
     </p:spTree>
-    <p:extLst>
-      <p:ext uri="{BB962C8B-B14F-4D97-AF65-F5344CB8AC3E}">
-        <p14:creationId xmlns:p14="http://schemas.microsoft.com/office/powerpoint/2010/main" val="4001492632"/>
-      </p:ext>
-    </p:extLst>
   </p:cSld>
   <p:clrMapOvr>
     <a:masterClrMapping/>
@@ -7465,11 +6829,6 @@
           <a:ln w="25400">
             <a:miter lim="400000"/>
           </a:ln>
-          <a:extLst>
-            <a:ext uri="{C572A759-6A51-4108-AA02-DFA0A04FC94B}">
-              <ma14:wrappingTextBoxFlag xmlns:ma14="http://schemas.microsoft.com/office/mac/drawingml/2011/main" xmlns:a14="http://schemas.microsoft.com/office/drawing/2010/main" xmlns:m="http://schemas.openxmlformats.org/officeDocument/2006/math" xmlns="" val="1"/>
-            </a:ext>
-          </a:extLst>
         </p:spPr>
         <p:txBody>
           <a:bodyPr wrap="none" lIns="114255" tIns="114255" rIns="114255" bIns="114255">
@@ -7477,7 +6836,7 @@
           </a:bodyPr>
           <a:lstStyle/>
           <a:p>
-            <a:pPr algn="ctr" defTabSz="870617">
+            <a:pPr algn="ctr" defTabSz="870585">
               <a:defRPr sz="4200">
                 <a:solidFill>
                   <a:srgbClr val="FFFFFF"/>
@@ -7488,7 +6847,7 @@
                 <a:sym typeface="FZLanTingHeiS-R-GB"/>
               </a:defRPr>
             </a:pPr>
-            <a:endParaRPr sz="4198" dirty="0">
+            <a:endParaRPr sz="4200" dirty="0">
               <a:latin typeface="Huawei Sans" panose="020C0503030203020204" pitchFamily="34" charset="0"/>
               <a:ea typeface="方正兰亭黑简体" panose="02000000000000000000" pitchFamily="2" charset="-122"/>
             </a:endParaRPr>
@@ -7534,13 +6893,7 @@
               <p:nvPr/>
             </p:nvPicPr>
             <p:blipFill>
-              <a:blip r:embed="rId2" cstate="email">
-                <a:extLst>
-                  <a:ext uri="{28A0092B-C50C-407E-A947-70E740481C1C}">
-                    <a14:useLocalDpi xmlns:a14="http://schemas.microsoft.com/office/drawing/2010/main"/>
-                  </a:ext>
-                </a:extLst>
-              </a:blip>
+              <a:blip r:embed="rId1" cstate="email"/>
               <a:srcRect/>
               <a:stretch>
                 <a:fillRect/>
@@ -7557,6 +6910,8 @@
               <a:ln w="12700" cap="flat">
                 <a:noFill/>
                 <a:miter lim="400000"/>
+                <a:headEnd/>
+                <a:tailEnd/>
               </a:ln>
               <a:effectLst/>
             </p:spPr>
@@ -7570,13 +6925,7 @@
               <p:nvPr/>
             </p:nvPicPr>
             <p:blipFill>
-              <a:blip r:embed="rId2" cstate="email">
-                <a:extLst>
-                  <a:ext uri="{28A0092B-C50C-407E-A947-70E740481C1C}">
-                    <a14:useLocalDpi xmlns:a14="http://schemas.microsoft.com/office/drawing/2010/main"/>
-                  </a:ext>
-                </a:extLst>
-              </a:blip>
+              <a:blip r:embed="rId1" cstate="email"/>
               <a:srcRect/>
               <a:stretch>
                 <a:fillRect/>
@@ -7593,6 +6942,8 @@
               <a:ln w="12700" cap="flat">
                 <a:noFill/>
                 <a:miter lim="400000"/>
+                <a:headEnd/>
+                <a:tailEnd/>
               </a:ln>
               <a:effectLst/>
             </p:spPr>
@@ -7606,13 +6957,7 @@
               <p:nvPr/>
             </p:nvPicPr>
             <p:blipFill>
-              <a:blip r:embed="rId2" cstate="email">
-                <a:extLst>
-                  <a:ext uri="{28A0092B-C50C-407E-A947-70E740481C1C}">
-                    <a14:useLocalDpi xmlns:a14="http://schemas.microsoft.com/office/drawing/2010/main"/>
-                  </a:ext>
-                </a:extLst>
-              </a:blip>
+              <a:blip r:embed="rId1" cstate="email"/>
               <a:srcRect/>
               <a:stretch>
                 <a:fillRect/>
@@ -7629,6 +6974,8 @@
               <a:ln w="12700" cap="flat">
                 <a:noFill/>
                 <a:miter lim="400000"/>
+                <a:headEnd/>
+                <a:tailEnd/>
               </a:ln>
               <a:effectLst/>
             </p:spPr>
@@ -7657,13 +7004,7 @@
               <p:nvPr/>
             </p:nvPicPr>
             <p:blipFill>
-              <a:blip r:embed="rId3" cstate="email">
-                <a:extLst>
-                  <a:ext uri="{28A0092B-C50C-407E-A947-70E740481C1C}">
-                    <a14:useLocalDpi xmlns:a14="http://schemas.microsoft.com/office/drawing/2010/main"/>
-                  </a:ext>
-                </a:extLst>
-              </a:blip>
+              <a:blip r:embed="rId2" cstate="email"/>
               <a:srcRect/>
               <a:stretch>
                 <a:fillRect/>
@@ -7680,6 +7021,8 @@
               <a:ln w="12700" cap="flat">
                 <a:noFill/>
                 <a:miter lim="400000"/>
+                <a:headEnd/>
+                <a:tailEnd/>
               </a:ln>
               <a:effectLst/>
             </p:spPr>
@@ -7693,13 +7036,7 @@
               <p:nvPr/>
             </p:nvPicPr>
             <p:blipFill>
-              <a:blip r:embed="rId4" cstate="email">
-                <a:extLst>
-                  <a:ext uri="{28A0092B-C50C-407E-A947-70E740481C1C}">
-                    <a14:useLocalDpi xmlns:a14="http://schemas.microsoft.com/office/drawing/2010/main"/>
-                  </a:ext>
-                </a:extLst>
-              </a:blip>
+              <a:blip r:embed="rId3" cstate="email"/>
               <a:srcRect/>
               <a:stretch>
                 <a:fillRect/>
@@ -7716,6 +7053,8 @@
               <a:ln w="12700" cap="flat">
                 <a:noFill/>
                 <a:miter lim="400000"/>
+                <a:headEnd/>
+                <a:tailEnd/>
               </a:ln>
               <a:effectLst/>
             </p:spPr>
@@ -7744,13 +7083,7 @@
               <p:nvPr/>
             </p:nvPicPr>
             <p:blipFill>
-              <a:blip r:embed="rId3" cstate="email">
-                <a:extLst>
-                  <a:ext uri="{28A0092B-C50C-407E-A947-70E740481C1C}">
-                    <a14:useLocalDpi xmlns:a14="http://schemas.microsoft.com/office/drawing/2010/main"/>
-                  </a:ext>
-                </a:extLst>
-              </a:blip>
+              <a:blip r:embed="rId2" cstate="email"/>
               <a:srcRect/>
               <a:stretch>
                 <a:fillRect/>
@@ -7767,6 +7100,8 @@
               <a:ln w="12700" cap="flat">
                 <a:noFill/>
                 <a:miter lim="400000"/>
+                <a:headEnd/>
+                <a:tailEnd/>
               </a:ln>
               <a:effectLst/>
             </p:spPr>
@@ -7780,13 +7115,7 @@
               <p:nvPr/>
             </p:nvPicPr>
             <p:blipFill>
-              <a:blip r:embed="rId4" cstate="email">
-                <a:extLst>
-                  <a:ext uri="{28A0092B-C50C-407E-A947-70E740481C1C}">
-                    <a14:useLocalDpi xmlns:a14="http://schemas.microsoft.com/office/drawing/2010/main"/>
-                  </a:ext>
-                </a:extLst>
-              </a:blip>
+              <a:blip r:embed="rId3" cstate="email"/>
               <a:srcRect/>
               <a:stretch>
                 <a:fillRect/>
@@ -7803,6 +7132,8 @@
               <a:ln w="12700" cap="flat">
                 <a:noFill/>
                 <a:miter lim="400000"/>
+                <a:headEnd/>
+                <a:tailEnd/>
               </a:ln>
               <a:effectLst/>
             </p:spPr>
@@ -7870,11 +7201,6 @@
               <a:miter lim="400000"/>
             </a:ln>
             <a:effectLst/>
-            <a:extLst>
-              <a:ext uri="{C572A759-6A51-4108-AA02-DFA0A04FC94B}">
-                <ma14:wrappingTextBoxFlag xmlns:ma14="http://schemas.microsoft.com/office/mac/drawingml/2011/main" xmlns:a14="http://schemas.microsoft.com/office/drawing/2010/main" xmlns:m="http://schemas.openxmlformats.org/officeDocument/2006/math" xmlns="" val="1"/>
-              </a:ext>
-            </a:extLst>
           </p:spPr>
           <p:txBody>
             <a:bodyPr wrap="square" lIns="114255" tIns="114255" rIns="114255" bIns="114255" numCol="1" anchor="t">
@@ -7904,6 +7230,13 @@
                 </a:rPr>
                 <a:t>CPU Die</a:t>
               </a:r>
+              <a:endParaRPr sz="1200" dirty="0">
+                <a:solidFill>
+                  <a:schemeClr val="bg1"/>
+                </a:solidFill>
+                <a:latin typeface="Huawei Sans" panose="020C0503030203020204" pitchFamily="34" charset="0"/>
+                <a:ea typeface="方正兰亭黑简体" panose="02000000000000000000" pitchFamily="2" charset="-122"/>
+              </a:endParaRPr>
             </a:p>
           </p:txBody>
         </p:sp>
@@ -7969,11 +7302,6 @@
               <a:miter lim="400000"/>
             </a:ln>
             <a:effectLst/>
-            <a:extLst>
-              <a:ext uri="{C572A759-6A51-4108-AA02-DFA0A04FC94B}">
-                <ma14:wrappingTextBoxFlag xmlns:ma14="http://schemas.microsoft.com/office/mac/drawingml/2011/main" xmlns:a14="http://schemas.microsoft.com/office/drawing/2010/main" xmlns:m="http://schemas.openxmlformats.org/officeDocument/2006/math" xmlns="" val="1"/>
-              </a:ext>
-            </a:extLst>
           </p:spPr>
           <p:txBody>
             <a:bodyPr wrap="square" lIns="114255" tIns="114255" rIns="114255" bIns="114255" numCol="1" anchor="t">
@@ -8003,6 +7331,13 @@
                 </a:rPr>
                 <a:t>CPU Die</a:t>
               </a:r>
+              <a:endParaRPr sz="1200" dirty="0">
+                <a:solidFill>
+                  <a:schemeClr val="bg1"/>
+                </a:solidFill>
+                <a:latin typeface="Huawei Sans" panose="020C0503030203020204" pitchFamily="34" charset="0"/>
+                <a:ea typeface="方正兰亭黑简体" panose="02000000000000000000" pitchFamily="2" charset="-122"/>
+              </a:endParaRPr>
             </a:p>
           </p:txBody>
         </p:sp>
@@ -8068,11 +7403,6 @@
               <a:miter lim="400000"/>
             </a:ln>
             <a:effectLst/>
-            <a:extLst>
-              <a:ext uri="{C572A759-6A51-4108-AA02-DFA0A04FC94B}">
-                <ma14:wrappingTextBoxFlag xmlns:ma14="http://schemas.microsoft.com/office/mac/drawingml/2011/main" xmlns:a14="http://schemas.microsoft.com/office/drawing/2010/main" xmlns:m="http://schemas.openxmlformats.org/officeDocument/2006/math" xmlns="" val="1"/>
-              </a:ext>
-            </a:extLst>
           </p:spPr>
           <p:txBody>
             <a:bodyPr wrap="square" lIns="114255" tIns="114255" rIns="114255" bIns="114255" numCol="1" anchor="t">
@@ -8122,6 +7452,13 @@
                 </a:rPr>
                 <a:t>Die</a:t>
               </a:r>
+              <a:endParaRPr sz="1200" dirty="0">
+                <a:solidFill>
+                  <a:schemeClr val="bg1"/>
+                </a:solidFill>
+                <a:latin typeface="Huawei Sans" panose="020C0503030203020204" pitchFamily="34" charset="0"/>
+                <a:ea typeface="方正兰亭黑简体" panose="02000000000000000000" pitchFamily="2" charset="-122"/>
+              </a:endParaRPr>
             </a:p>
           </p:txBody>
         </p:sp>
@@ -8134,13 +7471,7 @@
             <p:nvPr/>
           </p:nvPicPr>
           <p:blipFill>
-            <a:blip r:embed="rId5" cstate="email">
-              <a:extLst>
-                <a:ext uri="{28A0092B-C50C-407E-A947-70E740481C1C}">
-                  <a14:useLocalDpi xmlns:a14="http://schemas.microsoft.com/office/drawing/2010/main"/>
-                </a:ext>
-              </a:extLst>
-            </a:blip>
+            <a:blip r:embed="rId4" cstate="email"/>
             <a:srcRect/>
             <a:stretch>
               <a:fillRect/>
@@ -8157,6 +7488,8 @@
             <a:ln w="12700" cap="flat">
               <a:noFill/>
               <a:miter lim="400000"/>
+              <a:headEnd/>
+              <a:tailEnd/>
             </a:ln>
             <a:effectLst/>
           </p:spPr>
@@ -8170,13 +7503,7 @@
             <p:nvPr/>
           </p:nvPicPr>
           <p:blipFill>
-            <a:blip r:embed="rId5" cstate="email">
-              <a:extLst>
-                <a:ext uri="{28A0092B-C50C-407E-A947-70E740481C1C}">
-                  <a14:useLocalDpi xmlns:a14="http://schemas.microsoft.com/office/drawing/2010/main"/>
-                </a:ext>
-              </a:extLst>
-            </a:blip>
+            <a:blip r:embed="rId4" cstate="email"/>
             <a:srcRect/>
             <a:stretch>
               <a:fillRect/>
@@ -8193,6 +7520,8 @@
             <a:ln w="12700" cap="flat">
               <a:noFill/>
               <a:miter lim="400000"/>
+              <a:headEnd/>
+              <a:tailEnd/>
             </a:ln>
             <a:effectLst/>
           </p:spPr>
@@ -8206,13 +7535,7 @@
             <p:nvPr/>
           </p:nvPicPr>
           <p:blipFill>
-            <a:blip r:embed="rId5" cstate="email">
-              <a:extLst>
-                <a:ext uri="{28A0092B-C50C-407E-A947-70E740481C1C}">
-                  <a14:useLocalDpi xmlns:a14="http://schemas.microsoft.com/office/drawing/2010/main"/>
-                </a:ext>
-              </a:extLst>
-            </a:blip>
+            <a:blip r:embed="rId4" cstate="email"/>
             <a:srcRect/>
             <a:stretch>
               <a:fillRect/>
@@ -8229,6 +7552,8 @@
             <a:ln w="12700" cap="flat">
               <a:noFill/>
               <a:miter lim="400000"/>
+              <a:headEnd/>
+              <a:tailEnd/>
             </a:ln>
             <a:effectLst/>
           </p:spPr>
@@ -8242,13 +7567,7 @@
             <p:nvPr/>
           </p:nvPicPr>
           <p:blipFill>
-            <a:blip r:embed="rId6" cstate="email">
-              <a:extLst>
-                <a:ext uri="{28A0092B-C50C-407E-A947-70E740481C1C}">
-                  <a14:useLocalDpi xmlns:a14="http://schemas.microsoft.com/office/drawing/2010/main"/>
-                </a:ext>
-              </a:extLst>
-            </a:blip>
+            <a:blip r:embed="rId5" cstate="email"/>
             <a:srcRect/>
             <a:stretch>
               <a:fillRect/>
@@ -8265,6 +7584,8 @@
             <a:ln w="12700" cap="flat">
               <a:noFill/>
               <a:miter lim="400000"/>
+              <a:headEnd/>
+              <a:tailEnd/>
             </a:ln>
             <a:effectLst/>
           </p:spPr>
@@ -8278,13 +7599,7 @@
             <p:nvPr/>
           </p:nvPicPr>
           <p:blipFill>
-            <a:blip r:embed="rId6" cstate="email">
-              <a:extLst>
-                <a:ext uri="{28A0092B-C50C-407E-A947-70E740481C1C}">
-                  <a14:useLocalDpi xmlns:a14="http://schemas.microsoft.com/office/drawing/2010/main"/>
-                </a:ext>
-              </a:extLst>
-            </a:blip>
+            <a:blip r:embed="rId5" cstate="email"/>
             <a:srcRect/>
             <a:stretch>
               <a:fillRect/>
@@ -8301,6 +7616,8 @@
             <a:ln w="12700" cap="flat">
               <a:noFill/>
               <a:miter lim="400000"/>
+              <a:headEnd/>
+              <a:tailEnd/>
             </a:ln>
             <a:effectLst/>
           </p:spPr>
@@ -8314,13 +7631,7 @@
             <p:nvPr/>
           </p:nvPicPr>
           <p:blipFill>
-            <a:blip r:embed="rId6" cstate="email">
-              <a:extLst>
-                <a:ext uri="{28A0092B-C50C-407E-A947-70E740481C1C}">
-                  <a14:useLocalDpi xmlns:a14="http://schemas.microsoft.com/office/drawing/2010/main"/>
-                </a:ext>
-              </a:extLst>
-            </a:blip>
+            <a:blip r:embed="rId5" cstate="email"/>
             <a:srcRect/>
             <a:stretch>
               <a:fillRect/>
@@ -8337,6 +7648,8 @@
             <a:ln w="12700" cap="flat">
               <a:noFill/>
               <a:miter lim="400000"/>
+              <a:headEnd/>
+              <a:tailEnd/>
             </a:ln>
             <a:effectLst/>
           </p:spPr>
@@ -8350,13 +7663,7 @@
             <p:nvPr/>
           </p:nvPicPr>
           <p:blipFill>
-            <a:blip r:embed="rId6" cstate="email">
-              <a:extLst>
-                <a:ext uri="{28A0092B-C50C-407E-A947-70E740481C1C}">
-                  <a14:useLocalDpi xmlns:a14="http://schemas.microsoft.com/office/drawing/2010/main"/>
-                </a:ext>
-              </a:extLst>
-            </a:blip>
+            <a:blip r:embed="rId5" cstate="email"/>
             <a:srcRect/>
             <a:stretch>
               <a:fillRect/>
@@ -8373,6 +7680,8 @@
             <a:ln w="12700" cap="flat">
               <a:noFill/>
               <a:miter lim="400000"/>
+              <a:headEnd/>
+              <a:tailEnd/>
             </a:ln>
             <a:effectLst/>
           </p:spPr>
@@ -8386,13 +7695,7 @@
             <p:nvPr/>
           </p:nvPicPr>
           <p:blipFill>
-            <a:blip r:embed="rId6" cstate="email">
-              <a:extLst>
-                <a:ext uri="{28A0092B-C50C-407E-A947-70E740481C1C}">
-                  <a14:useLocalDpi xmlns:a14="http://schemas.microsoft.com/office/drawing/2010/main"/>
-                </a:ext>
-              </a:extLst>
-            </a:blip>
+            <a:blip r:embed="rId5" cstate="email"/>
             <a:srcRect/>
             <a:stretch>
               <a:fillRect/>
@@ -8409,6 +7712,8 @@
             <a:ln w="12700" cap="flat">
               <a:noFill/>
               <a:miter lim="400000"/>
+              <a:headEnd/>
+              <a:tailEnd/>
             </a:ln>
             <a:effectLst/>
           </p:spPr>
@@ -8422,13 +7727,7 @@
             <p:nvPr/>
           </p:nvPicPr>
           <p:blipFill>
-            <a:blip r:embed="rId6" cstate="email">
-              <a:extLst>
-                <a:ext uri="{28A0092B-C50C-407E-A947-70E740481C1C}">
-                  <a14:useLocalDpi xmlns:a14="http://schemas.microsoft.com/office/drawing/2010/main"/>
-                </a:ext>
-              </a:extLst>
-            </a:blip>
+            <a:blip r:embed="rId5" cstate="email"/>
             <a:srcRect/>
             <a:stretch>
               <a:fillRect/>
@@ -8445,6 +7744,8 @@
             <a:ln w="12700" cap="flat">
               <a:noFill/>
               <a:miter lim="400000"/>
+              <a:headEnd/>
+              <a:tailEnd/>
             </a:ln>
             <a:effectLst/>
           </p:spPr>
@@ -8458,13 +7759,7 @@
             <p:nvPr/>
           </p:nvPicPr>
           <p:blipFill>
-            <a:blip r:embed="rId6" cstate="email">
-              <a:extLst>
-                <a:ext uri="{28A0092B-C50C-407E-A947-70E740481C1C}">
-                  <a14:useLocalDpi xmlns:a14="http://schemas.microsoft.com/office/drawing/2010/main"/>
-                </a:ext>
-              </a:extLst>
-            </a:blip>
+            <a:blip r:embed="rId5" cstate="email"/>
             <a:srcRect/>
             <a:stretch>
               <a:fillRect/>
@@ -8481,6 +7776,8 @@
             <a:ln w="12700" cap="flat">
               <a:noFill/>
               <a:miter lim="400000"/>
+              <a:headEnd/>
+              <a:tailEnd/>
             </a:ln>
             <a:effectLst/>
           </p:spPr>
@@ -8494,13 +7791,7 @@
             <p:nvPr/>
           </p:nvPicPr>
           <p:blipFill>
-            <a:blip r:embed="rId6" cstate="email">
-              <a:extLst>
-                <a:ext uri="{28A0092B-C50C-407E-A947-70E740481C1C}">
-                  <a14:useLocalDpi xmlns:a14="http://schemas.microsoft.com/office/drawing/2010/main"/>
-                </a:ext>
-              </a:extLst>
-            </a:blip>
+            <a:blip r:embed="rId5" cstate="email"/>
             <a:srcRect/>
             <a:stretch>
               <a:fillRect/>
@@ -8517,6 +7808,8 @@
             <a:ln w="12700" cap="flat">
               <a:noFill/>
               <a:miter lim="400000"/>
+              <a:headEnd/>
+              <a:tailEnd/>
             </a:ln>
             <a:effectLst/>
           </p:spPr>
@@ -8579,13 +7872,7 @@
           <p:nvPr/>
         </p:nvPicPr>
         <p:blipFill>
-          <a:blip r:embed="rId7" cstate="email">
-            <a:extLst>
-              <a:ext uri="{28A0092B-C50C-407E-A947-70E740481C1C}">
-                <a14:useLocalDpi xmlns:a14="http://schemas.microsoft.com/office/drawing/2010/main"/>
-              </a:ext>
-            </a:extLst>
-          </a:blip>
+          <a:blip r:embed="rId6" cstate="email"/>
           <a:stretch>
             <a:fillRect/>
           </a:stretch>
@@ -8600,6 +7887,8 @@
           </a:prstGeom>
           <a:ln w="12700">
             <a:miter lim="400000"/>
+            <a:headEnd/>
+            <a:tailEnd/>
           </a:ln>
         </p:spPr>
       </p:pic>
@@ -8620,18 +7909,13 @@
           <a:ln w="25400">
             <a:miter lim="400000"/>
           </a:ln>
-          <a:extLst>
-            <a:ext uri="{C572A759-6A51-4108-AA02-DFA0A04FC94B}">
-              <ma14:wrappingTextBoxFlag xmlns:ma14="http://schemas.microsoft.com/office/mac/drawingml/2011/main" xmlns:a14="http://schemas.microsoft.com/office/drawing/2010/main" xmlns:m="http://schemas.openxmlformats.org/officeDocument/2006/math" xmlns="" val="1"/>
-            </a:ext>
-          </a:extLst>
         </p:spPr>
         <p:txBody>
           <a:bodyPr wrap="none" lIns="114255" tIns="114255" rIns="114255" bIns="114255">
             <a:spAutoFit/>
           </a:bodyPr>
           <a:lstStyle>
-            <a:lvl1pPr algn="ctr" defTabSz="870965">
+            <a:lvl1pPr algn="ctr" defTabSz="871220">
               <a:lnSpc>
                 <a:spcPct val="110000"/>
               </a:lnSpc>
@@ -8676,7 +7960,7 @@
           <p:nvPr/>
         </p:nvPicPr>
         <p:blipFill>
-          <a:blip r:embed="rId8" cstate="print">
+          <a:blip r:embed="rId7" cstate="print">
             <a:extLst>
               <a:ext uri="{28A0092B-C50C-407E-A947-70E740481C1C}">
                 <a14:useLocalDpi xmlns:a14="http://schemas.microsoft.com/office/drawing/2010/main" val="0"/>
@@ -8714,18 +7998,13 @@
           <a:ln w="25400">
             <a:miter lim="400000"/>
           </a:ln>
-          <a:extLst>
-            <a:ext uri="{C572A759-6A51-4108-AA02-DFA0A04FC94B}">
-              <ma14:wrappingTextBoxFlag xmlns:ma14="http://schemas.microsoft.com/office/mac/drawingml/2011/main" xmlns:a14="http://schemas.microsoft.com/office/drawing/2010/main" xmlns:m="http://schemas.openxmlformats.org/officeDocument/2006/math" xmlns="" val="1"/>
-            </a:ext>
-          </a:extLst>
         </p:spPr>
         <p:txBody>
           <a:bodyPr wrap="none" lIns="114255" tIns="114255" rIns="114255" bIns="114255">
             <a:spAutoFit/>
           </a:bodyPr>
           <a:lstStyle>
-            <a:lvl1pPr algn="ctr" defTabSz="870965">
+            <a:lvl1pPr algn="ctr" defTabSz="871220">
               <a:lnSpc>
                 <a:spcPct val="110000"/>
               </a:lnSpc>
@@ -8778,18 +8057,13 @@
           <a:ln w="25400">
             <a:miter lim="400000"/>
           </a:ln>
-          <a:extLst>
-            <a:ext uri="{C572A759-6A51-4108-AA02-DFA0A04FC94B}">
-              <ma14:wrappingTextBoxFlag xmlns:ma14="http://schemas.microsoft.com/office/mac/drawingml/2011/main" xmlns:a14="http://schemas.microsoft.com/office/drawing/2010/main" xmlns:m="http://schemas.openxmlformats.org/officeDocument/2006/math" xmlns="" val="1"/>
-            </a:ext>
-          </a:extLst>
         </p:spPr>
         <p:txBody>
           <a:bodyPr wrap="none" lIns="114255" tIns="114255" rIns="114255" bIns="114255">
             <a:spAutoFit/>
           </a:bodyPr>
           <a:lstStyle>
-            <a:lvl1pPr algn="ctr" defTabSz="870965">
+            <a:lvl1pPr algn="ctr" defTabSz="871220">
               <a:lnSpc>
                 <a:spcPct val="110000"/>
               </a:lnSpc>
@@ -8861,18 +8135,13 @@
           <a:ln w="25400">
             <a:miter lim="400000"/>
           </a:ln>
-          <a:extLst>
-            <a:ext uri="{C572A759-6A51-4108-AA02-DFA0A04FC94B}">
-              <ma14:wrappingTextBoxFlag xmlns:ma14="http://schemas.microsoft.com/office/mac/drawingml/2011/main" xmlns:a14="http://schemas.microsoft.com/office/drawing/2010/main" xmlns:m="http://schemas.openxmlformats.org/officeDocument/2006/math" xmlns="" val="1"/>
-            </a:ext>
-          </a:extLst>
         </p:spPr>
         <p:txBody>
           <a:bodyPr wrap="none" lIns="114255" tIns="114255" rIns="114255" bIns="114255">
             <a:spAutoFit/>
           </a:bodyPr>
           <a:lstStyle>
-            <a:lvl1pPr algn="ctr" defTabSz="870965">
+            <a:lvl1pPr algn="ctr" defTabSz="871220">
               <a:lnSpc>
                 <a:spcPct val="110000"/>
               </a:lnSpc>
@@ -8889,7 +8158,7 @@
           </a:lstStyle>
           <a:p>
             <a:r>
-              <a:rPr lang="zh-CN" altLang="en-US" sz="1399" b="1" dirty="0">
+              <a:rPr lang="zh-CN" altLang="en-US" sz="1400" b="1" dirty="0">
                 <a:solidFill>
                   <a:schemeClr val="tx1"/>
                 </a:solidFill>
@@ -8899,7 +8168,7 @@
               </a:rPr>
               <a:t>使能合作伙伴</a:t>
             </a:r>
-            <a:endParaRPr sz="1399" b="1" dirty="0">
+            <a:endParaRPr sz="1400" b="1" dirty="0">
               <a:solidFill>
                 <a:schemeClr val="tx1"/>
               </a:solidFill>
@@ -8931,8 +8200,6 @@
             </a:solidFill>
             <a:prstDash val="solid"/>
             <a:miter lim="800000"/>
-            <a:headEnd/>
-            <a:tailEnd/>
           </a:ln>
           <a:effectLst>
             <a:outerShdw dist="35921" dir="2700000" algn="ctr" rotWithShape="0">
@@ -8944,8 +8211,8 @@
           <a:bodyPr wrap="none" lIns="118918" tIns="59462" rIns="118918" bIns="59462" anchor="ctr"/>
           <a:lstStyle/>
           <a:p>
-            <a:pPr defTabSz="1189096"/>
-            <a:endParaRPr lang="zh-CN" altLang="en-US" sz="1599" kern="0">
+            <a:pPr defTabSz="1189355"/>
+            <a:endParaRPr lang="zh-CN" altLang="en-US" sz="1600" kern="0">
               <a:solidFill>
                 <a:sysClr val="windowText" lastClr="000000"/>
               </a:solidFill>
@@ -8976,8 +8243,6 @@
             </a:solidFill>
             <a:prstDash val="solid"/>
             <a:miter lim="800000"/>
-            <a:headEnd/>
-            <a:tailEnd/>
           </a:ln>
           <a:effectLst>
             <a:outerShdw dist="35921" dir="2700000" algn="ctr" rotWithShape="0">
@@ -8989,8 +8254,8 @@
           <a:bodyPr wrap="none" lIns="118918" tIns="59462" rIns="118918" bIns="59462" anchor="ctr"/>
           <a:lstStyle/>
           <a:p>
-            <a:pPr defTabSz="1189096"/>
-            <a:endParaRPr lang="zh-CN" altLang="en-US" sz="1599" kern="0">
+            <a:pPr defTabSz="1189355"/>
+            <a:endParaRPr lang="zh-CN" altLang="en-US" sz="1600" kern="0">
               <a:solidFill>
                 <a:sysClr val="windowText" lastClr="000000"/>
               </a:solidFill>
@@ -9026,16 +8291,20 @@
           <a:p>
             <a:pPr>
               <a:lnSpc>
-                <a:spcPts val="3439"/>
+                <a:spcPts val="3440"/>
               </a:lnSpc>
             </a:pPr>
             <a:r>
-              <a:rPr lang="zh-CN" altLang="en-US" sz="2399" b="1" dirty="0">
+              <a:rPr lang="zh-CN" altLang="en-US" sz="2400" b="1" dirty="0">
                 <a:latin typeface="Huawei Sans" panose="020C0503030203020204" pitchFamily="34" charset="0"/>
                 <a:ea typeface="方正兰亭黑简体" panose="02000000000000000000" pitchFamily="2" charset="-122"/>
               </a:rPr>
               <a:t>  鲲鹏是计算平台</a:t>
             </a:r>
+            <a:endParaRPr lang="zh-CN" altLang="en-US" sz="2400" b="1" dirty="0">
+              <a:latin typeface="Huawei Sans" panose="020C0503030203020204" pitchFamily="34" charset="0"/>
+              <a:ea typeface="方正兰亭黑简体" panose="02000000000000000000" pitchFamily="2" charset="-122"/>
+            </a:endParaRPr>
           </a:p>
         </p:txBody>
       </p:sp>
@@ -9060,8 +8329,6 @@
             </a:solidFill>
             <a:prstDash val="solid"/>
             <a:miter lim="800000"/>
-            <a:headEnd/>
-            <a:tailEnd/>
           </a:ln>
           <a:effectLst>
             <a:outerShdw dist="35921" dir="2700000" algn="ctr" rotWithShape="0">
@@ -9073,8 +8340,8 @@
           <a:bodyPr wrap="none" lIns="118918" tIns="59462" rIns="118918" bIns="59462" anchor="ctr"/>
           <a:lstStyle/>
           <a:p>
-            <a:pPr defTabSz="1189096"/>
-            <a:endParaRPr lang="zh-CN" altLang="en-US" sz="1599" kern="0">
+            <a:pPr defTabSz="1189355"/>
+            <a:endParaRPr lang="zh-CN" altLang="en-US" sz="1600" kern="0">
               <a:solidFill>
                 <a:sysClr val="windowText" lastClr="000000"/>
               </a:solidFill>
@@ -9110,16 +8377,20 @@
           <a:p>
             <a:pPr>
               <a:lnSpc>
-                <a:spcPts val="3439"/>
+                <a:spcPts val="3440"/>
               </a:lnSpc>
             </a:pPr>
             <a:r>
-              <a:rPr lang="zh-CN" altLang="en-US" sz="2399" b="1" dirty="0">
+              <a:rPr lang="zh-CN" altLang="en-US" sz="2400" b="1" dirty="0">
                 <a:latin typeface="Huawei Sans" panose="020C0503030203020204" pitchFamily="34" charset="0"/>
                 <a:ea typeface="方正兰亭黑简体" panose="02000000000000000000" pitchFamily="2" charset="-122"/>
               </a:rPr>
               <a:t>   鲲鹏是生态应用</a:t>
             </a:r>
+            <a:endParaRPr lang="zh-CN" altLang="en-US" sz="2400" b="1" dirty="0">
+              <a:latin typeface="Huawei Sans" panose="020C0503030203020204" pitchFamily="34" charset="0"/>
+              <a:ea typeface="方正兰亭黑简体" panose="02000000000000000000" pitchFamily="2" charset="-122"/>
+            </a:endParaRPr>
           </a:p>
         </p:txBody>
       </p:sp>
@@ -9151,7 +8422,7 @@
               <a:defRPr/>
             </a:pPr>
             <a:r>
-              <a:rPr lang="zh-CN" altLang="en-US" sz="1399" b="1" dirty="0">
+              <a:rPr lang="zh-CN" altLang="en-US" sz="1400" b="1" dirty="0">
                 <a:latin typeface="Huawei Sans" panose="020C0503030203020204" pitchFamily="34" charset="0"/>
                 <a:ea typeface="方正兰亭黑简体" panose="02000000000000000000" pitchFamily="2" charset="-122"/>
                 <a:cs typeface="Arial" panose="020B0604020202020204" pitchFamily="34" charset="0"/>
@@ -9240,7 +8511,7 @@
               <a:defRPr/>
             </a:pPr>
             <a:r>
-              <a:rPr lang="zh-CN" altLang="en-US" sz="1399" b="1" dirty="0">
+              <a:rPr lang="zh-CN" altLang="en-US" sz="1400" b="1" dirty="0">
                 <a:latin typeface="Huawei Sans" panose="020C0503030203020204" pitchFamily="34" charset="0"/>
                 <a:ea typeface="方正兰亭黑简体" panose="02000000000000000000" pitchFamily="2" charset="-122"/>
                 <a:cs typeface="Arial" panose="020B0604020202020204" pitchFamily="34" charset="0"/>
@@ -9295,7 +8566,7 @@
               <a:defRPr/>
             </a:pPr>
             <a:r>
-              <a:rPr lang="zh-CN" altLang="en-US" sz="1399" b="1" dirty="0">
+              <a:rPr lang="zh-CN" altLang="en-US" sz="1400" b="1" dirty="0">
                 <a:latin typeface="Huawei Sans" panose="020C0503030203020204" pitchFamily="34" charset="0"/>
                 <a:ea typeface="方正兰亭黑简体" panose="02000000000000000000" pitchFamily="2" charset="-122"/>
                 <a:cs typeface="Arial" panose="020B0604020202020204" pitchFamily="34" charset="0"/>
@@ -9303,7 +8574,7 @@
               <a:t>率先支持下一代网络和</a:t>
             </a:r>
             <a:r>
-              <a:rPr lang="zh-CN" altLang="en-US" sz="1399" b="1" dirty="0" smtClean="0">
+              <a:rPr lang="zh-CN" altLang="en-US" sz="1400" b="1" dirty="0" smtClean="0">
                 <a:latin typeface="Huawei Sans" panose="020C0503030203020204" pitchFamily="34" charset="0"/>
                 <a:ea typeface="方正兰亭黑简体" panose="02000000000000000000" pitchFamily="2" charset="-122"/>
                 <a:cs typeface="Arial" panose="020B0604020202020204" pitchFamily="34" charset="0"/>
@@ -9311,7 +8582,7 @@
               <a:t>接口</a:t>
             </a:r>
             <a:r>
-              <a:rPr lang="zh-CN" altLang="en-US" sz="1399" b="1" dirty="0">
+              <a:rPr lang="zh-CN" altLang="en-US" sz="1400" b="1" dirty="0">
                 <a:latin typeface="Huawei Sans" panose="020C0503030203020204" pitchFamily="34" charset="0"/>
                 <a:ea typeface="方正兰亭黑简体" panose="02000000000000000000" pitchFamily="2" charset="-122"/>
                 <a:cs typeface="Arial" panose="020B0604020202020204" pitchFamily="34" charset="0"/>
@@ -9353,6 +8624,10 @@
               </a:rPr>
               <a:t>端口</a:t>
             </a:r>
+            <a:endParaRPr lang="zh-CN" altLang="en-US" sz="1200" kern="0" dirty="0">
+              <a:latin typeface="Huawei Sans" panose="020C0503030203020204" pitchFamily="34" charset="0"/>
+              <a:ea typeface="方正兰亭黑简体" panose="02000000000000000000" pitchFamily="2" charset="-122"/>
+            </a:endParaRPr>
           </a:p>
         </p:txBody>
       </p:sp>
@@ -9378,7 +8653,7 @@
           <a:lstStyle/>
           <a:p>
             <a:r>
-              <a:rPr lang="zh-CN" altLang="en-US" sz="1399" b="1" dirty="0">
+              <a:rPr lang="zh-CN" altLang="en-US" sz="1400" b="1" dirty="0">
                 <a:latin typeface="Huawei Sans" panose="020C0503030203020204" pitchFamily="34" charset="0"/>
                 <a:ea typeface="方正兰亭黑简体" panose="02000000000000000000" pitchFamily="2" charset="-122"/>
                 <a:cs typeface="Arial" panose="020B0604020202020204" pitchFamily="34" charset="0"/>
@@ -9386,7 +8661,7 @@
               <a:t>处理器</a:t>
             </a:r>
             <a:r>
-              <a:rPr lang="en-US" altLang="zh-CN" sz="1399" b="1" dirty="0">
+              <a:rPr lang="en-US" altLang="zh-CN" sz="1400" b="1" dirty="0">
                 <a:latin typeface="Huawei Sans" panose="020C0503030203020204" pitchFamily="34" charset="0"/>
                 <a:ea typeface="方正兰亭黑简体" panose="02000000000000000000" pitchFamily="2" charset="-122"/>
                 <a:cs typeface="Arial" panose="020B0604020202020204" pitchFamily="34" charset="0"/>
@@ -9394,7 +8669,7 @@
               <a:t>-&gt;</a:t>
             </a:r>
             <a:r>
-              <a:rPr lang="zh-CN" altLang="en-US" sz="1399" b="1" dirty="0">
+              <a:rPr lang="zh-CN" altLang="en-US" sz="1400" b="1" dirty="0">
                 <a:latin typeface="Huawei Sans" panose="020C0503030203020204" pitchFamily="34" charset="0"/>
                 <a:ea typeface="方正兰亭黑简体" panose="02000000000000000000" pitchFamily="2" charset="-122"/>
                 <a:cs typeface="Arial" panose="020B0604020202020204" pitchFamily="34" charset="0"/>
@@ -9402,7 +8677,7 @@
               <a:t>单机</a:t>
             </a:r>
             <a:r>
-              <a:rPr lang="en-US" altLang="zh-CN" sz="1399" b="1" dirty="0">
+              <a:rPr lang="en-US" altLang="zh-CN" sz="1400" b="1" dirty="0">
                 <a:latin typeface="Huawei Sans" panose="020C0503030203020204" pitchFamily="34" charset="0"/>
                 <a:ea typeface="方正兰亭黑简体" panose="02000000000000000000" pitchFamily="2" charset="-122"/>
                 <a:cs typeface="Arial" panose="020B0604020202020204" pitchFamily="34" charset="0"/>
@@ -9410,14 +8685,14 @@
               <a:t>-&gt;</a:t>
             </a:r>
             <a:r>
-              <a:rPr lang="zh-CN" altLang="en-US" sz="1399" b="1" dirty="0">
+              <a:rPr lang="zh-CN" altLang="en-US" sz="1400" b="1" dirty="0">
                 <a:latin typeface="Huawei Sans" panose="020C0503030203020204" pitchFamily="34" charset="0"/>
                 <a:ea typeface="方正兰亭黑简体" panose="02000000000000000000" pitchFamily="2" charset="-122"/>
                 <a:cs typeface="Arial" panose="020B0604020202020204" pitchFamily="34" charset="0"/>
               </a:rPr>
               <a:t>集群，鲲鹏开放硬件平台</a:t>
             </a:r>
-            <a:endParaRPr lang="zh-CN" altLang="en-US" sz="1399" dirty="0">
+            <a:endParaRPr lang="zh-CN" altLang="en-US" sz="1400" dirty="0">
               <a:latin typeface="Huawei Sans" panose="020C0503030203020204" pitchFamily="34" charset="0"/>
               <a:ea typeface="方正兰亭黑简体" panose="02000000000000000000" pitchFamily="2" charset="-122"/>
             </a:endParaRPr>
@@ -9446,14 +8721,14 @@
           <a:lstStyle/>
           <a:p>
             <a:r>
-              <a:rPr lang="zh-CN" altLang="en-US" sz="1399" b="1" dirty="0">
+              <a:rPr lang="zh-CN" altLang="en-US" sz="1400" b="1" dirty="0">
                 <a:latin typeface="Huawei Sans" panose="020C0503030203020204" pitchFamily="34" charset="0"/>
                 <a:ea typeface="方正兰亭黑简体" panose="02000000000000000000" pitchFamily="2" charset="-122"/>
                 <a:cs typeface="Arial" panose="020B0604020202020204" pitchFamily="34" charset="0"/>
               </a:rPr>
               <a:t>完备的软件工具链，发挥鲲鹏最佳性能</a:t>
             </a:r>
-            <a:endParaRPr lang="en-US" altLang="zh-CN" sz="1399" b="1" dirty="0">
+            <a:endParaRPr lang="en-US" altLang="zh-CN" sz="1400" b="1" dirty="0">
               <a:latin typeface="Huawei Sans" panose="020C0503030203020204" pitchFamily="34" charset="0"/>
               <a:ea typeface="方正兰亭黑简体" panose="02000000000000000000" pitchFamily="2" charset="-122"/>
               <a:cs typeface="Arial" panose="020B0604020202020204" pitchFamily="34" charset="0"/>
@@ -9470,7 +8745,7 @@
           <p:nvPr/>
         </p:nvPicPr>
         <p:blipFill>
-          <a:blip r:embed="rId9"/>
+          <a:blip r:embed="rId8"/>
           <a:stretch>
             <a:fillRect/>
           </a:stretch>
@@ -9494,7 +8769,7 @@
           <p:nvPr/>
         </p:nvPicPr>
         <p:blipFill>
-          <a:blip r:embed="rId10"/>
+          <a:blip r:embed="rId9"/>
           <a:stretch>
             <a:fillRect/>
           </a:stretch>
@@ -9526,18 +8801,13 @@
           <a:ln w="25400">
             <a:miter lim="400000"/>
           </a:ln>
-          <a:extLst>
-            <a:ext uri="{C572A759-6A51-4108-AA02-DFA0A04FC94B}">
-              <ma14:wrappingTextBoxFlag xmlns:ma14="http://schemas.microsoft.com/office/mac/drawingml/2011/main" xmlns:a14="http://schemas.microsoft.com/office/drawing/2010/main" xmlns:m="http://schemas.openxmlformats.org/officeDocument/2006/math" xmlns="" val="1"/>
-            </a:ext>
-          </a:extLst>
         </p:spPr>
         <p:txBody>
           <a:bodyPr wrap="none" lIns="114255" tIns="114255" rIns="114255" bIns="114255">
             <a:spAutoFit/>
           </a:bodyPr>
           <a:lstStyle>
-            <a:lvl1pPr algn="ctr" defTabSz="870965">
+            <a:lvl1pPr algn="ctr" defTabSz="871220">
               <a:lnSpc>
                 <a:spcPct val="110000"/>
               </a:lnSpc>
@@ -9609,18 +8879,13 @@
           <a:ln w="25400">
             <a:miter lim="400000"/>
           </a:ln>
-          <a:extLst>
-            <a:ext uri="{C572A759-6A51-4108-AA02-DFA0A04FC94B}">
-              <ma14:wrappingTextBoxFlag xmlns:ma14="http://schemas.microsoft.com/office/mac/drawingml/2011/main" xmlns:a14="http://schemas.microsoft.com/office/drawing/2010/main" xmlns:m="http://schemas.openxmlformats.org/officeDocument/2006/math" xmlns="" val="1"/>
-            </a:ext>
-          </a:extLst>
         </p:spPr>
         <p:txBody>
           <a:bodyPr wrap="none" lIns="114255" tIns="114255" rIns="114255" bIns="114255">
             <a:spAutoFit/>
           </a:bodyPr>
           <a:lstStyle>
-            <a:lvl1pPr algn="ctr" defTabSz="870965">
+            <a:lvl1pPr algn="ctr" defTabSz="871220">
               <a:lnSpc>
                 <a:spcPct val="110000"/>
               </a:lnSpc>
@@ -9637,7 +8902,7 @@
           </a:lstStyle>
           <a:p>
             <a:r>
-              <a:rPr lang="zh-CN" altLang="en-US" sz="1399" b="1" dirty="0">
+              <a:rPr lang="zh-CN" altLang="en-US" sz="1400" b="1" dirty="0">
                 <a:solidFill>
                   <a:schemeClr val="tx1"/>
                 </a:solidFill>
@@ -9647,7 +8912,7 @@
               </a:rPr>
               <a:t>使能行业应用</a:t>
             </a:r>
-            <a:endParaRPr sz="1399" b="1" dirty="0">
+            <a:endParaRPr sz="1400" b="1" dirty="0">
               <a:solidFill>
                 <a:schemeClr val="tx1"/>
               </a:solidFill>
@@ -9703,18 +8968,13 @@
               <a:ln w="25400">
                 <a:miter lim="400000"/>
               </a:ln>
-              <a:extLst>
-                <a:ext uri="{C572A759-6A51-4108-AA02-DFA0A04FC94B}">
-                  <ma14:wrappingTextBoxFlag xmlns:ma14="http://schemas.microsoft.com/office/mac/drawingml/2011/main" xmlns:a14="http://schemas.microsoft.com/office/drawing/2010/main" xmlns:m="http://schemas.openxmlformats.org/officeDocument/2006/math" xmlns="" val="1"/>
-                </a:ext>
-              </a:extLst>
             </p:spPr>
             <p:txBody>
               <a:bodyPr wrap="square" lIns="45701" rIns="45701">
                 <a:spAutoFit/>
               </a:bodyPr>
               <a:lstStyle>
-                <a:lvl1pPr algn="ctr" defTabSz="435481">
+                <a:lvl1pPr algn="ctr" defTabSz="435610">
                   <a:defRPr sz="2000">
                     <a:solidFill>
                       <a:srgbClr val="FFFFFF"/>
@@ -9764,18 +9024,13 @@
               <a:ln w="25400">
                 <a:miter lim="400000"/>
               </a:ln>
-              <a:extLst>
-                <a:ext uri="{C572A759-6A51-4108-AA02-DFA0A04FC94B}">
-                  <ma14:wrappingTextBoxFlag xmlns:ma14="http://schemas.microsoft.com/office/mac/drawingml/2011/main" xmlns:a14="http://schemas.microsoft.com/office/drawing/2010/main" xmlns:m="http://schemas.openxmlformats.org/officeDocument/2006/math" xmlns="" val="1"/>
-                </a:ext>
-              </a:extLst>
             </p:spPr>
             <p:txBody>
               <a:bodyPr wrap="none" lIns="45701" rIns="45701">
                 <a:spAutoFit/>
               </a:bodyPr>
               <a:lstStyle>
-                <a:lvl1pPr algn="ctr" defTabSz="435481">
+                <a:lvl1pPr algn="ctr" defTabSz="435610">
                   <a:defRPr sz="2000">
                     <a:solidFill>
                       <a:srgbClr val="FFFFFF"/>
@@ -9808,6 +9063,13 @@
                   </a:rPr>
                   <a:t> </a:t>
                 </a:r>
+                <a:endParaRPr sz="1200" dirty="0">
+                  <a:solidFill>
+                    <a:schemeClr val="tx1"/>
+                  </a:solidFill>
+                  <a:latin typeface="Huawei Sans" panose="020C0503030203020204" pitchFamily="34" charset="0"/>
+                  <a:ea typeface="方正兰亭黑简体" panose="02000000000000000000" pitchFamily="2" charset="-122"/>
+                </a:endParaRPr>
               </a:p>
             </p:txBody>
           </p:sp>
@@ -9828,18 +9090,13 @@
               <a:ln w="25400">
                 <a:miter lim="400000"/>
               </a:ln>
-              <a:extLst>
-                <a:ext uri="{C572A759-6A51-4108-AA02-DFA0A04FC94B}">
-                  <ma14:wrappingTextBoxFlag xmlns:ma14="http://schemas.microsoft.com/office/mac/drawingml/2011/main" xmlns:a14="http://schemas.microsoft.com/office/drawing/2010/main" xmlns:m="http://schemas.openxmlformats.org/officeDocument/2006/math" xmlns="" val="1"/>
-                </a:ext>
-              </a:extLst>
             </p:spPr>
             <p:txBody>
               <a:bodyPr wrap="none" lIns="45701" rIns="45701">
                 <a:spAutoFit/>
               </a:bodyPr>
               <a:lstStyle>
-                <a:lvl1pPr algn="ctr" defTabSz="435481">
+                <a:lvl1pPr algn="ctr" defTabSz="435610">
                   <a:defRPr sz="2000">
                     <a:solidFill>
                       <a:srgbClr val="FFFFFF"/>
@@ -9889,18 +9146,13 @@
               <a:ln w="25400">
                 <a:miter lim="400000"/>
               </a:ln>
-              <a:extLst>
-                <a:ext uri="{C572A759-6A51-4108-AA02-DFA0A04FC94B}">
-                  <ma14:wrappingTextBoxFlag xmlns:ma14="http://schemas.microsoft.com/office/mac/drawingml/2011/main" xmlns:a14="http://schemas.microsoft.com/office/drawing/2010/main" xmlns:m="http://schemas.openxmlformats.org/officeDocument/2006/math" xmlns="" val="1"/>
-                </a:ext>
-              </a:extLst>
             </p:spPr>
             <p:txBody>
               <a:bodyPr wrap="none" lIns="45701" rIns="45701">
                 <a:spAutoFit/>
               </a:bodyPr>
               <a:lstStyle>
-                <a:lvl1pPr algn="ctr" defTabSz="435481">
+                <a:lvl1pPr algn="ctr" defTabSz="435610">
                   <a:defRPr sz="2000">
                     <a:solidFill>
                       <a:srgbClr val="FFFFFF"/>
@@ -9950,18 +9202,13 @@
               <a:ln w="25400">
                 <a:miter lim="400000"/>
               </a:ln>
-              <a:extLst>
-                <a:ext uri="{C572A759-6A51-4108-AA02-DFA0A04FC94B}">
-                  <ma14:wrappingTextBoxFlag xmlns:ma14="http://schemas.microsoft.com/office/mac/drawingml/2011/main" xmlns:a14="http://schemas.microsoft.com/office/drawing/2010/main" xmlns:m="http://schemas.openxmlformats.org/officeDocument/2006/math" xmlns="" val="1"/>
-                </a:ext>
-              </a:extLst>
             </p:spPr>
             <p:txBody>
               <a:bodyPr wrap="square" lIns="39901" tIns="39901" rIns="39901" bIns="39901" anchor="ctr">
                 <a:spAutoFit/>
               </a:bodyPr>
               <a:lstStyle>
-                <a:lvl1pPr algn="ctr" defTabSz="465296">
+                <a:lvl1pPr algn="ctr" defTabSz="465455">
                   <a:lnSpc>
                     <a:spcPct val="90000"/>
                   </a:lnSpc>
@@ -10000,6 +9247,13 @@
                   </a:rPr>
                   <a:t>/PC</a:t>
                 </a:r>
+                <a:endParaRPr sz="1200" dirty="0">
+                  <a:solidFill>
+                    <a:schemeClr val="tx1"/>
+                  </a:solidFill>
+                  <a:latin typeface="Huawei Sans" panose="020C0503030203020204" pitchFamily="34" charset="0"/>
+                  <a:ea typeface="方正兰亭黑简体" panose="02000000000000000000" pitchFamily="2" charset="-122"/>
+                </a:endParaRPr>
               </a:p>
             </p:txBody>
           </p:sp>
@@ -10166,7 +9420,7 @@
                 </a:bodyPr>
                 <a:lstStyle/>
                 <a:p>
-                  <a:pPr algn="ctr" defTabSz="439927">
+                  <a:pPr algn="ctr" defTabSz="440055">
                     <a:lnSpc>
                       <a:spcPct val="110000"/>
                     </a:lnSpc>
@@ -10373,7 +9627,7 @@
               </a:bodyPr>
               <a:lstStyle/>
               <a:p>
-                <a:pPr algn="ctr" defTabSz="439927">
+                <a:pPr algn="ctr" defTabSz="440055">
                   <a:lnSpc>
                     <a:spcPct val="110000"/>
                   </a:lnSpc>
@@ -10543,7 +9797,7 @@
               </a:bodyPr>
               <a:lstStyle/>
               <a:p>
-                <a:pPr algn="ctr" defTabSz="439927">
+                <a:pPr algn="ctr" defTabSz="440055">
                   <a:lnSpc>
                     <a:spcPct val="110000"/>
                   </a:lnSpc>
@@ -10713,7 +9967,7 @@
               </a:bodyPr>
               <a:lstStyle/>
               <a:p>
-                <a:pPr algn="ctr" defTabSz="439927">
+                <a:pPr algn="ctr" defTabSz="440055">
                   <a:lnSpc>
                     <a:spcPct val="110000"/>
                   </a:lnSpc>
@@ -10883,7 +10137,7 @@
               </a:bodyPr>
               <a:lstStyle/>
               <a:p>
-                <a:pPr algn="ctr" defTabSz="439927">
+                <a:pPr algn="ctr" defTabSz="440055">
                   <a:lnSpc>
                     <a:spcPct val="110000"/>
                   </a:lnSpc>
@@ -11095,18 +10349,13 @@
               <a:ln w="25400">
                 <a:miter lim="400000"/>
               </a:ln>
-              <a:extLst>
-                <a:ext uri="{C572A759-6A51-4108-AA02-DFA0A04FC94B}">
-                  <ma14:wrappingTextBoxFlag xmlns:ma14="http://schemas.microsoft.com/office/mac/drawingml/2011/main" xmlns:a14="http://schemas.microsoft.com/office/drawing/2010/main" xmlns:m="http://schemas.openxmlformats.org/officeDocument/2006/math" xmlns="" val="1"/>
-                </a:ext>
-              </a:extLst>
             </p:spPr>
             <p:txBody>
               <a:bodyPr wrap="square" lIns="45701" rIns="45701">
                 <a:spAutoFit/>
               </a:bodyPr>
               <a:lstStyle>
-                <a:lvl1pPr algn="ctr" defTabSz="435481">
+                <a:lvl1pPr algn="ctr" defTabSz="435610">
                   <a:defRPr sz="2000">
                     <a:solidFill>
                       <a:srgbClr val="FFFFFF"/>
@@ -11156,18 +10405,13 @@
               <a:ln w="25400">
                 <a:miter lim="400000"/>
               </a:ln>
-              <a:extLst>
-                <a:ext uri="{C572A759-6A51-4108-AA02-DFA0A04FC94B}">
-                  <ma14:wrappingTextBoxFlag xmlns:ma14="http://schemas.microsoft.com/office/mac/drawingml/2011/main" xmlns:a14="http://schemas.microsoft.com/office/drawing/2010/main" xmlns:m="http://schemas.openxmlformats.org/officeDocument/2006/math" xmlns="" val="1"/>
-                </a:ext>
-              </a:extLst>
             </p:spPr>
             <p:txBody>
               <a:bodyPr wrap="none" lIns="45701" rIns="45701">
                 <a:spAutoFit/>
               </a:bodyPr>
               <a:lstStyle>
-                <a:lvl1pPr algn="ctr" defTabSz="435481">
+                <a:lvl1pPr algn="ctr" defTabSz="435610">
                   <a:defRPr sz="2000">
                     <a:solidFill>
                       <a:srgbClr val="FFFFFF"/>
@@ -11200,6 +10444,13 @@
                   </a:rPr>
                   <a:t> </a:t>
                 </a:r>
+                <a:endParaRPr sz="1200" dirty="0">
+                  <a:solidFill>
+                    <a:schemeClr val="tx1"/>
+                  </a:solidFill>
+                  <a:latin typeface="Huawei Sans" panose="020C0503030203020204" pitchFamily="34" charset="0"/>
+                  <a:ea typeface="方正兰亭黑简体" panose="02000000000000000000" pitchFamily="2" charset="-122"/>
+                </a:endParaRPr>
               </a:p>
             </p:txBody>
           </p:sp>
@@ -11220,18 +10471,13 @@
               <a:ln w="25400">
                 <a:miter lim="400000"/>
               </a:ln>
-              <a:extLst>
-                <a:ext uri="{C572A759-6A51-4108-AA02-DFA0A04FC94B}">
-                  <ma14:wrappingTextBoxFlag xmlns:ma14="http://schemas.microsoft.com/office/mac/drawingml/2011/main" xmlns:a14="http://schemas.microsoft.com/office/drawing/2010/main" xmlns:m="http://schemas.openxmlformats.org/officeDocument/2006/math" xmlns="" val="1"/>
-                </a:ext>
-              </a:extLst>
             </p:spPr>
             <p:txBody>
               <a:bodyPr wrap="none" lIns="45701" rIns="45701">
                 <a:spAutoFit/>
               </a:bodyPr>
               <a:lstStyle>
-                <a:lvl1pPr algn="ctr" defTabSz="435481">
+                <a:lvl1pPr algn="ctr" defTabSz="435610">
                   <a:defRPr sz="2000">
                     <a:solidFill>
                       <a:srgbClr val="FFFFFF"/>
@@ -11281,18 +10527,13 @@
               <a:ln w="25400">
                 <a:miter lim="400000"/>
               </a:ln>
-              <a:extLst>
-                <a:ext uri="{C572A759-6A51-4108-AA02-DFA0A04FC94B}">
-                  <ma14:wrappingTextBoxFlag xmlns:ma14="http://schemas.microsoft.com/office/mac/drawingml/2011/main" xmlns:a14="http://schemas.microsoft.com/office/drawing/2010/main" xmlns:m="http://schemas.openxmlformats.org/officeDocument/2006/math" xmlns="" val="1"/>
-                </a:ext>
-              </a:extLst>
             </p:spPr>
             <p:txBody>
               <a:bodyPr wrap="none" lIns="45701" rIns="45701">
                 <a:spAutoFit/>
               </a:bodyPr>
               <a:lstStyle>
-                <a:lvl1pPr algn="ctr" defTabSz="435481">
+                <a:lvl1pPr algn="ctr" defTabSz="435610">
                   <a:defRPr sz="2000">
                     <a:solidFill>
                       <a:srgbClr val="FFFFFF"/>
@@ -11342,18 +10583,13 @@
               <a:ln w="25400">
                 <a:miter lim="400000"/>
               </a:ln>
-              <a:extLst>
-                <a:ext uri="{C572A759-6A51-4108-AA02-DFA0A04FC94B}">
-                  <ma14:wrappingTextBoxFlag xmlns:ma14="http://schemas.microsoft.com/office/mac/drawingml/2011/main" xmlns:a14="http://schemas.microsoft.com/office/drawing/2010/main" xmlns:m="http://schemas.openxmlformats.org/officeDocument/2006/math" xmlns="" val="1"/>
-                </a:ext>
-              </a:extLst>
             </p:spPr>
             <p:txBody>
               <a:bodyPr wrap="square" lIns="39901" tIns="39901" rIns="39901" bIns="39901" anchor="ctr">
                 <a:spAutoFit/>
               </a:bodyPr>
               <a:lstStyle>
-                <a:lvl1pPr algn="ctr" defTabSz="465296">
+                <a:lvl1pPr algn="ctr" defTabSz="465455">
                   <a:lnSpc>
                     <a:spcPct val="90000"/>
                   </a:lnSpc>
@@ -11555,7 +10791,7 @@
                 </a:bodyPr>
                 <a:lstStyle/>
                 <a:p>
-                  <a:pPr algn="ctr" defTabSz="439927">
+                  <a:pPr algn="ctr" defTabSz="440055">
                     <a:lnSpc>
                       <a:spcPct val="110000"/>
                     </a:lnSpc>
@@ -11762,7 +10998,7 @@
               </a:bodyPr>
               <a:lstStyle/>
               <a:p>
-                <a:pPr algn="ctr" defTabSz="439927">
+                <a:pPr algn="ctr" defTabSz="440055">
                   <a:lnSpc>
                     <a:spcPct val="110000"/>
                   </a:lnSpc>
@@ -11932,7 +11168,7 @@
               </a:bodyPr>
               <a:lstStyle/>
               <a:p>
-                <a:pPr algn="ctr" defTabSz="439927">
+                <a:pPr algn="ctr" defTabSz="440055">
                   <a:lnSpc>
                     <a:spcPct val="110000"/>
                   </a:lnSpc>
@@ -12102,7 +11338,7 @@
               </a:bodyPr>
               <a:lstStyle/>
               <a:p>
-                <a:pPr algn="ctr" defTabSz="439927">
+                <a:pPr algn="ctr" defTabSz="440055">
                   <a:lnSpc>
                     <a:spcPct val="110000"/>
                   </a:lnSpc>
@@ -12272,7 +11508,7 @@
               </a:bodyPr>
               <a:lstStyle/>
               <a:p>
-                <a:pPr algn="ctr" defTabSz="439927">
+                <a:pPr algn="ctr" defTabSz="440055">
                   <a:lnSpc>
                     <a:spcPct val="110000"/>
                   </a:lnSpc>
@@ -12448,7 +11684,7 @@
         <p:spPr>
           <a:xfrm>
             <a:off x="1455597" y="1311762"/>
-            <a:ext cx="1865693" cy="528144"/>
+            <a:ext cx="1865693" cy="532130"/>
           </a:xfrm>
           <a:prstGeom prst="rect">
             <a:avLst/>
@@ -12465,33 +11701,44 @@
           <a:p>
             <a:pPr>
               <a:lnSpc>
-                <a:spcPts val="3439"/>
+                <a:spcPts val="3440"/>
               </a:lnSpc>
             </a:pPr>
             <a:r>
-              <a:rPr lang="zh-CN" altLang="en-US" sz="2399" b="1" dirty="0">
+              <a:rPr lang="zh-CN" altLang="en-US" sz="2400" b="1" dirty="0">
                 <a:latin typeface="Huawei Sans" panose="020C0503030203020204" pitchFamily="34" charset="0"/>
                 <a:ea typeface="方正兰亭黑简体" panose="02000000000000000000" pitchFamily="2" charset="-122"/>
               </a:rPr>
-              <a:t>  鲲鹏</a:t>
-            </a:r>
-            <a:r>
-              <a:rPr lang="zh-CN" altLang="en-US" sz="2399" b="1" dirty="0" smtClean="0">
-                <a:latin typeface="Huawei Sans" panose="020C0503030203020204" pitchFamily="34" charset="0"/>
-                <a:ea typeface="方正兰亭黑简体" panose="02000000000000000000" pitchFamily="2" charset="-122"/>
+              <a:t>  </a:t>
+            </a:r>
+            <a:r>
+              <a:rPr lang="zh-CN" altLang="en-US" sz="2400" b="1" dirty="0">
+                <a:latin typeface="宋体" panose="02010600030101010101" pitchFamily="2" charset="-122"/>
+                <a:ea typeface="宋体" panose="02010600030101010101" pitchFamily="2" charset="-122"/>
+                <a:cs typeface="宋体" panose="02010600030101010101" pitchFamily="2" charset="-122"/>
+              </a:rPr>
+              <a:t>鲲鹏</a:t>
+            </a:r>
+            <a:r>
+              <a:rPr lang="zh-CN" altLang="en-US" sz="2400" b="1" dirty="0" smtClean="0">
+                <a:latin typeface="宋体" panose="02010600030101010101" pitchFamily="2" charset="-122"/>
+                <a:ea typeface="宋体" panose="02010600030101010101" pitchFamily="2" charset="-122"/>
+                <a:cs typeface="宋体" panose="02010600030101010101" pitchFamily="2" charset="-122"/>
               </a:rPr>
               <a:t>是</a:t>
             </a:r>
             <a:r>
-              <a:rPr lang="en-US" altLang="zh-CN" sz="2399" b="1" dirty="0" smtClean="0">
-                <a:latin typeface="Huawei Sans" panose="020C0503030203020204" pitchFamily="34" charset="0"/>
-                <a:ea typeface="方正兰亭黑简体" panose="02000000000000000000" pitchFamily="2" charset="-122"/>
+              <a:rPr lang="en-US" altLang="zh-CN" sz="2400" b="1" dirty="0" smtClean="0">
+                <a:latin typeface="宋体" panose="02010600030101010101" pitchFamily="2" charset="-122"/>
+                <a:ea typeface="宋体" panose="02010600030101010101" pitchFamily="2" charset="-122"/>
+                <a:cs typeface="宋体" panose="02010600030101010101" pitchFamily="2" charset="-122"/>
               </a:rPr>
               <a:t>SoC</a:t>
             </a:r>
-            <a:endParaRPr lang="zh-CN" altLang="en-US" sz="2399" b="1" dirty="0">
-              <a:latin typeface="Huawei Sans" panose="020C0503030203020204" pitchFamily="34" charset="0"/>
-              <a:ea typeface="方正兰亭黑简体" panose="02000000000000000000" pitchFamily="2" charset="-122"/>
+            <a:endParaRPr lang="zh-CN" altLang="en-US" sz="2400" b="1" dirty="0">
+              <a:latin typeface="宋体" panose="02010600030101010101" pitchFamily="2" charset="-122"/>
+              <a:ea typeface="宋体" panose="02010600030101010101" pitchFamily="2" charset="-122"/>
+              <a:cs typeface="宋体" panose="02010600030101010101" pitchFamily="2" charset="-122"/>
             </a:endParaRPr>
           </a:p>
         </p:txBody>
@@ -12520,11 +11767,6 @@
         </p:txBody>
       </p:sp>
     </p:spTree>
-    <p:extLst>
-      <p:ext uri="{BB962C8B-B14F-4D97-AF65-F5344CB8AC3E}">
-        <p14:creationId xmlns:p14="http://schemas.microsoft.com/office/powerpoint/2010/main" val="3756209168"/>
-      </p:ext>
-    </p:extLst>
   </p:cSld>
   <p:clrMapOvr>
     <a:masterClrMapping/>
@@ -12537,6 +11779,13 @@
     </p:tnLst>
   </p:timing>
 </p:sld>
+</file>
+
+<file path=ppt/tags/tag4.xml><?xml version="1.0" encoding="utf-8"?>
+<p:tagLst xmlns:p="http://schemas.openxmlformats.org/presentationml/2006/main">
+  <p:tag name="KSO_WPP_MARK_KEY" val="72c27d5f-e1cc-46d7-b109-fe479b8121bd"/>
+  <p:tag name="COMMONDATA" val="eyJoZGlkIjoiYjczZDc5ZDYyNDgxZjdkMjc5ZmUzNTlkN2UxM2I2MTcifQ=="/>
+</p:tagLst>
 </file>
 
 <file path=ppt/theme/theme1.xml><?xml version="1.0" encoding="utf-8"?>
@@ -12582,7 +11831,7 @@
     </a:clrScheme>
     <a:fontScheme name="Office">
       <a:majorFont>
-        <a:latin typeface="Calibri Light" panose="020F0302020204030204"/>
+        <a:latin typeface="Calibri Light"/>
         <a:ea typeface=""/>
         <a:cs typeface=""/>
         <a:font script="Jpan" typeface="ＭＳ Ｐゴシック"/>
@@ -12617,7 +11866,7 @@
         <a:font script="Geor" typeface="Sylfaen"/>
       </a:majorFont>
       <a:minorFont>
-        <a:latin typeface="Calibri" panose="020F0502020204030204"/>
+        <a:latin typeface="Calibri"/>
         <a:ea typeface=""/>
         <a:cs typeface=""/>
         <a:font script="Jpan" typeface="ＭＳ Ｐゴシック"/>
@@ -12790,8 +12039,6 @@
       </a:bgFillStyleLst>
     </a:fmtScheme>
   </a:themeElements>
-  <a:objectDefaults/>
-  <a:extraClrSchemeLst/>
   <a:extLst>
     <a:ext uri="{05A4C25C-085E-4340-85A3-A5531E510DB2}">
       <thm15:themeFamily xmlns:thm15="http://schemas.microsoft.com/office/thememl/2012/main" name="Office Theme" id="{62F939B6-93AF-4DB8-9C6B-D6C7DFDC589F}" vid="{4A3C46E8-61CC-4603-A589-7422A47A8E4A}"/>
@@ -12991,8 +12238,6 @@
       </a:bgFillStyleLst>
     </a:fmtScheme>
   </a:themeElements>
-  <a:objectDefaults/>
-  <a:extraClrSchemeLst/>
   <a:extLst>
     <a:ext uri="{05A4C25C-085E-4340-85A3-A5531E510DB2}">
       <thm15:themeFamily xmlns:thm15="http://schemas.microsoft.com/office/thememl/2012/main" name="Office Theme" id="{62F939B6-93AF-4DB8-9C6B-D6C7DFDC589F}" vid="{4A3C46E8-61CC-4603-A589-7422A47A8E4A}"/>
@@ -13192,8 +12437,6 @@
       </a:bgFillStyleLst>
     </a:fmtScheme>
   </a:themeElements>
-  <a:objectDefaults/>
-  <a:extraClrSchemeLst/>
   <a:extLst>
     <a:ext uri="{05A4C25C-085E-4340-85A3-A5531E510DB2}">
       <thm15:themeFamily xmlns:thm15="http://schemas.microsoft.com/office/thememl/2012/main" name="Office Theme" id="{62F939B6-93AF-4DB8-9C6B-D6C7DFDC589F}" vid="{4A3C46E8-61CC-4603-A589-7422A47A8E4A}"/>
@@ -13245,7 +12488,7 @@
     </a:clrScheme>
     <a:fontScheme name="Arial">
       <a:majorFont>
-        <a:latin typeface="Arial" panose="020B0604020202020204"/>
+        <a:latin typeface="Arial"/>
         <a:ea typeface=""/>
         <a:cs typeface=""/>
         <a:font script="Jpan" typeface="ＭＳ Ｐゴシック"/>
@@ -13280,7 +12523,7 @@
         <a:font script="Geor" typeface="Sylfaen"/>
       </a:majorFont>
       <a:minorFont>
-        <a:latin typeface="Arial" panose="020B0604020202020204"/>
+        <a:latin typeface="Arial"/>
         <a:ea typeface=""/>
         <a:cs typeface=""/>
         <a:font script="Jpan" typeface="ＭＳ Ｐゴシック"/>
@@ -13500,10 +12743,9 @@
       </a:lstStyle>
     </a:txDef>
   </a:objectDefaults>
-  <a:extraClrSchemeLst/>
   <a:extLst>
     <a:ext uri="{05A4C25C-085E-4340-85A3-A5531E510DB2}">
-      <thm15:themeFamily xmlns:thm15="http://schemas.microsoft.com/office/thememl/2012/main" name="演示文稿1" id="{5D7106B4-FD24-471A-B326-8B58E27A973B}" vid="{1AA013AF-7C2E-4A39-9796-86760F640C19}"/>
+      <thm15:themeFamily xmlns:thm15="http://schemas.microsoft.com/office/thememl/2012/main" name="Office Theme" id="{62F939B6-93AF-4DB8-9C6B-D6C7DFDC589F}" vid="{4A3C46E8-61CC-4603-A589-7422A47A8E4A}"/>
     </a:ext>
   </a:extLst>
 </a:theme>
@@ -13700,8 +12942,6 @@
       </a:bgFillStyleLst>
     </a:fmtScheme>
   </a:themeElements>
-  <a:objectDefaults/>
-  <a:extraClrSchemeLst/>
   <a:extLst>
     <a:ext uri="{05A4C25C-085E-4340-85A3-A5531E510DB2}">
       <thm15:themeFamily xmlns:thm15="http://schemas.microsoft.com/office/thememl/2012/main" name="Office Theme" id="{62F939B6-93AF-4DB8-9C6B-D6C7DFDC589F}" vid="{4A3C46E8-61CC-4603-A589-7422A47A8E4A}"/>
@@ -13753,7 +12993,7 @@
     </a:clrScheme>
     <a:fontScheme name="Office">
       <a:majorFont>
-        <a:latin typeface="Calibri Light" panose="020F0302020204030204"/>
+        <a:latin typeface="Calibri Light"/>
         <a:ea typeface=""/>
         <a:cs typeface=""/>
         <a:font script="Jpan" typeface="游ゴシック Light"/>
@@ -13786,26 +13026,9 @@
         <a:font script="Viet" typeface="Times New Roman"/>
         <a:font script="Uigh" typeface="Microsoft Uighur"/>
         <a:font script="Geor" typeface="Sylfaen"/>
-        <a:font script="Armn" typeface="Arial"/>
-        <a:font script="Bugi" typeface="Leelawadee UI"/>
-        <a:font script="Bopo" typeface="Microsoft JhengHei"/>
-        <a:font script="Java" typeface="Javanese Text"/>
-        <a:font script="Lisu" typeface="Segoe UI"/>
-        <a:font script="Mymr" typeface="Myanmar Text"/>
-        <a:font script="Nkoo" typeface="Ebrima"/>
-        <a:font script="Olck" typeface="Nirmala UI"/>
-        <a:font script="Osma" typeface="Ebrima"/>
-        <a:font script="Phag" typeface="Phagspa"/>
-        <a:font script="Syrn" typeface="Estrangelo Edessa"/>
-        <a:font script="Syrj" typeface="Estrangelo Edessa"/>
-        <a:font script="Syre" typeface="Estrangelo Edessa"/>
-        <a:font script="Sora" typeface="Nirmala UI"/>
-        <a:font script="Tale" typeface="Microsoft Tai Le"/>
-        <a:font script="Talu" typeface="Microsoft New Tai Lue"/>
-        <a:font script="Tfng" typeface="Ebrima"/>
       </a:majorFont>
       <a:minorFont>
-        <a:latin typeface="Calibri" panose="020F0502020204030204"/>
+        <a:latin typeface="Calibri"/>
         <a:ea typeface=""/>
         <a:cs typeface=""/>
         <a:font script="Jpan" typeface="游ゴシック"/>
@@ -13838,23 +13061,6 @@
         <a:font script="Viet" typeface="Arial"/>
         <a:font script="Uigh" typeface="Microsoft Uighur"/>
         <a:font script="Geor" typeface="Sylfaen"/>
-        <a:font script="Armn" typeface="Arial"/>
-        <a:font script="Bugi" typeface="Leelawadee UI"/>
-        <a:font script="Bopo" typeface="Microsoft JhengHei"/>
-        <a:font script="Java" typeface="Javanese Text"/>
-        <a:font script="Lisu" typeface="Segoe UI"/>
-        <a:font script="Mymr" typeface="Myanmar Text"/>
-        <a:font script="Nkoo" typeface="Ebrima"/>
-        <a:font script="Olck" typeface="Nirmala UI"/>
-        <a:font script="Osma" typeface="Ebrima"/>
-        <a:font script="Phag" typeface="Phagspa"/>
-        <a:font script="Syrn" typeface="Estrangelo Edessa"/>
-        <a:font script="Syrj" typeface="Estrangelo Edessa"/>
-        <a:font script="Syre" typeface="Estrangelo Edessa"/>
-        <a:font script="Sora" typeface="Nirmala UI"/>
-        <a:font script="Tale" typeface="Microsoft Tai Le"/>
-        <a:font script="Talu" typeface="Microsoft New Tai Lue"/>
-        <a:font script="Tfng" typeface="Ebrima"/>
       </a:minorFont>
     </a:fontScheme>
     <a:fmtScheme name="Office">
@@ -13995,8 +13201,6 @@
       </a:bgFillStyleLst>
     </a:fmtScheme>
   </a:themeElements>
-  <a:objectDefaults/>
-  <a:extraClrSchemeLst/>
   <a:extLst>
     <a:ext uri="{05A4C25C-085E-4340-85A3-A5531E510DB2}">
       <thm15:themeFamily xmlns:thm15="http://schemas.microsoft.com/office/thememl/2012/main" name="Office Theme" id="{62F939B6-93AF-4DB8-9C6B-D6C7DFDC589F}" vid="{4A3C46E8-61CC-4603-A589-7422A47A8E4A}"/>
@@ -14005,170 +13209,249 @@
 </a:theme>
 </file>
 
-<file path=customXml/item1.xml><?xml version="1.0" encoding="utf-8"?>
-<p:properties xmlns:p="http://schemas.microsoft.com/office/2006/metadata/properties" xmlns:xsi="http://www.w3.org/2001/XMLSchema-instance" xmlns:pc="http://schemas.microsoft.com/office/infopath/2007/PartnerControls">
-  <documentManagement/>
-</p:properties>
+<file path=customXml/item1.xml>��< ? x m l   v e r s i o n = " 1 . 0 " ? > < p : p r o p e r t i e s   x m l n s : p = " h t t p : / / s c h e m a s . m i c r o s o f t . c o m / o f f i c e / 2 0 0 6 / m e t a d a t a / p r o p e r t i e s "   x m l n s : x s i = " h t t p : / / w w w . w 3 . o r g / 2 0 0 1 / X M L S c h e m a - i n s t a n c e "   x m l n s : p c = " h t t p : / / s c h e m a s . m i c r o s o f t . c o m / o f f i c e / i n f o p a t h / 2 0 0 7 / P a r t n e r C o n t r o l s " > < d o c u m e n t M a n a g e m e n t / > < / p : p r o p e r t i e s > 
 </file>
 
-<file path=customXml/item2.xml><?xml version="1.0" encoding="utf-8"?>
-<?mso-contentType ?>
-<FormTemplates xmlns="http://schemas.microsoft.com/sharepoint/v3/contenttype/forms">
-  <Display>DocumentLibraryForm</Display>
-  <Edit>DocumentLibraryForm</Edit>
-  <New>DocumentLibraryForm</New>
-</FormTemplates>
+<file path=customXml/item2.xml>��< ? m s o - c o n t e n t T y p e ? > < F o r m T e m p l a t e s   x m l n s = " h t t p : / / s c h e m a s . m i c r o s o f t . c o m / s h a r e p o i n t / v 3 / c o n t e n t t y p e / f o r m s " > < D i s p l a y > D o c u m e n t L i b r a r y F o r m < / D i s p l a y > < E d i t > D o c u m e n t L i b r a r y F o r m < / E d i t > < N e w > D o c u m e n t L i b r a r y F o r m < / N e w > < / F o r m T e m p l a t e s > 
 </file>
 
-<file path=customXml/item3.xml><?xml version="1.0" encoding="utf-8"?>
-<ct:contentTypeSchema xmlns:ct="http://schemas.microsoft.com/office/2006/metadata/contentType" xmlns:ma="http://schemas.microsoft.com/office/2006/metadata/properties/metaAttributes" ct:_="" ma:_="" ma:contentTypeName="Document" ma:contentTypeID="0x010100CC226774B8D87F4D92D9D1F6859ED44E" ma:contentTypeVersion="0" ma:contentTypeDescription="Create a new document." ma:contentTypeScope="" ma:versionID="2405c1ce63a3409bcef189279c704bc6">
-  <xsd:schema xmlns:xsd="http://www.w3.org/2001/XMLSchema" xmlns:xs="http://www.w3.org/2001/XMLSchema" xmlns:p="http://schemas.microsoft.com/office/2006/metadata/properties" targetNamespace="http://schemas.microsoft.com/office/2006/metadata/properties" ma:root="true" ma:fieldsID="c64490b4aec6201516c3a874156f37b2">
-    <xsd:element name="properties">
-      <xsd:complexType>
-        <xsd:sequence>
-          <xsd:element name="documentManagement">
-            <xsd:complexType>
-              <xsd:all/>
-            </xsd:complexType>
-          </xsd:element>
-        </xsd:sequence>
-      </xsd:complexType>
-    </xsd:element>
-  </xsd:schema>
-  <xsd:schema xmlns="http://schemas.openxmlformats.org/package/2006/metadata/core-properties" xmlns:xsd="http://www.w3.org/2001/XMLSchema" xmlns:xsi="http://www.w3.org/2001/XMLSchema-instance" xmlns:dc="http://purl.org/dc/elements/1.1/" xmlns:dcterms="http://purl.org/dc/terms/" xmlns:odoc="http://schemas.microsoft.com/internal/obd" targetNamespace="http://schemas.openxmlformats.org/package/2006/metadata/core-properties" elementFormDefault="qualified" attributeFormDefault="unqualified" blockDefault="#all">
-    <xsd:import namespace="http://purl.org/dc/elements/1.1/" schemaLocation="http://dublincore.org/schemas/xmls/qdc/2003/04/02/dc.xsd"/>
-    <xsd:import namespace="http://purl.org/dc/terms/" schemaLocation="http://dublincore.org/schemas/xmls/qdc/2003/04/02/dcterms.xsd"/>
-    <xsd:element name="coreProperties" type="CT_coreProperties"/>
-    <xsd:complexType name="CT_coreProperties">
-      <xsd:all>
-        <xsd:element ref="dc:creator" minOccurs="0" maxOccurs="1"/>
-        <xsd:element ref="dcterms:created" minOccurs="0" maxOccurs="1"/>
-        <xsd:element ref="dc:identifier" minOccurs="0" maxOccurs="1"/>
-        <xsd:element name="contentType" minOccurs="0" maxOccurs="1" type="xsd:string" ma:index="0" ma:displayName="Content Type"/>
-        <xsd:element ref="dc:title" minOccurs="0" maxOccurs="1" ma:index="4" ma:displayName="Title"/>
-        <xsd:element ref="dc:subject" minOccurs="0" maxOccurs="1"/>
-        <xsd:element ref="dc:description" minOccurs="0" maxOccurs="1"/>
-        <xsd:element name="keywords" minOccurs="0" maxOccurs="1" type="xsd:string"/>
-        <xsd:element ref="dc:language" minOccurs="0" maxOccurs="1"/>
-        <xsd:element name="category" minOccurs="0" maxOccurs="1" type="xsd:string"/>
-        <xsd:element name="version" minOccurs="0" maxOccurs="1" type="xsd:string"/>
-        <xsd:element name="revision" minOccurs="0" maxOccurs="1" type="xsd:string">
-          <xsd:annotation>
-            <xsd:documentation>
-                        This value indicates the number of saves or revisions. The application is responsible for updating this value after each revision.
-                    </xsd:documentation>
-          </xsd:annotation>
-        </xsd:element>
-        <xsd:element name="lastModifiedBy" minOccurs="0" maxOccurs="1" type="xsd:string"/>
-        <xsd:element ref="dcterms:modified" minOccurs="0" maxOccurs="1"/>
-        <xsd:element name="contentStatus" minOccurs="0" maxOccurs="1" type="xsd:string"/>
-      </xsd:all>
-    </xsd:complexType>
-  </xsd:schema>
-  <xs:schema xmlns:pc="http://schemas.microsoft.com/office/infopath/2007/PartnerControls" xmlns:xs="http://www.w3.org/2001/XMLSchema" targetNamespace="http://schemas.microsoft.com/office/infopath/2007/PartnerControls" elementFormDefault="qualified" attributeFormDefault="unqualified">
-    <xs:element name="Person">
-      <xs:complexType>
-        <xs:sequence>
-          <xs:element ref="pc:DisplayName" minOccurs="0"/>
-          <xs:element ref="pc:AccountId" minOccurs="0"/>
-          <xs:element ref="pc:AccountType" minOccurs="0"/>
-        </xs:sequence>
-      </xs:complexType>
-    </xs:element>
-    <xs:element name="DisplayName" type="xs:string"/>
-    <xs:element name="AccountId" type="xs:string"/>
-    <xs:element name="AccountType" type="xs:string"/>
-    <xs:element name="BDCAssociatedEntity">
-      <xs:complexType>
-        <xs:sequence>
-          <xs:element ref="pc:BDCEntity" minOccurs="0" maxOccurs="unbounded"/>
-        </xs:sequence>
-        <xs:attribute ref="pc:EntityNamespace"/>
-        <xs:attribute ref="pc:EntityName"/>
-        <xs:attribute ref="pc:SystemInstanceName"/>
-        <xs:attribute ref="pc:AssociationName"/>
-      </xs:complexType>
-    </xs:element>
-    <xs:attribute name="EntityNamespace" type="xs:string"/>
-    <xs:attribute name="EntityName" type="xs:string"/>
-    <xs:attribute name="SystemInstanceName" type="xs:string"/>
-    <xs:attribute name="AssociationName" type="xs:string"/>
-    <xs:element name="BDCEntity">
-      <xs:complexType>
-        <xs:sequence>
-          <xs:element ref="pc:EntityDisplayName" minOccurs="0"/>
-          <xs:element ref="pc:EntityInstanceReference" minOccurs="0"/>
-          <xs:element ref="pc:EntityId1" minOccurs="0"/>
-          <xs:element ref="pc:EntityId2" minOccurs="0"/>
-          <xs:element ref="pc:EntityId3" minOccurs="0"/>
-          <xs:element ref="pc:EntityId4" minOccurs="0"/>
-          <xs:element ref="pc:EntityId5" minOccurs="0"/>
-        </xs:sequence>
-      </xs:complexType>
-    </xs:element>
-    <xs:element name="EntityDisplayName" type="xs:string"/>
-    <xs:element name="EntityInstanceReference" type="xs:string"/>
-    <xs:element name="EntityId1" type="xs:string"/>
-    <xs:element name="EntityId2" type="xs:string"/>
-    <xs:element name="EntityId3" type="xs:string"/>
-    <xs:element name="EntityId4" type="xs:string"/>
-    <xs:element name="EntityId5" type="xs:string"/>
-    <xs:element name="Terms">
-      <xs:complexType>
-        <xs:sequence>
-          <xs:element ref="pc:TermInfo" minOccurs="0" maxOccurs="unbounded"/>
-        </xs:sequence>
-      </xs:complexType>
-    </xs:element>
-    <xs:element name="TermInfo">
-      <xs:complexType>
-        <xs:sequence>
-          <xs:element ref="pc:TermName" minOccurs="0"/>
-          <xs:element ref="pc:TermId" minOccurs="0"/>
-        </xs:sequence>
-      </xs:complexType>
-    </xs:element>
-    <xs:element name="TermName" type="xs:string"/>
-    <xs:element name="TermId" type="xs:string"/>
-  </xs:schema>
-</ct:contentTypeSchema>
+<file path=customXml/item3.xml>��< ? x m l   v e r s i o n = " 1 . 0 " ? > < c t : c o n t e n t T y p e S c h e m a   c t : _ = " "   m a : _ = " "   m a : c o n t e n t T y p e N a m e = " D o c u m e n t "   m a : c o n t e n t T y p e I D = " 0 x 0 1 0 1 0 0 C C 2 2 6 7 7 4 B 8 D 8 7 F 4 D 9 2 D 9 D 1 F 6 8 5 9 E D 4 4 E "   m a : c o n t e n t T y p e V e r s i o n = " 0 "   m a : c o n t e n t T y p e D e s c r i p t i o n = " C r e a t e   a   n e w   d o c u m e n t . "   m a : c o n t e n t T y p e S c o p e = " "   m a : v e r s i o n I D = " 2 4 0 5 c 1 c e 6 3 a 3 4 0 9 b c e f 1 8 9 2 7 9 c 7 0 4 b c 6 "   x m l n s : c t = " h t t p : / / s c h e m a s . m i c r o s o f t . c o m / o f f i c e / 2 0 0 6 / m e t a d a t a / c o n t e n t T y p e "   x m l n s : m a = " h t t p : / / s c h e m a s . m i c r o s o f t . c o m / o f f i c e / 2 0 0 6 / m e t a d a t a / p r o p e r t i e s / m e t a A t t r i b u t e s " > + 
+ < x s d : s c h e m a   t a r g e t N a m e s p a c e = " h t t p : / / s c h e m a s . m i c r o s o f t . c o m / o f f i c e / 2 0 0 6 / m e t a d a t a / p r o p e r t i e s "   m a : r o o t = " t r u e "   m a : f i e l d s I D = " c 6 4 4 9 0 b 4 a e c 6 2 0 1 5 1 6 c 3 a 8 7 4 1 5 6 f 3 7 b 2 "   x m l n s : x s d = " h t t p : / / w w w . w 3 . o r g / 2 0 0 1 / X M L S c h e m a "   x m l n s : x s = " h t t p : / / w w w . w 3 . o r g / 2 0 0 1 / X M L S c h e m a "   x m l n s : p = " h t t p : / / s c h e m a s . m i c r o s o f t . c o m / o f f i c e / 2 0 0 6 / m e t a d a t a / p r o p e r t i e s " > + 
+ < x s d : e l e m e n t   n a m e = " p r o p e r t i e s " > + 
+ < x s d : c o m p l e x T y p e > + 
+ < x s d : s e q u e n c e > + 
+ < x s d : e l e m e n t   n a m e = " d o c u m e n t M a n a g e m e n t " > + 
+ < x s d : c o m p l e x T y p e > + 
+ < x s d : a l l / > + 
+ < / x s d : c o m p l e x T y p e > + 
+ < / x s d : e l e m e n t > + 
+ < / x s d : s e q u e n c e > + 
+ < / x s d : c o m p l e x T y p e > + 
+ < / x s d : e l e m e n t > + 
+ < / x s d : s c h e m a > + 
+ < x s d : s c h e m a   t a r g e t N a m e s p a c e = " h t t p : / / s c h e m a s . o p e n x m l f o r m a t s . o r g / p a c k a g e / 2 0 0 6 / m e t a d a t a / c o r e - p r o p e r t i e s "   e l e m e n t F o r m D e f a u l t = " q u a l i f i e d "   a t t r i b u t e F o r m D e f a u l t = " u n q u a l i f i e d "   b l o c k D e f a u l t = " # a l l "   x m l n s = " h t t p : / / s c h e m a s . o p e n x m l f o r m a t s . o r g / p a c k a g e / 2 0 0 6 / m e t a d a t a / c o r e - p r o p e r t i e s "   x m l n s : x s d = " h t t p : / / w w w . w 3 . o r g / 2 0 0 1 / X M L S c h e m a "   x m l n s : x s i = " h t t p : / / w w w . w 3 . o r g / 2 0 0 1 / X M L S c h e m a - i n s t a n c e "   x m l n s : d c = " h t t p : / / p u r l . o r g / d c / e l e m e n t s / 1 . 1 / "   x m l n s : d c t e r m s = " h t t p : / / p u r l . o r g / d c / t e r m s / "   x m l n s : o d o c = " h t t p : / / s c h e m a s . m i c r o s o f t . c o m / i n t e r n a l / o b d " > + 
+ < x s d : i m p o r t   n a m e s p a c e = " h t t p : / / p u r l . o r g / d c / e l e m e n t s / 1 . 1 / "   s c h e m a L o c a t i o n = " h t t p : / / d u b l i n c o r e . o r g / s c h e m a s / x m l s / q d c / 2 0 0 3 / 0 4 / 0 2 / d c . x s d " / > + 
+ < x s d : i m p o r t   n a m e s p a c e = " h t t p : / / p u r l . o r g / d c / t e r m s / "   s c h e m a L o c a t i o n = " h t t p : / / d u b l i n c o r e . o r g / s c h e m a s / x m l s / q d c / 2 0 0 3 / 0 4 / 0 2 / d c t e r m s . x s d " / > + 
+ < x s d : e l e m e n t   n a m e = " c o r e P r o p e r t i e s "   t y p e = " C T _ c o r e P r o p e r t i e s " / > + 
+ < x s d : c o m p l e x T y p e   n a m e = " C T _ c o r e P r o p e r t i e s " > + 
+ < x s d : a l l > + 
+ < x s d : e l e m e n t   r e f = " d c : c r e a t o r "   m i n O c c u r s = " 0 "   m a x O c c u r s = " 1 " / > + 
+ < x s d : e l e m e n t   r e f = " d c t e r m s : c r e a t e d "   m i n O c c u r s = " 0 "   m a x O c c u r s = " 1 " / > + 
+ < x s d : e l e m e n t   r e f = " d c : i d e n t i f i e r "   m i n O c c u r s = " 0 "   m a x O c c u r s = " 1 " / > + 
+ < x s d : e l e m e n t   n a m e = " c o n t e n t T y p e "   m i n O c c u r s = " 0 "   m a x O c c u r s = " 1 "   t y p e = " x s d : s t r i n g "   m a : i n d e x = " 0 "   m a : d i s p l a y N a m e = " C o n t e n t   T y p e " / > + 
+ < x s d : e l e m e n t   r e f = " d c : t i t l e "   m i n O c c u r s = " 0 "   m a x O c c u r s = " 1 "   m a : i n d e x = " 4 "   m a : d i s p l a y N a m e = " T i t l e " / > + 
+ < x s d : e l e m e n t   r e f = " d c : s u b j e c t "   m i n O c c u r s = " 0 "   m a x O c c u r s = " 1 " / > + 
+ < x s d : e l e m e n t   r e f = " d c : d e s c r i p t i o n "   m i n O c c u r s = " 0 "   m a x O c c u r s = " 1 " / > + 
+ < x s d : e l e m e n t   n a m e = " k e y w o r d s "   m i n O c c u r s = " 0 "   m a x O c c u r s = " 1 "   t y p e = " x s d : s t r i n g " / > + 
+ < x s d : e l e m e n t   r e f = " d c : l a n g u a g e "   m i n O c c u r s = " 0 "   m a x O c c u r s = " 1 " / > + 
+ < x s d : e l e m e n t   n a m e = " c a t e g o r y "   m i n O c c u r s = " 0 "   m a x O c c u r s = " 1 "   t y p e = " x s d : s t r i n g " / > + 
+ < x s d : e l e m e n t   n a m e = " v e r s i o n "   m i n O c c u r s = " 0 "   m a x O c c u r s = " 1 "   t y p e = " x s d : s t r i n g " / > + 
+ < x s d : e l e m e n t   n a m e = " r e v i s i o n "   m i n O c c u r s = " 0 "   m a x O c c u r s = " 1 "   t y p e = " x s d : s t r i n g " > + 
+ < x s d : a n n o t a t i o n > + 
+ < x s d : d o c u m e n t a t i o n > + 
+                                                 T h i s   v a l u e   i n d i c a t e s   t h e   n u m b e r   o f   s a v e s   o r   r e v i s i o n s .   T h e   a p p l i c a t i o n   i s   r e s p o n s i b l e   f o r   u p d a t i n g   t h i s   v a l u e   a f t e r   e a c h   r e v i s i o n . + 
+                                         < / x s d : d o c u m e n t a t i o n > + 
+ < / x s d : a n n o t a t i o n > + 
+ < / x s d : e l e m e n t > + 
+ < x s d : e l e m e n t   n a m e = " l a s t M o d i f i e d B y "   m i n O c c u r s = " 0 "   m a x O c c u r s = " 1 "   t y p e = " x s d : s t r i n g " / > + 
+ < x s d : e l e m e n t   r e f = " d c t e r m s : m o d i f i e d "   m i n O c c u r s = " 0 "   m a x O c c u r s = " 1 " / > + 
+ < x s d : e l e m e n t   n a m e = " c o n t e n t S t a t u s "   m i n O c c u r s = " 0 "   m a x O c c u r s = " 1 "   t y p e = " x s d : s t r i n g " / > + 
+ < / x s d : a l l > + 
+ < / x s d : c o m p l e x T y p e > + 
+ < / x s d : s c h e m a > + 
+ < x s : s c h e m a   t a r g e t N a m e s p a c e = " h t t p : / / s c h e m a s . m i c r o s o f t . c o m / o f f i c e / i n f o p a t h / 2 0 0 7 / P a r t n e r C o n t r o l s "   e l e m e n t F o r m D e f a u l t = " q u a l i f i e d "   a t t r i b u t e F o r m D e f a u l t = " u n q u a l i f i e d "   x m l n s : p c = " h t t p : / / s c h e m a s . m i c r o s o f t . c o m / o f f i c e / i n f o p a t h / 2 0 0 7 / P a r t n e r C o n t r o l s "   x m l n s : x s = " h t t p : / / w w w . w 3 . o r g / 2 0 0 1 / X M L S c h e m a " > + 
+ < x s : e l e m e n t   n a m e = " P e r s o n " > + 
+ < x s : c o m p l e x T y p e > + 
+ < x s : s e q u e n c e > + 
+ < x s : e l e m e n t   r e f = " p c : D i s p l a y N a m e "   m i n O c c u r s = " 0 " > < / x s : e l e m e n t > + 
+ < x s : e l e m e n t   r e f = " p c : A c c o u n t I d "   m i n O c c u r s = " 0 " > < / x s : e l e m e n t > + 
+ < x s : e l e m e n t   r e f = " p c : A c c o u n t T y p e "   m i n O c c u r s = " 0 " > < / x s : e l e m e n t > + 
+ < / x s : s e q u e n c e > + 
+ < / x s : c o m p l e x T y p e > + 
+ < / x s : e l e m e n t > + 
+ < x s : e l e m e n t   n a m e = " D i s p l a y N a m e "   t y p e = " x s : s t r i n g " > < / x s : e l e m e n t > + 
+ < x s : e l e m e n t   n a m e = " A c c o u n t I d "   t y p e = " x s : s t r i n g " > < / x s : e l e m e n t > + 
+ < x s : e l e m e n t   n a m e = " A c c o u n t T y p e "   t y p e = " x s : s t r i n g " > < / x s : e l e m e n t > + 
+ < x s : e l e m e n t   n a m e = " B D C A s s o c i a t e d E n t i t y " > + 
+ < x s : c o m p l e x T y p e > + 
+ < x s : s e q u e n c e > + 
+ < x s : e l e m e n t   r e f = " p c : B D C E n t i t y "   m i n O c c u r s = " 0 "   m a x O c c u r s = " u n b o u n d e d " > < / x s : e l e m e n t > + 
+ < / x s : s e q u e n c e > + 
+ < x s : a t t r i b u t e   r e f = " p c : E n t i t y N a m e s p a c e " > < / x s : a t t r i b u t e > + 
+ < x s : a t t r i b u t e   r e f = " p c : E n t i t y N a m e " > < / x s : a t t r i b u t e > + 
+ < x s : a t t r i b u t e   r e f = " p c : S y s t e m I n s t a n c e N a m e " > < / x s : a t t r i b u t e > + 
+ < x s : a t t r i b u t e   r e f = " p c : A s s o c i a t i o n N a m e " > < / x s : a t t r i b u t e > + 
+ < / x s : c o m p l e x T y p e > + 
+ < / x s : e l e m e n t > + 
+ < x s : a t t r i b u t e   n a m e = " E n t i t y N a m e s p a c e "   t y p e = " x s : s t r i n g " > < / x s : a t t r i b u t e > + 
+ < x s : a t t r i b u t e   n a m e = " E n t i t y N a m e "   t y p e = " x s : s t r i n g " > < / x s : a t t r i b u t e > + 
+ < x s : a t t r i b u t e   n a m e = " S y s t e m I n s t a n c e N a m e "   t y p e = " x s : s t r i n g " > < / x s : a t t r i b u t e > + 
+ < x s : a t t r i b u t e   n a m e = " A s s o c i a t i o n N a m e "   t y p e = " x s : s t r i n g " > < / x s : a t t r i b u t e > + 
+ < x s : e l e m e n t   n a m e = " B D C E n t i t y " > + 
+ < x s : c o m p l e x T y p e > + 
+ < x s : s e q u e n c e > + 
+ < x s : e l e m e n t   r e f = " p c : E n t i t y D i s p l a y N a m e "   m i n O c c u r s = " 0 " > < / x s : e l e m e n t > + 
+ < x s : e l e m e n t   r e f = " p c : E n t i t y I n s t a n c e R e f e r e n c e "   m i n O c c u r s = " 0 " > < / x s : e l e m e n t > + 
+ < x s : e l e m e n t   r e f = " p c : E n t i t y I d 1 "   m i n O c c u r s = " 0 " > < / x s : e l e m e n t > + 
+ < x s : e l e m e n t   r e f = " p c : E n t i t y I d 2 "   m i n O c c u r s = " 0 " > < / x s : e l e m e n t > + 
+ < x s : e l e m e n t   r e f = " p c : E n t i t y I d 3 "   m i n O c c u r s = " 0 " > < / x s : e l e m e n t > + 
+ < x s : e l e m e n t   r e f = " p c : E n t i t y I d 4 "   m i n O c c u r s = " 0 " > < / x s : e l e m e n t > + 
+ < x s : e l e m e n t   r e f = " p c : E n t i t y I d 5 "   m i n O c c u r s = " 0 " > < / x s : e l e m e n t > + 
+ < / x s : s e q u e n c e > + 
+ < / x s : c o m p l e x T y p e > + 
+ < / x s : e l e m e n t > + 
+ < x s : e l e m e n t   n a m e = " E n t i t y D i s p l a y N a m e "   t y p e = " x s : s t r i n g " > < / x s : e l e m e n t > + 
+ < x s : e l e m e n t   n a m e = " E n t i t y I n s t a n c e R e f e r e n c e "   t y p e = " x s : s t r i n g " > < / x s : e l e m e n t > + 
+ < x s : e l e m e n t   n a m e = " E n t i t y I d 1 "   t y p e = " x s : s t r i n g " > < / x s : e l e m e n t > + 
+ < x s : e l e m e n t   n a m e = " E n t i t y I d 2 "   t y p e = " x s : s t r i n g " > < / x s : e l e m e n t > + 
+ < x s : e l e m e n t   n a m e = " E n t i t y I d 3 "   t y p e = " x s : s t r i n g " > < / x s : e l e m e n t > + 
+ < x s : e l e m e n t   n a m e = " E n t i t y I d 4 "   t y p e = " x s : s t r i n g " > < / x s : e l e m e n t > + 
+ < x s : e l e m e n t   n a m e = " E n t i t y I d 5 "   t y p e = " x s : s t r i n g " > < / x s : e l e m e n t > + 
+ < x s : e l e m e n t   n a m e = " T e r m s " > + 
+ < x s : c o m p l e x T y p e > + 
+ < x s : s e q u e n c e > + 
+ < x s : e l e m e n t   r e f = " p c : T e r m I n f o "   m i n O c c u r s = " 0 "   m a x O c c u r s = " u n b o u n d e d " > < / x s : e l e m e n t > + 
+ < / x s : s e q u e n c e > + 
+ < / x s : c o m p l e x T y p e > + 
+ < / x s : e l e m e n t > + 
+ < x s : e l e m e n t   n a m e = " T e r m I n f o " > + 
+ < x s : c o m p l e x T y p e > + 
+ < x s : s e q u e n c e > + 
+ < x s : e l e m e n t   r e f = " p c : T e r m N a m e "   m i n O c c u r s = " 0 " > < / x s : e l e m e n t > + 
+ < x s : e l e m e n t   r e f = " p c : T e r m I d "   m i n O c c u r s = " 0 " > < / x s : e l e m e n t > + 
+ < / x s : s e q u e n c e > + 
+ < / x s : c o m p l e x T y p e > + 
+ < / x s : e l e m e n t > + 
+ < x s : e l e m e n t   n a m e = " T e r m N a m e "   t y p e = " x s : s t r i n g " > < / x s : e l e m e n t > + 
+ < x s : e l e m e n t   n a m e = " T e r m I d "   t y p e = " x s : s t r i n g " > < / x s : e l e m e n t > + 
+ < / x s : s c h e m a > + 
+ < / c t : c o n t e n t T y p e S c h e m a > 
 </file>
 
 <file path=customXml/itemProps1.xml><?xml version="1.0" encoding="utf-8"?>
 <ds:datastoreItem xmlns:ds="http://schemas.openxmlformats.org/officeDocument/2006/customXml" ds:itemID="{A1A4E927-2E19-40DA-AC21-D3EBC4321306}">
-  <ds:schemaRefs>
-    <ds:schemaRef ds:uri="http://purl.org/dc/elements/1.1/"/>
-    <ds:schemaRef ds:uri="http://schemas.microsoft.com/office/2006/metadata/properties"/>
-    <ds:schemaRef ds:uri="http://schemas.microsoft.com/office/2006/documentManagement/types"/>
-    <ds:schemaRef ds:uri="http://purl.org/dc/terms/"/>
-    <ds:schemaRef ds:uri="http://schemas.openxmlformats.org/package/2006/metadata/core-properties"/>
-    <ds:schemaRef ds:uri="http://purl.org/dc/dcmitype/"/>
-    <ds:schemaRef ds:uri="http://schemas.microsoft.com/office/infopath/2007/PartnerControls"/>
-    <ds:schemaRef ds:uri="http://www.w3.org/XML/1998/namespace"/>
-  </ds:schemaRefs>
+  <ds:schemaRefs/>
 </ds:datastoreItem>
 </file>
 
 <file path=customXml/itemProps2.xml><?xml version="1.0" encoding="utf-8"?>
 <ds:datastoreItem xmlns:ds="http://schemas.openxmlformats.org/officeDocument/2006/customXml" ds:itemID="{E0C0B7D1-9D1B-4D75-900E-434169096BEF}">
-  <ds:schemaRefs>
-    <ds:schemaRef ds:uri="http://schemas.microsoft.com/sharepoint/v3/contenttype/forms"/>
-  </ds:schemaRefs>
+  <ds:schemaRefs/>
 </ds:datastoreItem>
 </file>
 
 <file path=customXml/itemProps3.xml><?xml version="1.0" encoding="utf-8"?>
 <ds:datastoreItem xmlns:ds="http://schemas.openxmlformats.org/officeDocument/2006/customXml" ds:itemID="{73BB0E4A-51FC-4B4D-8B7E-209EA6035DF3}">
-  <ds:schemaRefs>
-    <ds:schemaRef ds:uri="http://schemas.microsoft.com/office/2006/metadata/contentType"/>
-    <ds:schemaRef ds:uri="http://schemas.microsoft.com/office/2006/metadata/properties/metaAttributes"/>
-    <ds:schemaRef ds:uri="http://www.w3.org/2001/XMLSchema"/>
-    <ds:schemaRef ds:uri="http://schemas.microsoft.com/office/2006/metadata/properties"/>
-    <ds:schemaRef ds:uri="http://schemas.openxmlformats.org/package/2006/metadata/core-properties"/>
-    <ds:schemaRef ds:uri="http://purl.org/dc/elements/1.1/"/>
-    <ds:schemaRef ds:uri="http://purl.org/dc/terms/"/>
-    <ds:schemaRef ds:uri="http://schemas.microsoft.com/internal/obd"/>
-    <ds:schemaRef ds:uri="http://schemas.microsoft.com/office/infopath/2007/PartnerControls"/>
-  </ds:schemaRefs>
+  <ds:schemaRefs/>
 </ds:datastoreItem>
 </file>